--- a/Prezentacija.pptx
+++ b/Prezentacija.pptx
@@ -17,7 +17,7 @@
     <p:sldId id="262" r:id="rId11"/>
     <p:sldId id="266" r:id="rId12"/>
     <p:sldId id="267" r:id="rId13"/>
-    <p:sldId id="270" r:id="rId14"/>
+    <p:sldId id="271" r:id="rId14"/>
     <p:sldId id="269" r:id="rId15"/>
   </p:sldIdLst>
   <p:sldSz cx="12192000" cy="6858000"/>
@@ -123,6 +123,5714 @@
     </p:ext>
   </p:extLst>
 </p:presentation>
+</file>
+
+<file path=ppt/diagrams/colors1.xml><?xml version="1.0" encoding="utf-8"?>
+<dgm:colorsDef xmlns:dgm="http://schemas.openxmlformats.org/drawingml/2006/diagram" xmlns:a="http://schemas.openxmlformats.org/drawingml/2006/main" uniqueId="urn:microsoft.com/office/officeart/2005/8/colors/colorful2">
+  <dgm:title val=""/>
+  <dgm:desc val=""/>
+  <dgm:catLst>
+    <dgm:cat type="colorful" pri="10200"/>
+  </dgm:catLst>
+  <dgm:styleLbl name="node0">
+    <dgm:fillClrLst meth="repeat">
+      <a:schemeClr val="accent1"/>
+    </dgm:fillClrLst>
+    <dgm:linClrLst meth="repeat">
+      <a:schemeClr val="lt1"/>
+    </dgm:linClrLst>
+    <dgm:effectClrLst/>
+    <dgm:txLinClrLst/>
+    <dgm:txFillClrLst/>
+    <dgm:txEffectClrLst/>
+  </dgm:styleLbl>
+  <dgm:styleLbl name="node1">
+    <dgm:fillClrLst>
+      <a:schemeClr val="accent2"/>
+      <a:schemeClr val="accent3"/>
+    </dgm:fillClrLst>
+    <dgm:linClrLst meth="repeat">
+      <a:schemeClr val="lt1"/>
+    </dgm:linClrLst>
+    <dgm:effectClrLst/>
+    <dgm:txLinClrLst/>
+    <dgm:txFillClrLst/>
+    <dgm:txEffectClrLst/>
+  </dgm:styleLbl>
+  <dgm:styleLbl name="alignNode1">
+    <dgm:fillClrLst>
+      <a:schemeClr val="accent2"/>
+      <a:schemeClr val="accent3"/>
+    </dgm:fillClrLst>
+    <dgm:linClrLst>
+      <a:schemeClr val="accent2"/>
+      <a:schemeClr val="accent3"/>
+    </dgm:linClrLst>
+    <dgm:effectClrLst/>
+    <dgm:txLinClrLst/>
+    <dgm:txFillClrLst/>
+    <dgm:txEffectClrLst/>
+  </dgm:styleLbl>
+  <dgm:styleLbl name="lnNode1">
+    <dgm:fillClrLst>
+      <a:schemeClr val="accent2"/>
+      <a:schemeClr val="accent3"/>
+    </dgm:fillClrLst>
+    <dgm:linClrLst meth="repeat">
+      <a:schemeClr val="lt1"/>
+    </dgm:linClrLst>
+    <dgm:effectClrLst/>
+    <dgm:txLinClrLst/>
+    <dgm:txFillClrLst/>
+    <dgm:txEffectClrLst/>
+  </dgm:styleLbl>
+  <dgm:styleLbl name="vennNode1">
+    <dgm:fillClrLst>
+      <a:schemeClr val="accent2">
+        <a:alpha val="50000"/>
+      </a:schemeClr>
+      <a:schemeClr val="accent3">
+        <a:alpha val="50000"/>
+      </a:schemeClr>
+    </dgm:fillClrLst>
+    <dgm:linClrLst meth="repeat">
+      <a:schemeClr val="lt1"/>
+    </dgm:linClrLst>
+    <dgm:effectClrLst/>
+    <dgm:txLinClrLst/>
+    <dgm:txFillClrLst/>
+    <dgm:txEffectClrLst/>
+  </dgm:styleLbl>
+  <dgm:styleLbl name="node2">
+    <dgm:fillClrLst>
+      <a:schemeClr val="accent3"/>
+    </dgm:fillClrLst>
+    <dgm:linClrLst meth="repeat">
+      <a:schemeClr val="lt1"/>
+    </dgm:linClrLst>
+    <dgm:effectClrLst/>
+    <dgm:txLinClrLst/>
+    <dgm:txFillClrLst/>
+    <dgm:txEffectClrLst/>
+  </dgm:styleLbl>
+  <dgm:styleLbl name="node3">
+    <dgm:fillClrLst>
+      <a:schemeClr val="accent4"/>
+    </dgm:fillClrLst>
+    <dgm:linClrLst meth="repeat">
+      <a:schemeClr val="lt1"/>
+    </dgm:linClrLst>
+    <dgm:effectClrLst/>
+    <dgm:txLinClrLst/>
+    <dgm:txFillClrLst/>
+    <dgm:txEffectClrLst/>
+  </dgm:styleLbl>
+  <dgm:styleLbl name="node4">
+    <dgm:fillClrLst>
+      <a:schemeClr val="accent5"/>
+    </dgm:fillClrLst>
+    <dgm:linClrLst meth="repeat">
+      <a:schemeClr val="lt1"/>
+    </dgm:linClrLst>
+    <dgm:effectClrLst/>
+    <dgm:txLinClrLst/>
+    <dgm:txFillClrLst/>
+    <dgm:txEffectClrLst/>
+  </dgm:styleLbl>
+  <dgm:styleLbl name="fgImgPlace1">
+    <dgm:fillClrLst>
+      <a:schemeClr val="accent2">
+        <a:tint val="50000"/>
+      </a:schemeClr>
+      <a:schemeClr val="accent3">
+        <a:tint val="50000"/>
+      </a:schemeClr>
+    </dgm:fillClrLst>
+    <dgm:linClrLst meth="repeat">
+      <a:schemeClr val="lt1"/>
+    </dgm:linClrLst>
+    <dgm:effectClrLst/>
+    <dgm:txLinClrLst/>
+    <dgm:txFillClrLst meth="repeat">
+      <a:schemeClr val="lt1"/>
+    </dgm:txFillClrLst>
+    <dgm:txEffectClrLst/>
+  </dgm:styleLbl>
+  <dgm:styleLbl name="alignImgPlace1">
+    <dgm:fillClrLst>
+      <a:schemeClr val="accent2">
+        <a:tint val="50000"/>
+      </a:schemeClr>
+      <a:schemeClr val="accent3">
+        <a:tint val="20000"/>
+      </a:schemeClr>
+    </dgm:fillClrLst>
+    <dgm:linClrLst meth="repeat">
+      <a:schemeClr val="lt1"/>
+    </dgm:linClrLst>
+    <dgm:effectClrLst/>
+    <dgm:txLinClrLst/>
+    <dgm:txFillClrLst meth="repeat">
+      <a:schemeClr val="lt1"/>
+    </dgm:txFillClrLst>
+    <dgm:txEffectClrLst/>
+  </dgm:styleLbl>
+  <dgm:styleLbl name="bgImgPlace1">
+    <dgm:fillClrLst>
+      <a:schemeClr val="accent2">
+        <a:tint val="50000"/>
+      </a:schemeClr>
+      <a:schemeClr val="accent3">
+        <a:tint val="20000"/>
+      </a:schemeClr>
+    </dgm:fillClrLst>
+    <dgm:linClrLst meth="repeat">
+      <a:schemeClr val="lt1"/>
+    </dgm:linClrLst>
+    <dgm:effectClrLst/>
+    <dgm:txLinClrLst/>
+    <dgm:txFillClrLst meth="repeat">
+      <a:schemeClr val="lt1"/>
+    </dgm:txFillClrLst>
+    <dgm:txEffectClrLst/>
+  </dgm:styleLbl>
+  <dgm:styleLbl name="sibTrans2D1">
+    <dgm:fillClrLst>
+      <a:schemeClr val="accent2"/>
+      <a:schemeClr val="accent3"/>
+    </dgm:fillClrLst>
+    <dgm:linClrLst meth="repeat">
+      <a:schemeClr val="lt1"/>
+    </dgm:linClrLst>
+    <dgm:effectClrLst/>
+    <dgm:txLinClrLst/>
+    <dgm:txFillClrLst/>
+    <dgm:txEffectClrLst/>
+  </dgm:styleLbl>
+  <dgm:styleLbl name="fgSibTrans2D1">
+    <dgm:fillClrLst>
+      <a:schemeClr val="accent2"/>
+      <a:schemeClr val="accent3"/>
+    </dgm:fillClrLst>
+    <dgm:linClrLst meth="repeat">
+      <a:schemeClr val="lt1"/>
+    </dgm:linClrLst>
+    <dgm:effectClrLst/>
+    <dgm:txLinClrLst/>
+    <dgm:txFillClrLst meth="repeat">
+      <a:schemeClr val="lt1"/>
+    </dgm:txFillClrLst>
+    <dgm:txEffectClrLst/>
+  </dgm:styleLbl>
+  <dgm:styleLbl name="bgSibTrans2D1">
+    <dgm:fillClrLst>
+      <a:schemeClr val="accent2"/>
+      <a:schemeClr val="accent3"/>
+    </dgm:fillClrLst>
+    <dgm:linClrLst meth="repeat">
+      <a:schemeClr val="lt1"/>
+    </dgm:linClrLst>
+    <dgm:effectClrLst/>
+    <dgm:txLinClrLst/>
+    <dgm:txFillClrLst meth="repeat">
+      <a:schemeClr val="lt1"/>
+    </dgm:txFillClrLst>
+    <dgm:txEffectClrLst/>
+  </dgm:styleLbl>
+  <dgm:styleLbl name="sibTrans1D1">
+    <dgm:fillClrLst/>
+    <dgm:linClrLst>
+      <a:schemeClr val="accent2"/>
+      <a:schemeClr val="accent3"/>
+    </dgm:linClrLst>
+    <dgm:effectClrLst/>
+    <dgm:txLinClrLst/>
+    <dgm:txFillClrLst meth="repeat">
+      <a:schemeClr val="tx1"/>
+    </dgm:txFillClrLst>
+    <dgm:txEffectClrLst/>
+  </dgm:styleLbl>
+  <dgm:styleLbl name="callout">
+    <dgm:fillClrLst meth="repeat">
+      <a:schemeClr val="accent2"/>
+    </dgm:fillClrLst>
+    <dgm:linClrLst meth="repeat">
+      <a:schemeClr val="accent2">
+        <a:tint val="50000"/>
+      </a:schemeClr>
+    </dgm:linClrLst>
+    <dgm:effectClrLst/>
+    <dgm:txLinClrLst/>
+    <dgm:txFillClrLst meth="repeat">
+      <a:schemeClr val="tx1"/>
+    </dgm:txFillClrLst>
+    <dgm:txEffectClrLst/>
+  </dgm:styleLbl>
+  <dgm:styleLbl name="asst0">
+    <dgm:fillClrLst meth="repeat">
+      <a:schemeClr val="accent2"/>
+    </dgm:fillClrLst>
+    <dgm:linClrLst meth="repeat">
+      <a:schemeClr val="lt1">
+        <a:shade val="80000"/>
+      </a:schemeClr>
+    </dgm:linClrLst>
+    <dgm:effectClrLst/>
+    <dgm:txLinClrLst/>
+    <dgm:txFillClrLst/>
+    <dgm:txEffectClrLst/>
+  </dgm:styleLbl>
+  <dgm:styleLbl name="asst1">
+    <dgm:fillClrLst meth="repeat">
+      <a:schemeClr val="accent3"/>
+    </dgm:fillClrLst>
+    <dgm:linClrLst meth="repeat">
+      <a:schemeClr val="lt1">
+        <a:shade val="80000"/>
+      </a:schemeClr>
+    </dgm:linClrLst>
+    <dgm:effectClrLst/>
+    <dgm:txLinClrLst/>
+    <dgm:txFillClrLst/>
+    <dgm:txEffectClrLst/>
+  </dgm:styleLbl>
+  <dgm:styleLbl name="asst2">
+    <dgm:fillClrLst>
+      <a:schemeClr val="accent4"/>
+    </dgm:fillClrLst>
+    <dgm:linClrLst meth="repeat">
+      <a:schemeClr val="lt1"/>
+    </dgm:linClrLst>
+    <dgm:effectClrLst/>
+    <dgm:txLinClrLst/>
+    <dgm:txFillClrLst/>
+    <dgm:txEffectClrLst/>
+  </dgm:styleLbl>
+  <dgm:styleLbl name="asst3">
+    <dgm:fillClrLst>
+      <a:schemeClr val="accent5"/>
+    </dgm:fillClrLst>
+    <dgm:linClrLst meth="repeat">
+      <a:schemeClr val="lt1"/>
+    </dgm:linClrLst>
+    <dgm:effectClrLst/>
+    <dgm:txLinClrLst/>
+    <dgm:txFillClrLst/>
+    <dgm:txEffectClrLst/>
+  </dgm:styleLbl>
+  <dgm:styleLbl name="asst4">
+    <dgm:fillClrLst>
+      <a:schemeClr val="accent6"/>
+    </dgm:fillClrLst>
+    <dgm:linClrLst meth="repeat">
+      <a:schemeClr val="lt1"/>
+    </dgm:linClrLst>
+    <dgm:effectClrLst/>
+    <dgm:txLinClrLst/>
+    <dgm:txFillClrLst/>
+    <dgm:txEffectClrLst/>
+  </dgm:styleLbl>
+  <dgm:styleLbl name="parChTrans2D1">
+    <dgm:fillClrLst meth="repeat">
+      <a:schemeClr val="accent2"/>
+    </dgm:fillClrLst>
+    <dgm:linClrLst meth="repeat">
+      <a:schemeClr val="lt1"/>
+    </dgm:linClrLst>
+    <dgm:effectClrLst/>
+    <dgm:txLinClrLst/>
+    <dgm:txFillClrLst meth="repeat">
+      <a:schemeClr val="lt1"/>
+    </dgm:txFillClrLst>
+    <dgm:txEffectClrLst/>
+  </dgm:styleLbl>
+  <dgm:styleLbl name="parChTrans2D2">
+    <dgm:fillClrLst meth="repeat">
+      <a:schemeClr val="accent3"/>
+    </dgm:fillClrLst>
+    <dgm:linClrLst meth="repeat">
+      <a:schemeClr val="lt1"/>
+    </dgm:linClrLst>
+    <dgm:effectClrLst/>
+    <dgm:txLinClrLst/>
+    <dgm:txFillClrLst/>
+    <dgm:txEffectClrLst/>
+  </dgm:styleLbl>
+  <dgm:styleLbl name="parChTrans2D3">
+    <dgm:fillClrLst meth="repeat">
+      <a:schemeClr val="accent4"/>
+    </dgm:fillClrLst>
+    <dgm:linClrLst meth="repeat">
+      <a:schemeClr val="lt1"/>
+    </dgm:linClrLst>
+    <dgm:effectClrLst/>
+    <dgm:txLinClrLst/>
+    <dgm:txFillClrLst/>
+    <dgm:txEffectClrLst/>
+  </dgm:styleLbl>
+  <dgm:styleLbl name="parChTrans2D4">
+    <dgm:fillClrLst meth="repeat">
+      <a:schemeClr val="accent5"/>
+    </dgm:fillClrLst>
+    <dgm:linClrLst meth="repeat">
+      <a:schemeClr val="lt1"/>
+    </dgm:linClrLst>
+    <dgm:effectClrLst/>
+    <dgm:txLinClrLst/>
+    <dgm:txFillClrLst meth="repeat">
+      <a:schemeClr val="lt1"/>
+    </dgm:txFillClrLst>
+    <dgm:txEffectClrLst/>
+  </dgm:styleLbl>
+  <dgm:styleLbl name="parChTrans1D1">
+    <dgm:fillClrLst meth="repeat">
+      <a:schemeClr val="accent2"/>
+    </dgm:fillClrLst>
+    <dgm:linClrLst meth="repeat">
+      <a:schemeClr val="accent2"/>
+    </dgm:linClrLst>
+    <dgm:effectClrLst/>
+    <dgm:txLinClrLst/>
+    <dgm:txFillClrLst meth="repeat">
+      <a:schemeClr val="tx1"/>
+    </dgm:txFillClrLst>
+    <dgm:txEffectClrLst/>
+  </dgm:styleLbl>
+  <dgm:styleLbl name="parChTrans1D2">
+    <dgm:fillClrLst meth="repeat">
+      <a:schemeClr val="accent2">
+        <a:tint val="90000"/>
+      </a:schemeClr>
+    </dgm:fillClrLst>
+    <dgm:linClrLst meth="repeat">
+      <a:schemeClr val="accent3"/>
+    </dgm:linClrLst>
+    <dgm:effectClrLst/>
+    <dgm:txLinClrLst/>
+    <dgm:txFillClrLst meth="repeat">
+      <a:schemeClr val="tx1"/>
+    </dgm:txFillClrLst>
+    <dgm:txEffectClrLst/>
+  </dgm:styleLbl>
+  <dgm:styleLbl name="parChTrans1D3">
+    <dgm:fillClrLst meth="repeat">
+      <a:schemeClr val="accent2">
+        <a:tint val="70000"/>
+      </a:schemeClr>
+    </dgm:fillClrLst>
+    <dgm:linClrLst meth="repeat">
+      <a:schemeClr val="accent4"/>
+    </dgm:linClrLst>
+    <dgm:effectClrLst/>
+    <dgm:txLinClrLst/>
+    <dgm:txFillClrLst meth="repeat">
+      <a:schemeClr val="tx1"/>
+    </dgm:txFillClrLst>
+    <dgm:txEffectClrLst/>
+  </dgm:styleLbl>
+  <dgm:styleLbl name="parChTrans1D4">
+    <dgm:fillClrLst meth="repeat">
+      <a:schemeClr val="accent2">
+        <a:tint val="50000"/>
+      </a:schemeClr>
+    </dgm:fillClrLst>
+    <dgm:linClrLst meth="repeat">
+      <a:schemeClr val="accent5"/>
+    </dgm:linClrLst>
+    <dgm:effectClrLst/>
+    <dgm:txLinClrLst/>
+    <dgm:txFillClrLst meth="repeat">
+      <a:schemeClr val="tx1"/>
+    </dgm:txFillClrLst>
+    <dgm:txEffectClrLst/>
+  </dgm:styleLbl>
+  <dgm:styleLbl name="fgAcc1">
+    <dgm:fillClrLst meth="repeat">
+      <a:schemeClr val="lt1">
+        <a:alpha val="90000"/>
+      </a:schemeClr>
+    </dgm:fillClrLst>
+    <dgm:linClrLst>
+      <a:schemeClr val="accent2"/>
+      <a:schemeClr val="accent3"/>
+    </dgm:linClrLst>
+    <dgm:effectClrLst/>
+    <dgm:txLinClrLst/>
+    <dgm:txFillClrLst meth="repeat">
+      <a:schemeClr val="dk1"/>
+    </dgm:txFillClrLst>
+    <dgm:txEffectClrLst/>
+  </dgm:styleLbl>
+  <dgm:styleLbl name="conFgAcc1">
+    <dgm:fillClrLst meth="repeat">
+      <a:schemeClr val="lt1">
+        <a:alpha val="90000"/>
+      </a:schemeClr>
+    </dgm:fillClrLst>
+    <dgm:linClrLst>
+      <a:schemeClr val="accent2"/>
+      <a:schemeClr val="accent3"/>
+    </dgm:linClrLst>
+    <dgm:effectClrLst/>
+    <dgm:txLinClrLst/>
+    <dgm:txFillClrLst meth="repeat">
+      <a:schemeClr val="dk1"/>
+    </dgm:txFillClrLst>
+    <dgm:txEffectClrLst/>
+  </dgm:styleLbl>
+  <dgm:styleLbl name="alignAcc1">
+    <dgm:fillClrLst meth="repeat">
+      <a:schemeClr val="lt1">
+        <a:alpha val="90000"/>
+      </a:schemeClr>
+    </dgm:fillClrLst>
+    <dgm:linClrLst>
+      <a:schemeClr val="accent2"/>
+      <a:schemeClr val="accent3"/>
+    </dgm:linClrLst>
+    <dgm:effectClrLst/>
+    <dgm:txLinClrLst/>
+    <dgm:txFillClrLst meth="repeat">
+      <a:schemeClr val="dk1"/>
+    </dgm:txFillClrLst>
+    <dgm:txEffectClrLst/>
+  </dgm:styleLbl>
+  <dgm:styleLbl name="trAlignAcc1">
+    <dgm:fillClrLst meth="repeat">
+      <a:schemeClr val="lt1">
+        <a:alpha val="40000"/>
+      </a:schemeClr>
+    </dgm:fillClrLst>
+    <dgm:linClrLst meth="repeat">
+      <a:schemeClr val="accent2"/>
+    </dgm:linClrLst>
+    <dgm:effectClrLst/>
+    <dgm:txLinClrLst/>
+    <dgm:txFillClrLst meth="repeat">
+      <a:schemeClr val="dk1"/>
+    </dgm:txFillClrLst>
+    <dgm:txEffectClrLst/>
+  </dgm:styleLbl>
+  <dgm:styleLbl name="bgAcc1">
+    <dgm:fillClrLst meth="repeat">
+      <a:schemeClr val="lt1">
+        <a:alpha val="90000"/>
+      </a:schemeClr>
+    </dgm:fillClrLst>
+    <dgm:linClrLst>
+      <a:schemeClr val="accent2"/>
+      <a:schemeClr val="accent3"/>
+    </dgm:linClrLst>
+    <dgm:effectClrLst/>
+    <dgm:txLinClrLst/>
+    <dgm:txFillClrLst meth="repeat">
+      <a:schemeClr val="dk1"/>
+    </dgm:txFillClrLst>
+    <dgm:txEffectClrLst/>
+  </dgm:styleLbl>
+  <dgm:styleLbl name="solidFgAcc1">
+    <dgm:fillClrLst meth="repeat">
+      <a:schemeClr val="lt1"/>
+    </dgm:fillClrLst>
+    <dgm:linClrLst>
+      <a:schemeClr val="accent2"/>
+      <a:schemeClr val="accent3"/>
+    </dgm:linClrLst>
+    <dgm:effectClrLst/>
+    <dgm:txLinClrLst/>
+    <dgm:txFillClrLst meth="repeat">
+      <a:schemeClr val="dk1"/>
+    </dgm:txFillClrLst>
+    <dgm:txEffectClrLst/>
+  </dgm:styleLbl>
+  <dgm:styleLbl name="solidAlignAcc1">
+    <dgm:fillClrLst meth="repeat">
+      <a:schemeClr val="lt1"/>
+    </dgm:fillClrLst>
+    <dgm:linClrLst>
+      <a:schemeClr val="accent2"/>
+      <a:schemeClr val="accent3"/>
+    </dgm:linClrLst>
+    <dgm:effectClrLst/>
+    <dgm:txLinClrLst/>
+    <dgm:txFillClrLst meth="repeat">
+      <a:schemeClr val="dk1"/>
+    </dgm:txFillClrLst>
+    <dgm:txEffectClrLst/>
+  </dgm:styleLbl>
+  <dgm:styleLbl name="solidBgAcc1">
+    <dgm:fillClrLst meth="repeat">
+      <a:schemeClr val="lt1"/>
+    </dgm:fillClrLst>
+    <dgm:linClrLst>
+      <a:schemeClr val="accent2"/>
+      <a:schemeClr val="accent3"/>
+    </dgm:linClrLst>
+    <dgm:effectClrLst/>
+    <dgm:txLinClrLst/>
+    <dgm:txFillClrLst meth="repeat">
+      <a:schemeClr val="dk1"/>
+    </dgm:txFillClrLst>
+    <dgm:txEffectClrLst/>
+  </dgm:styleLbl>
+  <dgm:styleLbl name="fgAccFollowNode1">
+    <dgm:fillClrLst>
+      <a:schemeClr val="accent2">
+        <a:tint val="40000"/>
+        <a:alpha val="90000"/>
+      </a:schemeClr>
+      <a:schemeClr val="accent3">
+        <a:tint val="40000"/>
+        <a:alpha val="90000"/>
+      </a:schemeClr>
+    </dgm:fillClrLst>
+    <dgm:linClrLst>
+      <a:schemeClr val="accent2">
+        <a:tint val="40000"/>
+        <a:alpha val="90000"/>
+      </a:schemeClr>
+      <a:schemeClr val="accent3">
+        <a:tint val="40000"/>
+        <a:alpha val="90000"/>
+      </a:schemeClr>
+    </dgm:linClrLst>
+    <dgm:effectClrLst/>
+    <dgm:txLinClrLst/>
+    <dgm:txFillClrLst meth="repeat">
+      <a:schemeClr val="dk1"/>
+    </dgm:txFillClrLst>
+    <dgm:txEffectClrLst/>
+  </dgm:styleLbl>
+  <dgm:styleLbl name="alignAccFollowNode1">
+    <dgm:fillClrLst>
+      <a:schemeClr val="accent2">
+        <a:tint val="40000"/>
+        <a:alpha val="90000"/>
+      </a:schemeClr>
+      <a:schemeClr val="accent3">
+        <a:tint val="40000"/>
+        <a:alpha val="90000"/>
+      </a:schemeClr>
+    </dgm:fillClrLst>
+    <dgm:linClrLst>
+      <a:schemeClr val="accent2">
+        <a:tint val="40000"/>
+        <a:alpha val="90000"/>
+      </a:schemeClr>
+      <a:schemeClr val="accent3">
+        <a:tint val="40000"/>
+        <a:alpha val="90000"/>
+      </a:schemeClr>
+    </dgm:linClrLst>
+    <dgm:effectClrLst/>
+    <dgm:txLinClrLst/>
+    <dgm:txFillClrLst meth="repeat">
+      <a:schemeClr val="dk1"/>
+    </dgm:txFillClrLst>
+    <dgm:txEffectClrLst/>
+  </dgm:styleLbl>
+  <dgm:styleLbl name="bgAccFollowNode1">
+    <dgm:fillClrLst>
+      <a:schemeClr val="accent2">
+        <a:tint val="40000"/>
+        <a:alpha val="90000"/>
+      </a:schemeClr>
+      <a:schemeClr val="accent3">
+        <a:tint val="40000"/>
+        <a:alpha val="90000"/>
+      </a:schemeClr>
+    </dgm:fillClrLst>
+    <dgm:linClrLst>
+      <a:schemeClr val="accent2">
+        <a:tint val="40000"/>
+        <a:alpha val="90000"/>
+      </a:schemeClr>
+      <a:schemeClr val="accent3">
+        <a:tint val="40000"/>
+        <a:alpha val="90000"/>
+      </a:schemeClr>
+    </dgm:linClrLst>
+    <dgm:effectClrLst/>
+    <dgm:txLinClrLst/>
+    <dgm:txFillClrLst meth="repeat">
+      <a:schemeClr val="dk1"/>
+    </dgm:txFillClrLst>
+    <dgm:txEffectClrLst/>
+  </dgm:styleLbl>
+  <dgm:styleLbl name="fgAcc0">
+    <dgm:fillClrLst meth="repeat">
+      <a:schemeClr val="lt1">
+        <a:alpha val="90000"/>
+      </a:schemeClr>
+    </dgm:fillClrLst>
+    <dgm:linClrLst>
+      <a:schemeClr val="accent1"/>
+    </dgm:linClrLst>
+    <dgm:effectClrLst/>
+    <dgm:txLinClrLst/>
+    <dgm:txFillClrLst meth="repeat">
+      <a:schemeClr val="dk1"/>
+    </dgm:txFillClrLst>
+    <dgm:txEffectClrLst/>
+  </dgm:styleLbl>
+  <dgm:styleLbl name="fgAcc2">
+    <dgm:fillClrLst meth="repeat">
+      <a:schemeClr val="lt1">
+        <a:alpha val="90000"/>
+      </a:schemeClr>
+    </dgm:fillClrLst>
+    <dgm:linClrLst>
+      <a:schemeClr val="accent3"/>
+    </dgm:linClrLst>
+    <dgm:effectClrLst/>
+    <dgm:txLinClrLst/>
+    <dgm:txFillClrLst meth="repeat">
+      <a:schemeClr val="dk1"/>
+    </dgm:txFillClrLst>
+    <dgm:txEffectClrLst/>
+  </dgm:styleLbl>
+  <dgm:styleLbl name="fgAcc3">
+    <dgm:fillClrLst meth="repeat">
+      <a:schemeClr val="lt1">
+        <a:alpha val="90000"/>
+      </a:schemeClr>
+    </dgm:fillClrLst>
+    <dgm:linClrLst>
+      <a:schemeClr val="accent4"/>
+    </dgm:linClrLst>
+    <dgm:effectClrLst/>
+    <dgm:txLinClrLst/>
+    <dgm:txFillClrLst meth="repeat">
+      <a:schemeClr val="dk1"/>
+    </dgm:txFillClrLst>
+    <dgm:txEffectClrLst/>
+  </dgm:styleLbl>
+  <dgm:styleLbl name="fgAcc4">
+    <dgm:fillClrLst meth="repeat">
+      <a:schemeClr val="lt1">
+        <a:alpha val="90000"/>
+      </a:schemeClr>
+    </dgm:fillClrLst>
+    <dgm:linClrLst>
+      <a:schemeClr val="accent5"/>
+    </dgm:linClrLst>
+    <dgm:effectClrLst/>
+    <dgm:txLinClrLst/>
+    <dgm:txFillClrLst meth="repeat">
+      <a:schemeClr val="dk1"/>
+    </dgm:txFillClrLst>
+    <dgm:txEffectClrLst/>
+  </dgm:styleLbl>
+  <dgm:styleLbl name="bgShp">
+    <dgm:fillClrLst meth="repeat">
+      <a:schemeClr val="accent2">
+        <a:tint val="40000"/>
+      </a:schemeClr>
+    </dgm:fillClrLst>
+    <dgm:linClrLst meth="repeat">
+      <a:schemeClr val="dk1"/>
+    </dgm:linClrLst>
+    <dgm:effectClrLst/>
+    <dgm:txLinClrLst/>
+    <dgm:txFillClrLst meth="repeat">
+      <a:schemeClr val="dk1"/>
+    </dgm:txFillClrLst>
+    <dgm:txEffectClrLst/>
+  </dgm:styleLbl>
+  <dgm:styleLbl name="dkBgShp">
+    <dgm:fillClrLst meth="repeat">
+      <a:schemeClr val="accent2">
+        <a:shade val="90000"/>
+      </a:schemeClr>
+    </dgm:fillClrLst>
+    <dgm:linClrLst meth="repeat">
+      <a:schemeClr val="dk1"/>
+    </dgm:linClrLst>
+    <dgm:effectClrLst/>
+    <dgm:txLinClrLst/>
+    <dgm:txFillClrLst meth="repeat">
+      <a:schemeClr val="lt1"/>
+    </dgm:txFillClrLst>
+    <dgm:txEffectClrLst/>
+  </dgm:styleLbl>
+  <dgm:styleLbl name="trBgShp">
+    <dgm:fillClrLst meth="repeat">
+      <a:schemeClr val="accent2">
+        <a:tint val="50000"/>
+        <a:alpha val="40000"/>
+      </a:schemeClr>
+    </dgm:fillClrLst>
+    <dgm:linClrLst meth="repeat">
+      <a:schemeClr val="accent2"/>
+    </dgm:linClrLst>
+    <dgm:effectClrLst/>
+    <dgm:txLinClrLst/>
+    <dgm:txFillClrLst meth="repeat">
+      <a:schemeClr val="lt1"/>
+    </dgm:txFillClrLst>
+    <dgm:txEffectClrLst/>
+  </dgm:styleLbl>
+  <dgm:styleLbl name="fgShp">
+    <dgm:fillClrLst meth="repeat">
+      <a:schemeClr val="accent2">
+        <a:tint val="40000"/>
+      </a:schemeClr>
+    </dgm:fillClrLst>
+    <dgm:linClrLst meth="repeat">
+      <a:schemeClr val="lt1"/>
+    </dgm:linClrLst>
+    <dgm:effectClrLst/>
+    <dgm:txLinClrLst/>
+    <dgm:txFillClrLst meth="repeat">
+      <a:schemeClr val="dk1"/>
+    </dgm:txFillClrLst>
+    <dgm:txEffectClrLst/>
+  </dgm:styleLbl>
+  <dgm:styleLbl name="revTx">
+    <dgm:fillClrLst meth="repeat">
+      <a:schemeClr val="lt1">
+        <a:alpha val="0"/>
+      </a:schemeClr>
+    </dgm:fillClrLst>
+    <dgm:linClrLst meth="repeat">
+      <a:schemeClr val="dk1">
+        <a:alpha val="0"/>
+      </a:schemeClr>
+    </dgm:linClrLst>
+    <dgm:effectClrLst/>
+    <dgm:txLinClrLst/>
+    <dgm:txFillClrLst meth="repeat">
+      <a:schemeClr val="tx1"/>
+    </dgm:txFillClrLst>
+    <dgm:txEffectClrLst/>
+  </dgm:styleLbl>
+</dgm:colorsDef>
+</file>
+
+<file path=ppt/diagrams/colors2.xml><?xml version="1.0" encoding="utf-8"?>
+<dgm:colorsDef xmlns:dgm="http://schemas.openxmlformats.org/drawingml/2006/diagram" xmlns:a="http://schemas.openxmlformats.org/drawingml/2006/main" uniqueId="urn:microsoft.com/office/officeart/2005/8/colors/colorful2">
+  <dgm:title val=""/>
+  <dgm:desc val=""/>
+  <dgm:catLst>
+    <dgm:cat type="colorful" pri="10200"/>
+  </dgm:catLst>
+  <dgm:styleLbl name="node0">
+    <dgm:fillClrLst meth="repeat">
+      <a:schemeClr val="accent1"/>
+    </dgm:fillClrLst>
+    <dgm:linClrLst meth="repeat">
+      <a:schemeClr val="lt1"/>
+    </dgm:linClrLst>
+    <dgm:effectClrLst/>
+    <dgm:txLinClrLst/>
+    <dgm:txFillClrLst/>
+    <dgm:txEffectClrLst/>
+  </dgm:styleLbl>
+  <dgm:styleLbl name="node1">
+    <dgm:fillClrLst>
+      <a:schemeClr val="accent2"/>
+      <a:schemeClr val="accent3"/>
+    </dgm:fillClrLst>
+    <dgm:linClrLst meth="repeat">
+      <a:schemeClr val="lt1"/>
+    </dgm:linClrLst>
+    <dgm:effectClrLst/>
+    <dgm:txLinClrLst/>
+    <dgm:txFillClrLst/>
+    <dgm:txEffectClrLst/>
+  </dgm:styleLbl>
+  <dgm:styleLbl name="alignNode1">
+    <dgm:fillClrLst>
+      <a:schemeClr val="accent2"/>
+      <a:schemeClr val="accent3"/>
+    </dgm:fillClrLst>
+    <dgm:linClrLst>
+      <a:schemeClr val="accent2"/>
+      <a:schemeClr val="accent3"/>
+    </dgm:linClrLst>
+    <dgm:effectClrLst/>
+    <dgm:txLinClrLst/>
+    <dgm:txFillClrLst/>
+    <dgm:txEffectClrLst/>
+  </dgm:styleLbl>
+  <dgm:styleLbl name="lnNode1">
+    <dgm:fillClrLst>
+      <a:schemeClr val="accent2"/>
+      <a:schemeClr val="accent3"/>
+    </dgm:fillClrLst>
+    <dgm:linClrLst meth="repeat">
+      <a:schemeClr val="lt1"/>
+    </dgm:linClrLst>
+    <dgm:effectClrLst/>
+    <dgm:txLinClrLst/>
+    <dgm:txFillClrLst/>
+    <dgm:txEffectClrLst/>
+  </dgm:styleLbl>
+  <dgm:styleLbl name="vennNode1">
+    <dgm:fillClrLst>
+      <a:schemeClr val="accent2">
+        <a:alpha val="50000"/>
+      </a:schemeClr>
+      <a:schemeClr val="accent3">
+        <a:alpha val="50000"/>
+      </a:schemeClr>
+    </dgm:fillClrLst>
+    <dgm:linClrLst meth="repeat">
+      <a:schemeClr val="lt1"/>
+    </dgm:linClrLst>
+    <dgm:effectClrLst/>
+    <dgm:txLinClrLst/>
+    <dgm:txFillClrLst/>
+    <dgm:txEffectClrLst/>
+  </dgm:styleLbl>
+  <dgm:styleLbl name="node2">
+    <dgm:fillClrLst>
+      <a:schemeClr val="accent3"/>
+    </dgm:fillClrLst>
+    <dgm:linClrLst meth="repeat">
+      <a:schemeClr val="lt1"/>
+    </dgm:linClrLst>
+    <dgm:effectClrLst/>
+    <dgm:txLinClrLst/>
+    <dgm:txFillClrLst/>
+    <dgm:txEffectClrLst/>
+  </dgm:styleLbl>
+  <dgm:styleLbl name="node3">
+    <dgm:fillClrLst>
+      <a:schemeClr val="accent4"/>
+    </dgm:fillClrLst>
+    <dgm:linClrLst meth="repeat">
+      <a:schemeClr val="lt1"/>
+    </dgm:linClrLst>
+    <dgm:effectClrLst/>
+    <dgm:txLinClrLst/>
+    <dgm:txFillClrLst/>
+    <dgm:txEffectClrLst/>
+  </dgm:styleLbl>
+  <dgm:styleLbl name="node4">
+    <dgm:fillClrLst>
+      <a:schemeClr val="accent5"/>
+    </dgm:fillClrLst>
+    <dgm:linClrLst meth="repeat">
+      <a:schemeClr val="lt1"/>
+    </dgm:linClrLst>
+    <dgm:effectClrLst/>
+    <dgm:txLinClrLst/>
+    <dgm:txFillClrLst/>
+    <dgm:txEffectClrLst/>
+  </dgm:styleLbl>
+  <dgm:styleLbl name="fgImgPlace1">
+    <dgm:fillClrLst>
+      <a:schemeClr val="accent2">
+        <a:tint val="50000"/>
+      </a:schemeClr>
+      <a:schemeClr val="accent3">
+        <a:tint val="50000"/>
+      </a:schemeClr>
+    </dgm:fillClrLst>
+    <dgm:linClrLst meth="repeat">
+      <a:schemeClr val="lt1"/>
+    </dgm:linClrLst>
+    <dgm:effectClrLst/>
+    <dgm:txLinClrLst/>
+    <dgm:txFillClrLst meth="repeat">
+      <a:schemeClr val="lt1"/>
+    </dgm:txFillClrLst>
+    <dgm:txEffectClrLst/>
+  </dgm:styleLbl>
+  <dgm:styleLbl name="alignImgPlace1">
+    <dgm:fillClrLst>
+      <a:schemeClr val="accent2">
+        <a:tint val="50000"/>
+      </a:schemeClr>
+      <a:schemeClr val="accent3">
+        <a:tint val="20000"/>
+      </a:schemeClr>
+    </dgm:fillClrLst>
+    <dgm:linClrLst meth="repeat">
+      <a:schemeClr val="lt1"/>
+    </dgm:linClrLst>
+    <dgm:effectClrLst/>
+    <dgm:txLinClrLst/>
+    <dgm:txFillClrLst meth="repeat">
+      <a:schemeClr val="lt1"/>
+    </dgm:txFillClrLst>
+    <dgm:txEffectClrLst/>
+  </dgm:styleLbl>
+  <dgm:styleLbl name="bgImgPlace1">
+    <dgm:fillClrLst>
+      <a:schemeClr val="accent2">
+        <a:tint val="50000"/>
+      </a:schemeClr>
+      <a:schemeClr val="accent3">
+        <a:tint val="20000"/>
+      </a:schemeClr>
+    </dgm:fillClrLst>
+    <dgm:linClrLst meth="repeat">
+      <a:schemeClr val="lt1"/>
+    </dgm:linClrLst>
+    <dgm:effectClrLst/>
+    <dgm:txLinClrLst/>
+    <dgm:txFillClrLst meth="repeat">
+      <a:schemeClr val="lt1"/>
+    </dgm:txFillClrLst>
+    <dgm:txEffectClrLst/>
+  </dgm:styleLbl>
+  <dgm:styleLbl name="sibTrans2D1">
+    <dgm:fillClrLst>
+      <a:schemeClr val="accent2"/>
+      <a:schemeClr val="accent3"/>
+    </dgm:fillClrLst>
+    <dgm:linClrLst meth="repeat">
+      <a:schemeClr val="lt1"/>
+    </dgm:linClrLst>
+    <dgm:effectClrLst/>
+    <dgm:txLinClrLst/>
+    <dgm:txFillClrLst/>
+    <dgm:txEffectClrLst/>
+  </dgm:styleLbl>
+  <dgm:styleLbl name="fgSibTrans2D1">
+    <dgm:fillClrLst>
+      <a:schemeClr val="accent2"/>
+      <a:schemeClr val="accent3"/>
+    </dgm:fillClrLst>
+    <dgm:linClrLst meth="repeat">
+      <a:schemeClr val="lt1"/>
+    </dgm:linClrLst>
+    <dgm:effectClrLst/>
+    <dgm:txLinClrLst/>
+    <dgm:txFillClrLst meth="repeat">
+      <a:schemeClr val="lt1"/>
+    </dgm:txFillClrLst>
+    <dgm:txEffectClrLst/>
+  </dgm:styleLbl>
+  <dgm:styleLbl name="bgSibTrans2D1">
+    <dgm:fillClrLst>
+      <a:schemeClr val="accent2"/>
+      <a:schemeClr val="accent3"/>
+    </dgm:fillClrLst>
+    <dgm:linClrLst meth="repeat">
+      <a:schemeClr val="lt1"/>
+    </dgm:linClrLst>
+    <dgm:effectClrLst/>
+    <dgm:txLinClrLst/>
+    <dgm:txFillClrLst meth="repeat">
+      <a:schemeClr val="lt1"/>
+    </dgm:txFillClrLst>
+    <dgm:txEffectClrLst/>
+  </dgm:styleLbl>
+  <dgm:styleLbl name="sibTrans1D1">
+    <dgm:fillClrLst/>
+    <dgm:linClrLst>
+      <a:schemeClr val="accent2"/>
+      <a:schemeClr val="accent3"/>
+    </dgm:linClrLst>
+    <dgm:effectClrLst/>
+    <dgm:txLinClrLst/>
+    <dgm:txFillClrLst meth="repeat">
+      <a:schemeClr val="tx1"/>
+    </dgm:txFillClrLst>
+    <dgm:txEffectClrLst/>
+  </dgm:styleLbl>
+  <dgm:styleLbl name="callout">
+    <dgm:fillClrLst meth="repeat">
+      <a:schemeClr val="accent2"/>
+    </dgm:fillClrLst>
+    <dgm:linClrLst meth="repeat">
+      <a:schemeClr val="accent2">
+        <a:tint val="50000"/>
+      </a:schemeClr>
+    </dgm:linClrLst>
+    <dgm:effectClrLst/>
+    <dgm:txLinClrLst/>
+    <dgm:txFillClrLst meth="repeat">
+      <a:schemeClr val="tx1"/>
+    </dgm:txFillClrLst>
+    <dgm:txEffectClrLst/>
+  </dgm:styleLbl>
+  <dgm:styleLbl name="asst0">
+    <dgm:fillClrLst meth="repeat">
+      <a:schemeClr val="accent2"/>
+    </dgm:fillClrLst>
+    <dgm:linClrLst meth="repeat">
+      <a:schemeClr val="lt1">
+        <a:shade val="80000"/>
+      </a:schemeClr>
+    </dgm:linClrLst>
+    <dgm:effectClrLst/>
+    <dgm:txLinClrLst/>
+    <dgm:txFillClrLst/>
+    <dgm:txEffectClrLst/>
+  </dgm:styleLbl>
+  <dgm:styleLbl name="asst1">
+    <dgm:fillClrLst meth="repeat">
+      <a:schemeClr val="accent3"/>
+    </dgm:fillClrLst>
+    <dgm:linClrLst meth="repeat">
+      <a:schemeClr val="lt1">
+        <a:shade val="80000"/>
+      </a:schemeClr>
+    </dgm:linClrLst>
+    <dgm:effectClrLst/>
+    <dgm:txLinClrLst/>
+    <dgm:txFillClrLst/>
+    <dgm:txEffectClrLst/>
+  </dgm:styleLbl>
+  <dgm:styleLbl name="asst2">
+    <dgm:fillClrLst>
+      <a:schemeClr val="accent4"/>
+    </dgm:fillClrLst>
+    <dgm:linClrLst meth="repeat">
+      <a:schemeClr val="lt1"/>
+    </dgm:linClrLst>
+    <dgm:effectClrLst/>
+    <dgm:txLinClrLst/>
+    <dgm:txFillClrLst/>
+    <dgm:txEffectClrLst/>
+  </dgm:styleLbl>
+  <dgm:styleLbl name="asst3">
+    <dgm:fillClrLst>
+      <a:schemeClr val="accent5"/>
+    </dgm:fillClrLst>
+    <dgm:linClrLst meth="repeat">
+      <a:schemeClr val="lt1"/>
+    </dgm:linClrLst>
+    <dgm:effectClrLst/>
+    <dgm:txLinClrLst/>
+    <dgm:txFillClrLst/>
+    <dgm:txEffectClrLst/>
+  </dgm:styleLbl>
+  <dgm:styleLbl name="asst4">
+    <dgm:fillClrLst>
+      <a:schemeClr val="accent6"/>
+    </dgm:fillClrLst>
+    <dgm:linClrLst meth="repeat">
+      <a:schemeClr val="lt1"/>
+    </dgm:linClrLst>
+    <dgm:effectClrLst/>
+    <dgm:txLinClrLst/>
+    <dgm:txFillClrLst/>
+    <dgm:txEffectClrLst/>
+  </dgm:styleLbl>
+  <dgm:styleLbl name="parChTrans2D1">
+    <dgm:fillClrLst meth="repeat">
+      <a:schemeClr val="accent2"/>
+    </dgm:fillClrLst>
+    <dgm:linClrLst meth="repeat">
+      <a:schemeClr val="lt1"/>
+    </dgm:linClrLst>
+    <dgm:effectClrLst/>
+    <dgm:txLinClrLst/>
+    <dgm:txFillClrLst meth="repeat">
+      <a:schemeClr val="lt1"/>
+    </dgm:txFillClrLst>
+    <dgm:txEffectClrLst/>
+  </dgm:styleLbl>
+  <dgm:styleLbl name="parChTrans2D2">
+    <dgm:fillClrLst meth="repeat">
+      <a:schemeClr val="accent3"/>
+    </dgm:fillClrLst>
+    <dgm:linClrLst meth="repeat">
+      <a:schemeClr val="lt1"/>
+    </dgm:linClrLst>
+    <dgm:effectClrLst/>
+    <dgm:txLinClrLst/>
+    <dgm:txFillClrLst/>
+    <dgm:txEffectClrLst/>
+  </dgm:styleLbl>
+  <dgm:styleLbl name="parChTrans2D3">
+    <dgm:fillClrLst meth="repeat">
+      <a:schemeClr val="accent4"/>
+    </dgm:fillClrLst>
+    <dgm:linClrLst meth="repeat">
+      <a:schemeClr val="lt1"/>
+    </dgm:linClrLst>
+    <dgm:effectClrLst/>
+    <dgm:txLinClrLst/>
+    <dgm:txFillClrLst/>
+    <dgm:txEffectClrLst/>
+  </dgm:styleLbl>
+  <dgm:styleLbl name="parChTrans2D4">
+    <dgm:fillClrLst meth="repeat">
+      <a:schemeClr val="accent5"/>
+    </dgm:fillClrLst>
+    <dgm:linClrLst meth="repeat">
+      <a:schemeClr val="lt1"/>
+    </dgm:linClrLst>
+    <dgm:effectClrLst/>
+    <dgm:txLinClrLst/>
+    <dgm:txFillClrLst meth="repeat">
+      <a:schemeClr val="lt1"/>
+    </dgm:txFillClrLst>
+    <dgm:txEffectClrLst/>
+  </dgm:styleLbl>
+  <dgm:styleLbl name="parChTrans1D1">
+    <dgm:fillClrLst meth="repeat">
+      <a:schemeClr val="accent2"/>
+    </dgm:fillClrLst>
+    <dgm:linClrLst meth="repeat">
+      <a:schemeClr val="accent2"/>
+    </dgm:linClrLst>
+    <dgm:effectClrLst/>
+    <dgm:txLinClrLst/>
+    <dgm:txFillClrLst meth="repeat">
+      <a:schemeClr val="tx1"/>
+    </dgm:txFillClrLst>
+    <dgm:txEffectClrLst/>
+  </dgm:styleLbl>
+  <dgm:styleLbl name="parChTrans1D2">
+    <dgm:fillClrLst meth="repeat">
+      <a:schemeClr val="accent2">
+        <a:tint val="90000"/>
+      </a:schemeClr>
+    </dgm:fillClrLst>
+    <dgm:linClrLst meth="repeat">
+      <a:schemeClr val="accent3"/>
+    </dgm:linClrLst>
+    <dgm:effectClrLst/>
+    <dgm:txLinClrLst/>
+    <dgm:txFillClrLst meth="repeat">
+      <a:schemeClr val="tx1"/>
+    </dgm:txFillClrLst>
+    <dgm:txEffectClrLst/>
+  </dgm:styleLbl>
+  <dgm:styleLbl name="parChTrans1D3">
+    <dgm:fillClrLst meth="repeat">
+      <a:schemeClr val="accent2">
+        <a:tint val="70000"/>
+      </a:schemeClr>
+    </dgm:fillClrLst>
+    <dgm:linClrLst meth="repeat">
+      <a:schemeClr val="accent4"/>
+    </dgm:linClrLst>
+    <dgm:effectClrLst/>
+    <dgm:txLinClrLst/>
+    <dgm:txFillClrLst meth="repeat">
+      <a:schemeClr val="tx1"/>
+    </dgm:txFillClrLst>
+    <dgm:txEffectClrLst/>
+  </dgm:styleLbl>
+  <dgm:styleLbl name="parChTrans1D4">
+    <dgm:fillClrLst meth="repeat">
+      <a:schemeClr val="accent2">
+        <a:tint val="50000"/>
+      </a:schemeClr>
+    </dgm:fillClrLst>
+    <dgm:linClrLst meth="repeat">
+      <a:schemeClr val="accent5"/>
+    </dgm:linClrLst>
+    <dgm:effectClrLst/>
+    <dgm:txLinClrLst/>
+    <dgm:txFillClrLst meth="repeat">
+      <a:schemeClr val="tx1"/>
+    </dgm:txFillClrLst>
+    <dgm:txEffectClrLst/>
+  </dgm:styleLbl>
+  <dgm:styleLbl name="fgAcc1">
+    <dgm:fillClrLst meth="repeat">
+      <a:schemeClr val="lt1">
+        <a:alpha val="90000"/>
+      </a:schemeClr>
+    </dgm:fillClrLst>
+    <dgm:linClrLst>
+      <a:schemeClr val="accent2"/>
+      <a:schemeClr val="accent3"/>
+    </dgm:linClrLst>
+    <dgm:effectClrLst/>
+    <dgm:txLinClrLst/>
+    <dgm:txFillClrLst meth="repeat">
+      <a:schemeClr val="dk1"/>
+    </dgm:txFillClrLst>
+    <dgm:txEffectClrLst/>
+  </dgm:styleLbl>
+  <dgm:styleLbl name="conFgAcc1">
+    <dgm:fillClrLst meth="repeat">
+      <a:schemeClr val="lt1">
+        <a:alpha val="90000"/>
+      </a:schemeClr>
+    </dgm:fillClrLst>
+    <dgm:linClrLst>
+      <a:schemeClr val="accent2"/>
+      <a:schemeClr val="accent3"/>
+    </dgm:linClrLst>
+    <dgm:effectClrLst/>
+    <dgm:txLinClrLst/>
+    <dgm:txFillClrLst meth="repeat">
+      <a:schemeClr val="dk1"/>
+    </dgm:txFillClrLst>
+    <dgm:txEffectClrLst/>
+  </dgm:styleLbl>
+  <dgm:styleLbl name="alignAcc1">
+    <dgm:fillClrLst meth="repeat">
+      <a:schemeClr val="lt1">
+        <a:alpha val="90000"/>
+      </a:schemeClr>
+    </dgm:fillClrLst>
+    <dgm:linClrLst>
+      <a:schemeClr val="accent2"/>
+      <a:schemeClr val="accent3"/>
+    </dgm:linClrLst>
+    <dgm:effectClrLst/>
+    <dgm:txLinClrLst/>
+    <dgm:txFillClrLst meth="repeat">
+      <a:schemeClr val="dk1"/>
+    </dgm:txFillClrLst>
+    <dgm:txEffectClrLst/>
+  </dgm:styleLbl>
+  <dgm:styleLbl name="trAlignAcc1">
+    <dgm:fillClrLst meth="repeat">
+      <a:schemeClr val="lt1">
+        <a:alpha val="40000"/>
+      </a:schemeClr>
+    </dgm:fillClrLst>
+    <dgm:linClrLst meth="repeat">
+      <a:schemeClr val="accent2"/>
+    </dgm:linClrLst>
+    <dgm:effectClrLst/>
+    <dgm:txLinClrLst/>
+    <dgm:txFillClrLst meth="repeat">
+      <a:schemeClr val="dk1"/>
+    </dgm:txFillClrLst>
+    <dgm:txEffectClrLst/>
+  </dgm:styleLbl>
+  <dgm:styleLbl name="bgAcc1">
+    <dgm:fillClrLst meth="repeat">
+      <a:schemeClr val="lt1">
+        <a:alpha val="90000"/>
+      </a:schemeClr>
+    </dgm:fillClrLst>
+    <dgm:linClrLst>
+      <a:schemeClr val="accent2"/>
+      <a:schemeClr val="accent3"/>
+    </dgm:linClrLst>
+    <dgm:effectClrLst/>
+    <dgm:txLinClrLst/>
+    <dgm:txFillClrLst meth="repeat">
+      <a:schemeClr val="dk1"/>
+    </dgm:txFillClrLst>
+    <dgm:txEffectClrLst/>
+  </dgm:styleLbl>
+  <dgm:styleLbl name="solidFgAcc1">
+    <dgm:fillClrLst meth="repeat">
+      <a:schemeClr val="lt1"/>
+    </dgm:fillClrLst>
+    <dgm:linClrLst>
+      <a:schemeClr val="accent2"/>
+      <a:schemeClr val="accent3"/>
+    </dgm:linClrLst>
+    <dgm:effectClrLst/>
+    <dgm:txLinClrLst/>
+    <dgm:txFillClrLst meth="repeat">
+      <a:schemeClr val="dk1"/>
+    </dgm:txFillClrLst>
+    <dgm:txEffectClrLst/>
+  </dgm:styleLbl>
+  <dgm:styleLbl name="solidAlignAcc1">
+    <dgm:fillClrLst meth="repeat">
+      <a:schemeClr val="lt1"/>
+    </dgm:fillClrLst>
+    <dgm:linClrLst>
+      <a:schemeClr val="accent2"/>
+      <a:schemeClr val="accent3"/>
+    </dgm:linClrLst>
+    <dgm:effectClrLst/>
+    <dgm:txLinClrLst/>
+    <dgm:txFillClrLst meth="repeat">
+      <a:schemeClr val="dk1"/>
+    </dgm:txFillClrLst>
+    <dgm:txEffectClrLst/>
+  </dgm:styleLbl>
+  <dgm:styleLbl name="solidBgAcc1">
+    <dgm:fillClrLst meth="repeat">
+      <a:schemeClr val="lt1"/>
+    </dgm:fillClrLst>
+    <dgm:linClrLst>
+      <a:schemeClr val="accent2"/>
+      <a:schemeClr val="accent3"/>
+    </dgm:linClrLst>
+    <dgm:effectClrLst/>
+    <dgm:txLinClrLst/>
+    <dgm:txFillClrLst meth="repeat">
+      <a:schemeClr val="dk1"/>
+    </dgm:txFillClrLst>
+    <dgm:txEffectClrLst/>
+  </dgm:styleLbl>
+  <dgm:styleLbl name="fgAccFollowNode1">
+    <dgm:fillClrLst>
+      <a:schemeClr val="accent2">
+        <a:tint val="40000"/>
+        <a:alpha val="90000"/>
+      </a:schemeClr>
+      <a:schemeClr val="accent3">
+        <a:tint val="40000"/>
+        <a:alpha val="90000"/>
+      </a:schemeClr>
+    </dgm:fillClrLst>
+    <dgm:linClrLst>
+      <a:schemeClr val="accent2">
+        <a:tint val="40000"/>
+        <a:alpha val="90000"/>
+      </a:schemeClr>
+      <a:schemeClr val="accent3">
+        <a:tint val="40000"/>
+        <a:alpha val="90000"/>
+      </a:schemeClr>
+    </dgm:linClrLst>
+    <dgm:effectClrLst/>
+    <dgm:txLinClrLst/>
+    <dgm:txFillClrLst meth="repeat">
+      <a:schemeClr val="dk1"/>
+    </dgm:txFillClrLst>
+    <dgm:txEffectClrLst/>
+  </dgm:styleLbl>
+  <dgm:styleLbl name="alignAccFollowNode1">
+    <dgm:fillClrLst>
+      <a:schemeClr val="accent2">
+        <a:tint val="40000"/>
+        <a:alpha val="90000"/>
+      </a:schemeClr>
+      <a:schemeClr val="accent3">
+        <a:tint val="40000"/>
+        <a:alpha val="90000"/>
+      </a:schemeClr>
+    </dgm:fillClrLst>
+    <dgm:linClrLst>
+      <a:schemeClr val="accent2">
+        <a:tint val="40000"/>
+        <a:alpha val="90000"/>
+      </a:schemeClr>
+      <a:schemeClr val="accent3">
+        <a:tint val="40000"/>
+        <a:alpha val="90000"/>
+      </a:schemeClr>
+    </dgm:linClrLst>
+    <dgm:effectClrLst/>
+    <dgm:txLinClrLst/>
+    <dgm:txFillClrLst meth="repeat">
+      <a:schemeClr val="dk1"/>
+    </dgm:txFillClrLst>
+    <dgm:txEffectClrLst/>
+  </dgm:styleLbl>
+  <dgm:styleLbl name="bgAccFollowNode1">
+    <dgm:fillClrLst>
+      <a:schemeClr val="accent2">
+        <a:tint val="40000"/>
+        <a:alpha val="90000"/>
+      </a:schemeClr>
+      <a:schemeClr val="accent3">
+        <a:tint val="40000"/>
+        <a:alpha val="90000"/>
+      </a:schemeClr>
+    </dgm:fillClrLst>
+    <dgm:linClrLst>
+      <a:schemeClr val="accent2">
+        <a:tint val="40000"/>
+        <a:alpha val="90000"/>
+      </a:schemeClr>
+      <a:schemeClr val="accent3">
+        <a:tint val="40000"/>
+        <a:alpha val="90000"/>
+      </a:schemeClr>
+    </dgm:linClrLst>
+    <dgm:effectClrLst/>
+    <dgm:txLinClrLst/>
+    <dgm:txFillClrLst meth="repeat">
+      <a:schemeClr val="dk1"/>
+    </dgm:txFillClrLst>
+    <dgm:txEffectClrLst/>
+  </dgm:styleLbl>
+  <dgm:styleLbl name="fgAcc0">
+    <dgm:fillClrLst meth="repeat">
+      <a:schemeClr val="lt1">
+        <a:alpha val="90000"/>
+      </a:schemeClr>
+    </dgm:fillClrLst>
+    <dgm:linClrLst>
+      <a:schemeClr val="accent1"/>
+    </dgm:linClrLst>
+    <dgm:effectClrLst/>
+    <dgm:txLinClrLst/>
+    <dgm:txFillClrLst meth="repeat">
+      <a:schemeClr val="dk1"/>
+    </dgm:txFillClrLst>
+    <dgm:txEffectClrLst/>
+  </dgm:styleLbl>
+  <dgm:styleLbl name="fgAcc2">
+    <dgm:fillClrLst meth="repeat">
+      <a:schemeClr val="lt1">
+        <a:alpha val="90000"/>
+      </a:schemeClr>
+    </dgm:fillClrLst>
+    <dgm:linClrLst>
+      <a:schemeClr val="accent3"/>
+    </dgm:linClrLst>
+    <dgm:effectClrLst/>
+    <dgm:txLinClrLst/>
+    <dgm:txFillClrLst meth="repeat">
+      <a:schemeClr val="dk1"/>
+    </dgm:txFillClrLst>
+    <dgm:txEffectClrLst/>
+  </dgm:styleLbl>
+  <dgm:styleLbl name="fgAcc3">
+    <dgm:fillClrLst meth="repeat">
+      <a:schemeClr val="lt1">
+        <a:alpha val="90000"/>
+      </a:schemeClr>
+    </dgm:fillClrLst>
+    <dgm:linClrLst>
+      <a:schemeClr val="accent4"/>
+    </dgm:linClrLst>
+    <dgm:effectClrLst/>
+    <dgm:txLinClrLst/>
+    <dgm:txFillClrLst meth="repeat">
+      <a:schemeClr val="dk1"/>
+    </dgm:txFillClrLst>
+    <dgm:txEffectClrLst/>
+  </dgm:styleLbl>
+  <dgm:styleLbl name="fgAcc4">
+    <dgm:fillClrLst meth="repeat">
+      <a:schemeClr val="lt1">
+        <a:alpha val="90000"/>
+      </a:schemeClr>
+    </dgm:fillClrLst>
+    <dgm:linClrLst>
+      <a:schemeClr val="accent5"/>
+    </dgm:linClrLst>
+    <dgm:effectClrLst/>
+    <dgm:txLinClrLst/>
+    <dgm:txFillClrLst meth="repeat">
+      <a:schemeClr val="dk1"/>
+    </dgm:txFillClrLst>
+    <dgm:txEffectClrLst/>
+  </dgm:styleLbl>
+  <dgm:styleLbl name="bgShp">
+    <dgm:fillClrLst meth="repeat">
+      <a:schemeClr val="accent2">
+        <a:tint val="40000"/>
+      </a:schemeClr>
+    </dgm:fillClrLst>
+    <dgm:linClrLst meth="repeat">
+      <a:schemeClr val="dk1"/>
+    </dgm:linClrLst>
+    <dgm:effectClrLst/>
+    <dgm:txLinClrLst/>
+    <dgm:txFillClrLst meth="repeat">
+      <a:schemeClr val="dk1"/>
+    </dgm:txFillClrLst>
+    <dgm:txEffectClrLst/>
+  </dgm:styleLbl>
+  <dgm:styleLbl name="dkBgShp">
+    <dgm:fillClrLst meth="repeat">
+      <a:schemeClr val="accent2">
+        <a:shade val="90000"/>
+      </a:schemeClr>
+    </dgm:fillClrLst>
+    <dgm:linClrLst meth="repeat">
+      <a:schemeClr val="dk1"/>
+    </dgm:linClrLst>
+    <dgm:effectClrLst/>
+    <dgm:txLinClrLst/>
+    <dgm:txFillClrLst meth="repeat">
+      <a:schemeClr val="lt1"/>
+    </dgm:txFillClrLst>
+    <dgm:txEffectClrLst/>
+  </dgm:styleLbl>
+  <dgm:styleLbl name="trBgShp">
+    <dgm:fillClrLst meth="repeat">
+      <a:schemeClr val="accent2">
+        <a:tint val="50000"/>
+        <a:alpha val="40000"/>
+      </a:schemeClr>
+    </dgm:fillClrLst>
+    <dgm:linClrLst meth="repeat">
+      <a:schemeClr val="accent2"/>
+    </dgm:linClrLst>
+    <dgm:effectClrLst/>
+    <dgm:txLinClrLst/>
+    <dgm:txFillClrLst meth="repeat">
+      <a:schemeClr val="lt1"/>
+    </dgm:txFillClrLst>
+    <dgm:txEffectClrLst/>
+  </dgm:styleLbl>
+  <dgm:styleLbl name="fgShp">
+    <dgm:fillClrLst meth="repeat">
+      <a:schemeClr val="accent2">
+        <a:tint val="40000"/>
+      </a:schemeClr>
+    </dgm:fillClrLst>
+    <dgm:linClrLst meth="repeat">
+      <a:schemeClr val="lt1"/>
+    </dgm:linClrLst>
+    <dgm:effectClrLst/>
+    <dgm:txLinClrLst/>
+    <dgm:txFillClrLst meth="repeat">
+      <a:schemeClr val="dk1"/>
+    </dgm:txFillClrLst>
+    <dgm:txEffectClrLst/>
+  </dgm:styleLbl>
+  <dgm:styleLbl name="revTx">
+    <dgm:fillClrLst meth="repeat">
+      <a:schemeClr val="lt1">
+        <a:alpha val="0"/>
+      </a:schemeClr>
+    </dgm:fillClrLst>
+    <dgm:linClrLst meth="repeat">
+      <a:schemeClr val="dk1">
+        <a:alpha val="0"/>
+      </a:schemeClr>
+    </dgm:linClrLst>
+    <dgm:effectClrLst/>
+    <dgm:txLinClrLst/>
+    <dgm:txFillClrLst meth="repeat">
+      <a:schemeClr val="tx1"/>
+    </dgm:txFillClrLst>
+    <dgm:txEffectClrLst/>
+  </dgm:styleLbl>
+</dgm:colorsDef>
+</file>
+
+<file path=ppt/diagrams/data1.xml><?xml version="1.0" encoding="utf-8"?>
+<dgm:dataModel xmlns:dgm="http://schemas.openxmlformats.org/drawingml/2006/diagram" xmlns:a="http://schemas.openxmlformats.org/drawingml/2006/main">
+  <dgm:ptLst>
+    <dgm:pt modelId="{2FEEF6DD-6294-458D-B59D-2A5AFE508D97}" type="doc">
+      <dgm:prSet loTypeId="urn:microsoft.com/office/officeart/2016/7/layout/LinearBlockProcessNumbered" loCatId="process" qsTypeId="urn:microsoft.com/office/officeart/2005/8/quickstyle/simple4" qsCatId="simple" csTypeId="urn:microsoft.com/office/officeart/2005/8/colors/colorful2" csCatId="colorful"/>
+      <dgm:spPr/>
+      <dgm:t>
+        <a:bodyPr/>
+        <a:lstStyle/>
+        <a:p>
+          <a:endParaRPr lang="en-US"/>
+        </a:p>
+      </dgm:t>
+    </dgm:pt>
+    <dgm:pt modelId="{DF5C2697-4475-4B27-80BB-382806E5E908}">
+      <dgm:prSet/>
+      <dgm:spPr/>
+      <dgm:t>
+        <a:bodyPr/>
+        <a:lstStyle/>
+        <a:p>
+          <a:r>
+            <a:rPr lang="hr-HR"/>
+            <a:t>Pregled i ažuriranje podataka</a:t>
+          </a:r>
+          <a:endParaRPr lang="en-US"/>
+        </a:p>
+      </dgm:t>
+    </dgm:pt>
+    <dgm:pt modelId="{4971EEF8-81ED-434A-9CCD-D693E063EA89}" type="parTrans" cxnId="{C7BD8E59-7912-4D78-8076-062EBA8DB712}">
+      <dgm:prSet/>
+      <dgm:spPr/>
+      <dgm:t>
+        <a:bodyPr/>
+        <a:lstStyle/>
+        <a:p>
+          <a:endParaRPr lang="en-US"/>
+        </a:p>
+      </dgm:t>
+    </dgm:pt>
+    <dgm:pt modelId="{C4D2A93F-FAA5-4AEF-B41D-75EBEB97E4ED}" type="sibTrans" cxnId="{C7BD8E59-7912-4D78-8076-062EBA8DB712}">
+      <dgm:prSet phldrT="01"/>
+      <dgm:spPr/>
+      <dgm:t>
+        <a:bodyPr/>
+        <a:lstStyle/>
+        <a:p>
+          <a:r>
+            <a:rPr lang="en-US"/>
+            <a:t>01</a:t>
+          </a:r>
+        </a:p>
+      </dgm:t>
+    </dgm:pt>
+    <dgm:pt modelId="{2DB77AF9-5179-47E2-8D6F-4C05FFFD70B1}">
+      <dgm:prSet/>
+      <dgm:spPr/>
+      <dgm:t>
+        <a:bodyPr/>
+        <a:lstStyle/>
+        <a:p>
+          <a:r>
+            <a:rPr lang="hr-HR"/>
+            <a:t>Pregled statistike o oglasima i korisnicima</a:t>
+          </a:r>
+          <a:endParaRPr lang="en-US"/>
+        </a:p>
+      </dgm:t>
+    </dgm:pt>
+    <dgm:pt modelId="{D1E3BDC6-A159-4DEF-8B5D-920A3FA4E4FB}" type="parTrans" cxnId="{C234B494-B39B-40AC-B112-27115427148C}">
+      <dgm:prSet/>
+      <dgm:spPr/>
+      <dgm:t>
+        <a:bodyPr/>
+        <a:lstStyle/>
+        <a:p>
+          <a:endParaRPr lang="en-US"/>
+        </a:p>
+      </dgm:t>
+    </dgm:pt>
+    <dgm:pt modelId="{D34049C0-379D-4A2A-B3EA-8D420B53AAEF}" type="sibTrans" cxnId="{C234B494-B39B-40AC-B112-27115427148C}">
+      <dgm:prSet phldrT="02"/>
+      <dgm:spPr/>
+      <dgm:t>
+        <a:bodyPr/>
+        <a:lstStyle/>
+        <a:p>
+          <a:r>
+            <a:rPr lang="en-US"/>
+            <a:t>02</a:t>
+          </a:r>
+        </a:p>
+      </dgm:t>
+    </dgm:pt>
+    <dgm:pt modelId="{4E60F986-AEB1-4E86-BCDE-E4FF42145C99}">
+      <dgm:prSet/>
+      <dgm:spPr/>
+      <dgm:t>
+        <a:bodyPr/>
+        <a:lstStyle/>
+        <a:p>
+          <a:r>
+            <a:rPr lang="hr-HR"/>
+            <a:t>Pretraživanje svih oglasa i korisnika</a:t>
+          </a:r>
+          <a:endParaRPr lang="en-US"/>
+        </a:p>
+      </dgm:t>
+    </dgm:pt>
+    <dgm:pt modelId="{A052CEFE-4637-4ECC-A43D-F2493D51B9F2}" type="parTrans" cxnId="{F9E96470-0EE8-4373-A171-9910732204D8}">
+      <dgm:prSet/>
+      <dgm:spPr/>
+      <dgm:t>
+        <a:bodyPr/>
+        <a:lstStyle/>
+        <a:p>
+          <a:endParaRPr lang="en-US"/>
+        </a:p>
+      </dgm:t>
+    </dgm:pt>
+    <dgm:pt modelId="{91C7C623-1683-4821-A338-981A0BDD8EC2}" type="sibTrans" cxnId="{F9E96470-0EE8-4373-A171-9910732204D8}">
+      <dgm:prSet phldrT="03"/>
+      <dgm:spPr/>
+      <dgm:t>
+        <a:bodyPr/>
+        <a:lstStyle/>
+        <a:p>
+          <a:r>
+            <a:rPr lang="en-US"/>
+            <a:t>03</a:t>
+          </a:r>
+        </a:p>
+      </dgm:t>
+    </dgm:pt>
+    <dgm:pt modelId="{E6C8DAA9-CFDE-48ED-B2F3-488A2EC27A03}" type="pres">
+      <dgm:prSet presAssocID="{2FEEF6DD-6294-458D-B59D-2A5AFE508D97}" presName="Name0" presStyleCnt="0">
+        <dgm:presLayoutVars>
+          <dgm:animLvl val="lvl"/>
+          <dgm:resizeHandles val="exact"/>
+        </dgm:presLayoutVars>
+      </dgm:prSet>
+      <dgm:spPr/>
+    </dgm:pt>
+    <dgm:pt modelId="{6F1F8662-936F-43FD-B8A9-B2FD1701EBCA}" type="pres">
+      <dgm:prSet presAssocID="{DF5C2697-4475-4B27-80BB-382806E5E908}" presName="compositeNode" presStyleCnt="0">
+        <dgm:presLayoutVars>
+          <dgm:bulletEnabled val="1"/>
+        </dgm:presLayoutVars>
+      </dgm:prSet>
+      <dgm:spPr/>
+    </dgm:pt>
+    <dgm:pt modelId="{C8A037E5-8B0F-4B41-B810-205F8F29AE1F}" type="pres">
+      <dgm:prSet presAssocID="{DF5C2697-4475-4B27-80BB-382806E5E908}" presName="bgRect" presStyleLbl="alignNode1" presStyleIdx="0" presStyleCnt="3"/>
+      <dgm:spPr/>
+    </dgm:pt>
+    <dgm:pt modelId="{DB5747C2-CEE3-4179-A11F-08BFD86522C1}" type="pres">
+      <dgm:prSet presAssocID="{C4D2A93F-FAA5-4AEF-B41D-75EBEB97E4ED}" presName="sibTransNodeRect" presStyleLbl="alignNode1" presStyleIdx="0" presStyleCnt="3">
+        <dgm:presLayoutVars>
+          <dgm:chMax val="0"/>
+          <dgm:bulletEnabled val="1"/>
+        </dgm:presLayoutVars>
+      </dgm:prSet>
+      <dgm:spPr/>
+    </dgm:pt>
+    <dgm:pt modelId="{5AAFD426-3436-4366-8B5A-8B759106438B}" type="pres">
+      <dgm:prSet presAssocID="{DF5C2697-4475-4B27-80BB-382806E5E908}" presName="nodeRect" presStyleLbl="alignNode1" presStyleIdx="0" presStyleCnt="3">
+        <dgm:presLayoutVars>
+          <dgm:bulletEnabled val="1"/>
+        </dgm:presLayoutVars>
+      </dgm:prSet>
+      <dgm:spPr/>
+    </dgm:pt>
+    <dgm:pt modelId="{48915E4F-40E4-4209-90FE-06C9A6606E0A}" type="pres">
+      <dgm:prSet presAssocID="{C4D2A93F-FAA5-4AEF-B41D-75EBEB97E4ED}" presName="sibTrans" presStyleCnt="0"/>
+      <dgm:spPr/>
+    </dgm:pt>
+    <dgm:pt modelId="{A97A51DE-9F67-4DC8-8E57-A4CA071A87FC}" type="pres">
+      <dgm:prSet presAssocID="{2DB77AF9-5179-47E2-8D6F-4C05FFFD70B1}" presName="compositeNode" presStyleCnt="0">
+        <dgm:presLayoutVars>
+          <dgm:bulletEnabled val="1"/>
+        </dgm:presLayoutVars>
+      </dgm:prSet>
+      <dgm:spPr/>
+    </dgm:pt>
+    <dgm:pt modelId="{08E02F63-3849-46DF-9BB4-98D5E289524C}" type="pres">
+      <dgm:prSet presAssocID="{2DB77AF9-5179-47E2-8D6F-4C05FFFD70B1}" presName="bgRect" presStyleLbl="alignNode1" presStyleIdx="1" presStyleCnt="3"/>
+      <dgm:spPr/>
+    </dgm:pt>
+    <dgm:pt modelId="{79B300BC-4F7A-4360-93BF-EF0F3E367A61}" type="pres">
+      <dgm:prSet presAssocID="{D34049C0-379D-4A2A-B3EA-8D420B53AAEF}" presName="sibTransNodeRect" presStyleLbl="alignNode1" presStyleIdx="1" presStyleCnt="3">
+        <dgm:presLayoutVars>
+          <dgm:chMax val="0"/>
+          <dgm:bulletEnabled val="1"/>
+        </dgm:presLayoutVars>
+      </dgm:prSet>
+      <dgm:spPr/>
+    </dgm:pt>
+    <dgm:pt modelId="{3CECF853-3E3B-4983-A680-3F0D3642FE29}" type="pres">
+      <dgm:prSet presAssocID="{2DB77AF9-5179-47E2-8D6F-4C05FFFD70B1}" presName="nodeRect" presStyleLbl="alignNode1" presStyleIdx="1" presStyleCnt="3">
+        <dgm:presLayoutVars>
+          <dgm:bulletEnabled val="1"/>
+        </dgm:presLayoutVars>
+      </dgm:prSet>
+      <dgm:spPr/>
+    </dgm:pt>
+    <dgm:pt modelId="{7CC57817-7C95-4C7A-8628-952A3B727C26}" type="pres">
+      <dgm:prSet presAssocID="{D34049C0-379D-4A2A-B3EA-8D420B53AAEF}" presName="sibTrans" presStyleCnt="0"/>
+      <dgm:spPr/>
+    </dgm:pt>
+    <dgm:pt modelId="{55E9FBA8-2969-4F35-B26F-E96AD404247B}" type="pres">
+      <dgm:prSet presAssocID="{4E60F986-AEB1-4E86-BCDE-E4FF42145C99}" presName="compositeNode" presStyleCnt="0">
+        <dgm:presLayoutVars>
+          <dgm:bulletEnabled val="1"/>
+        </dgm:presLayoutVars>
+      </dgm:prSet>
+      <dgm:spPr/>
+    </dgm:pt>
+    <dgm:pt modelId="{4A642267-54D7-4AA1-86CB-B64AC60CEB72}" type="pres">
+      <dgm:prSet presAssocID="{4E60F986-AEB1-4E86-BCDE-E4FF42145C99}" presName="bgRect" presStyleLbl="alignNode1" presStyleIdx="2" presStyleCnt="3"/>
+      <dgm:spPr/>
+    </dgm:pt>
+    <dgm:pt modelId="{706575ED-47A8-4B1A-8CA0-5E39E026F492}" type="pres">
+      <dgm:prSet presAssocID="{91C7C623-1683-4821-A338-981A0BDD8EC2}" presName="sibTransNodeRect" presStyleLbl="alignNode1" presStyleIdx="2" presStyleCnt="3">
+        <dgm:presLayoutVars>
+          <dgm:chMax val="0"/>
+          <dgm:bulletEnabled val="1"/>
+        </dgm:presLayoutVars>
+      </dgm:prSet>
+      <dgm:spPr/>
+    </dgm:pt>
+    <dgm:pt modelId="{780CCC49-9147-4733-B206-71D813F70503}" type="pres">
+      <dgm:prSet presAssocID="{4E60F986-AEB1-4E86-BCDE-E4FF42145C99}" presName="nodeRect" presStyleLbl="alignNode1" presStyleIdx="2" presStyleCnt="3">
+        <dgm:presLayoutVars>
+          <dgm:bulletEnabled val="1"/>
+        </dgm:presLayoutVars>
+      </dgm:prSet>
+      <dgm:spPr/>
+    </dgm:pt>
+  </dgm:ptLst>
+  <dgm:cxnLst>
+    <dgm:cxn modelId="{EAC8F60D-4F9B-459D-B768-CA7E2944A208}" type="presOf" srcId="{2DB77AF9-5179-47E2-8D6F-4C05FFFD70B1}" destId="{08E02F63-3849-46DF-9BB4-98D5E289524C}" srcOrd="0" destOrd="0" presId="urn:microsoft.com/office/officeart/2016/7/layout/LinearBlockProcessNumbered"/>
+    <dgm:cxn modelId="{1F337921-84B1-4BA0-B48B-E7DD65DDEE0A}" type="presOf" srcId="{DF5C2697-4475-4B27-80BB-382806E5E908}" destId="{C8A037E5-8B0F-4B41-B810-205F8F29AE1F}" srcOrd="0" destOrd="0" presId="urn:microsoft.com/office/officeart/2016/7/layout/LinearBlockProcessNumbered"/>
+    <dgm:cxn modelId="{EE55543E-3EEF-413E-AFD1-0EA7C856DE2D}" type="presOf" srcId="{4E60F986-AEB1-4E86-BCDE-E4FF42145C99}" destId="{780CCC49-9147-4733-B206-71D813F70503}" srcOrd="1" destOrd="0" presId="urn:microsoft.com/office/officeart/2016/7/layout/LinearBlockProcessNumbered"/>
+    <dgm:cxn modelId="{21018861-9A13-4682-9E04-EA4162066733}" type="presOf" srcId="{4E60F986-AEB1-4E86-BCDE-E4FF42145C99}" destId="{4A642267-54D7-4AA1-86CB-B64AC60CEB72}" srcOrd="0" destOrd="0" presId="urn:microsoft.com/office/officeart/2016/7/layout/LinearBlockProcessNumbered"/>
+    <dgm:cxn modelId="{F9E96470-0EE8-4373-A171-9910732204D8}" srcId="{2FEEF6DD-6294-458D-B59D-2A5AFE508D97}" destId="{4E60F986-AEB1-4E86-BCDE-E4FF42145C99}" srcOrd="2" destOrd="0" parTransId="{A052CEFE-4637-4ECC-A43D-F2493D51B9F2}" sibTransId="{91C7C623-1683-4821-A338-981A0BDD8EC2}"/>
+    <dgm:cxn modelId="{C2CAAA50-278B-422F-855D-2A754B7023EF}" type="presOf" srcId="{2FEEF6DD-6294-458D-B59D-2A5AFE508D97}" destId="{E6C8DAA9-CFDE-48ED-B2F3-488A2EC27A03}" srcOrd="0" destOrd="0" presId="urn:microsoft.com/office/officeart/2016/7/layout/LinearBlockProcessNumbered"/>
+    <dgm:cxn modelId="{C7BD8E59-7912-4D78-8076-062EBA8DB712}" srcId="{2FEEF6DD-6294-458D-B59D-2A5AFE508D97}" destId="{DF5C2697-4475-4B27-80BB-382806E5E908}" srcOrd="0" destOrd="0" parTransId="{4971EEF8-81ED-434A-9CCD-D693E063EA89}" sibTransId="{C4D2A93F-FAA5-4AEF-B41D-75EBEB97E4ED}"/>
+    <dgm:cxn modelId="{EF4A1C7A-7E4D-4F13-A1AB-FBDA15ED864C}" type="presOf" srcId="{91C7C623-1683-4821-A338-981A0BDD8EC2}" destId="{706575ED-47A8-4B1A-8CA0-5E39E026F492}" srcOrd="0" destOrd="0" presId="urn:microsoft.com/office/officeart/2016/7/layout/LinearBlockProcessNumbered"/>
+    <dgm:cxn modelId="{C234B494-B39B-40AC-B112-27115427148C}" srcId="{2FEEF6DD-6294-458D-B59D-2A5AFE508D97}" destId="{2DB77AF9-5179-47E2-8D6F-4C05FFFD70B1}" srcOrd="1" destOrd="0" parTransId="{D1E3BDC6-A159-4DEF-8B5D-920A3FA4E4FB}" sibTransId="{D34049C0-379D-4A2A-B3EA-8D420B53AAEF}"/>
+    <dgm:cxn modelId="{7BE48FAC-F5FA-4B89-BE97-93F51911DBAD}" type="presOf" srcId="{D34049C0-379D-4A2A-B3EA-8D420B53AAEF}" destId="{79B300BC-4F7A-4360-93BF-EF0F3E367A61}" srcOrd="0" destOrd="0" presId="urn:microsoft.com/office/officeart/2016/7/layout/LinearBlockProcessNumbered"/>
+    <dgm:cxn modelId="{F9D6DEBD-C4FD-441B-AECA-75AC76E1BB76}" type="presOf" srcId="{DF5C2697-4475-4B27-80BB-382806E5E908}" destId="{5AAFD426-3436-4366-8B5A-8B759106438B}" srcOrd="1" destOrd="0" presId="urn:microsoft.com/office/officeart/2016/7/layout/LinearBlockProcessNumbered"/>
+    <dgm:cxn modelId="{6E36BFBF-E7DD-4F3E-8170-D45BC38522E8}" type="presOf" srcId="{C4D2A93F-FAA5-4AEF-B41D-75EBEB97E4ED}" destId="{DB5747C2-CEE3-4179-A11F-08BFD86522C1}" srcOrd="0" destOrd="0" presId="urn:microsoft.com/office/officeart/2016/7/layout/LinearBlockProcessNumbered"/>
+    <dgm:cxn modelId="{064C16EA-FF11-4191-8231-F4FF2F3CD8A5}" type="presOf" srcId="{2DB77AF9-5179-47E2-8D6F-4C05FFFD70B1}" destId="{3CECF853-3E3B-4983-A680-3F0D3642FE29}" srcOrd="1" destOrd="0" presId="urn:microsoft.com/office/officeart/2016/7/layout/LinearBlockProcessNumbered"/>
+    <dgm:cxn modelId="{9B358985-4FF6-4567-9923-27881089B73D}" type="presParOf" srcId="{E6C8DAA9-CFDE-48ED-B2F3-488A2EC27A03}" destId="{6F1F8662-936F-43FD-B8A9-B2FD1701EBCA}" srcOrd="0" destOrd="0" presId="urn:microsoft.com/office/officeart/2016/7/layout/LinearBlockProcessNumbered"/>
+    <dgm:cxn modelId="{60CD6731-FD49-412C-8414-BCF6F3C1C755}" type="presParOf" srcId="{6F1F8662-936F-43FD-B8A9-B2FD1701EBCA}" destId="{C8A037E5-8B0F-4B41-B810-205F8F29AE1F}" srcOrd="0" destOrd="0" presId="urn:microsoft.com/office/officeart/2016/7/layout/LinearBlockProcessNumbered"/>
+    <dgm:cxn modelId="{6B6D7367-D113-4AFD-B439-CED84F44D892}" type="presParOf" srcId="{6F1F8662-936F-43FD-B8A9-B2FD1701EBCA}" destId="{DB5747C2-CEE3-4179-A11F-08BFD86522C1}" srcOrd="1" destOrd="0" presId="urn:microsoft.com/office/officeart/2016/7/layout/LinearBlockProcessNumbered"/>
+    <dgm:cxn modelId="{29BA7AA0-83FD-444E-9D7F-80BE0C1EFF7C}" type="presParOf" srcId="{6F1F8662-936F-43FD-B8A9-B2FD1701EBCA}" destId="{5AAFD426-3436-4366-8B5A-8B759106438B}" srcOrd="2" destOrd="0" presId="urn:microsoft.com/office/officeart/2016/7/layout/LinearBlockProcessNumbered"/>
+    <dgm:cxn modelId="{114F94A8-3327-43A2-985F-810ED71CC2EA}" type="presParOf" srcId="{E6C8DAA9-CFDE-48ED-B2F3-488A2EC27A03}" destId="{48915E4F-40E4-4209-90FE-06C9A6606E0A}" srcOrd="1" destOrd="0" presId="urn:microsoft.com/office/officeart/2016/7/layout/LinearBlockProcessNumbered"/>
+    <dgm:cxn modelId="{E0852D7D-42DD-43B0-9D6A-C55BFA02870A}" type="presParOf" srcId="{E6C8DAA9-CFDE-48ED-B2F3-488A2EC27A03}" destId="{A97A51DE-9F67-4DC8-8E57-A4CA071A87FC}" srcOrd="2" destOrd="0" presId="urn:microsoft.com/office/officeart/2016/7/layout/LinearBlockProcessNumbered"/>
+    <dgm:cxn modelId="{F1ABECB2-5A9B-4F22-B952-BED7A525EE15}" type="presParOf" srcId="{A97A51DE-9F67-4DC8-8E57-A4CA071A87FC}" destId="{08E02F63-3849-46DF-9BB4-98D5E289524C}" srcOrd="0" destOrd="0" presId="urn:microsoft.com/office/officeart/2016/7/layout/LinearBlockProcessNumbered"/>
+    <dgm:cxn modelId="{198FA669-3A7D-4C68-BB32-2E225D33CE83}" type="presParOf" srcId="{A97A51DE-9F67-4DC8-8E57-A4CA071A87FC}" destId="{79B300BC-4F7A-4360-93BF-EF0F3E367A61}" srcOrd="1" destOrd="0" presId="urn:microsoft.com/office/officeart/2016/7/layout/LinearBlockProcessNumbered"/>
+    <dgm:cxn modelId="{21FD7134-A987-47F6-99FC-7BFE2E7E4D12}" type="presParOf" srcId="{A97A51DE-9F67-4DC8-8E57-A4CA071A87FC}" destId="{3CECF853-3E3B-4983-A680-3F0D3642FE29}" srcOrd="2" destOrd="0" presId="urn:microsoft.com/office/officeart/2016/7/layout/LinearBlockProcessNumbered"/>
+    <dgm:cxn modelId="{60AECB3B-901C-40D2-A05D-E92F7BE58B34}" type="presParOf" srcId="{E6C8DAA9-CFDE-48ED-B2F3-488A2EC27A03}" destId="{7CC57817-7C95-4C7A-8628-952A3B727C26}" srcOrd="3" destOrd="0" presId="urn:microsoft.com/office/officeart/2016/7/layout/LinearBlockProcessNumbered"/>
+    <dgm:cxn modelId="{826E9595-124E-477E-82C7-093BFE2C9263}" type="presParOf" srcId="{E6C8DAA9-CFDE-48ED-B2F3-488A2EC27A03}" destId="{55E9FBA8-2969-4F35-B26F-E96AD404247B}" srcOrd="4" destOrd="0" presId="urn:microsoft.com/office/officeart/2016/7/layout/LinearBlockProcessNumbered"/>
+    <dgm:cxn modelId="{677D901C-DA6C-4966-B807-03294114D948}" type="presParOf" srcId="{55E9FBA8-2969-4F35-B26F-E96AD404247B}" destId="{4A642267-54D7-4AA1-86CB-B64AC60CEB72}" srcOrd="0" destOrd="0" presId="urn:microsoft.com/office/officeart/2016/7/layout/LinearBlockProcessNumbered"/>
+    <dgm:cxn modelId="{E8824974-7DAB-4CEB-8E7D-05524925A375}" type="presParOf" srcId="{55E9FBA8-2969-4F35-B26F-E96AD404247B}" destId="{706575ED-47A8-4B1A-8CA0-5E39E026F492}" srcOrd="1" destOrd="0" presId="urn:microsoft.com/office/officeart/2016/7/layout/LinearBlockProcessNumbered"/>
+    <dgm:cxn modelId="{AC786EF4-2141-47A4-A3D2-0A6DCDB8D9FC}" type="presParOf" srcId="{55E9FBA8-2969-4F35-B26F-E96AD404247B}" destId="{780CCC49-9147-4733-B206-71D813F70503}" srcOrd="2" destOrd="0" presId="urn:microsoft.com/office/officeart/2016/7/layout/LinearBlockProcessNumbered"/>
+  </dgm:cxnLst>
+  <dgm:bg/>
+  <dgm:whole/>
+  <dgm:extLst>
+    <a:ext uri="http://schemas.microsoft.com/office/drawing/2008/diagram">
+      <dsp:dataModelExt xmlns:dsp="http://schemas.microsoft.com/office/drawing/2008/diagram" relId="rId7" minVer="http://schemas.openxmlformats.org/drawingml/2006/diagram"/>
+    </a:ext>
+  </dgm:extLst>
+</dgm:dataModel>
+</file>
+
+<file path=ppt/diagrams/data2.xml><?xml version="1.0" encoding="utf-8"?>
+<dgm:dataModel xmlns:dgm="http://schemas.openxmlformats.org/drawingml/2006/diagram" xmlns:a="http://schemas.openxmlformats.org/drawingml/2006/main">
+  <dgm:ptLst>
+    <dgm:pt modelId="{2FEEF6DD-6294-458D-B59D-2A5AFE508D97}" type="doc">
+      <dgm:prSet loTypeId="urn:microsoft.com/office/officeart/2016/7/layout/LinearBlockProcessNumbered" loCatId="process" qsTypeId="urn:microsoft.com/office/officeart/2005/8/quickstyle/simple4" qsCatId="simple" csTypeId="urn:microsoft.com/office/officeart/2005/8/colors/colorful2" csCatId="colorful" phldr="1"/>
+      <dgm:spPr/>
+      <dgm:t>
+        <a:bodyPr/>
+        <a:lstStyle/>
+        <a:p>
+          <a:endParaRPr lang="en-US"/>
+        </a:p>
+      </dgm:t>
+    </dgm:pt>
+    <dgm:pt modelId="{DF5C2697-4475-4B27-80BB-382806E5E908}">
+      <dgm:prSet/>
+      <dgm:spPr>
+        <a:solidFill>
+          <a:srgbClr val="0066FF"/>
+        </a:solidFill>
+        <a:ln>
+          <a:solidFill>
+            <a:srgbClr val="0070C0"/>
+          </a:solidFill>
+        </a:ln>
+      </dgm:spPr>
+      <dgm:t>
+        <a:bodyPr/>
+        <a:lstStyle/>
+        <a:p>
+          <a:r>
+            <a:rPr lang="hr-HR" dirty="0"/>
+            <a:t>Putem tražilice</a:t>
+          </a:r>
+          <a:endParaRPr lang="en-US" dirty="0"/>
+        </a:p>
+      </dgm:t>
+    </dgm:pt>
+    <dgm:pt modelId="{4971EEF8-81ED-434A-9CCD-D693E063EA89}" type="parTrans" cxnId="{C7BD8E59-7912-4D78-8076-062EBA8DB712}">
+      <dgm:prSet/>
+      <dgm:spPr/>
+      <dgm:t>
+        <a:bodyPr/>
+        <a:lstStyle/>
+        <a:p>
+          <a:endParaRPr lang="en-US"/>
+        </a:p>
+      </dgm:t>
+    </dgm:pt>
+    <dgm:pt modelId="{C4D2A93F-FAA5-4AEF-B41D-75EBEB97E4ED}" type="sibTrans" cxnId="{C7BD8E59-7912-4D78-8076-062EBA8DB712}">
+      <dgm:prSet phldrT="01" phldr="0"/>
+      <dgm:spPr/>
+      <dgm:t>
+        <a:bodyPr/>
+        <a:lstStyle/>
+        <a:p>
+          <a:r>
+            <a:rPr lang="en-US"/>
+            <a:t>01</a:t>
+          </a:r>
+        </a:p>
+      </dgm:t>
+    </dgm:pt>
+    <dgm:pt modelId="{2DB77AF9-5179-47E2-8D6F-4C05FFFD70B1}">
+      <dgm:prSet/>
+      <dgm:spPr>
+        <a:solidFill>
+          <a:srgbClr val="0000FF"/>
+        </a:solidFill>
+        <a:ln>
+          <a:noFill/>
+        </a:ln>
+      </dgm:spPr>
+      <dgm:t>
+        <a:bodyPr/>
+        <a:lstStyle/>
+        <a:p>
+          <a:r>
+            <a:rPr lang="hr-HR" dirty="0"/>
+            <a:t>Po kategoriji</a:t>
+          </a:r>
+          <a:endParaRPr lang="en-US" dirty="0"/>
+        </a:p>
+      </dgm:t>
+    </dgm:pt>
+    <dgm:pt modelId="{D1E3BDC6-A159-4DEF-8B5D-920A3FA4E4FB}" type="parTrans" cxnId="{C234B494-B39B-40AC-B112-27115427148C}">
+      <dgm:prSet/>
+      <dgm:spPr/>
+      <dgm:t>
+        <a:bodyPr/>
+        <a:lstStyle/>
+        <a:p>
+          <a:endParaRPr lang="en-US"/>
+        </a:p>
+      </dgm:t>
+    </dgm:pt>
+    <dgm:pt modelId="{D34049C0-379D-4A2A-B3EA-8D420B53AAEF}" type="sibTrans" cxnId="{C234B494-B39B-40AC-B112-27115427148C}">
+      <dgm:prSet phldrT="02" phldr="0"/>
+      <dgm:spPr/>
+      <dgm:t>
+        <a:bodyPr/>
+        <a:lstStyle/>
+        <a:p>
+          <a:r>
+            <a:rPr lang="en-US"/>
+            <a:t>02</a:t>
+          </a:r>
+        </a:p>
+      </dgm:t>
+    </dgm:pt>
+    <dgm:pt modelId="{4E60F986-AEB1-4E86-BCDE-E4FF42145C99}">
+      <dgm:prSet/>
+      <dgm:spPr>
+        <a:solidFill>
+          <a:srgbClr val="0000CC"/>
+        </a:solidFill>
+        <a:ln>
+          <a:noFill/>
+        </a:ln>
+      </dgm:spPr>
+      <dgm:t>
+        <a:bodyPr/>
+        <a:lstStyle/>
+        <a:p>
+          <a:r>
+            <a:rPr lang="hr-HR" dirty="0"/>
+            <a:t>Kroz korisniči profil</a:t>
+          </a:r>
+          <a:endParaRPr lang="en-US" dirty="0"/>
+        </a:p>
+      </dgm:t>
+    </dgm:pt>
+    <dgm:pt modelId="{A052CEFE-4637-4ECC-A43D-F2493D51B9F2}" type="parTrans" cxnId="{F9E96470-0EE8-4373-A171-9910732204D8}">
+      <dgm:prSet/>
+      <dgm:spPr/>
+      <dgm:t>
+        <a:bodyPr/>
+        <a:lstStyle/>
+        <a:p>
+          <a:endParaRPr lang="en-US"/>
+        </a:p>
+      </dgm:t>
+    </dgm:pt>
+    <dgm:pt modelId="{91C7C623-1683-4821-A338-981A0BDD8EC2}" type="sibTrans" cxnId="{F9E96470-0EE8-4373-A171-9910732204D8}">
+      <dgm:prSet phldrT="03" phldr="0"/>
+      <dgm:spPr/>
+      <dgm:t>
+        <a:bodyPr/>
+        <a:lstStyle/>
+        <a:p>
+          <a:r>
+            <a:rPr lang="en-US"/>
+            <a:t>03</a:t>
+          </a:r>
+        </a:p>
+      </dgm:t>
+    </dgm:pt>
+    <dgm:pt modelId="{E6C8DAA9-CFDE-48ED-B2F3-488A2EC27A03}" type="pres">
+      <dgm:prSet presAssocID="{2FEEF6DD-6294-458D-B59D-2A5AFE508D97}" presName="Name0" presStyleCnt="0">
+        <dgm:presLayoutVars>
+          <dgm:animLvl val="lvl"/>
+          <dgm:resizeHandles val="exact"/>
+        </dgm:presLayoutVars>
+      </dgm:prSet>
+      <dgm:spPr/>
+    </dgm:pt>
+    <dgm:pt modelId="{6F1F8662-936F-43FD-B8A9-B2FD1701EBCA}" type="pres">
+      <dgm:prSet presAssocID="{DF5C2697-4475-4B27-80BB-382806E5E908}" presName="compositeNode" presStyleCnt="0">
+        <dgm:presLayoutVars>
+          <dgm:bulletEnabled val="1"/>
+        </dgm:presLayoutVars>
+      </dgm:prSet>
+      <dgm:spPr/>
+    </dgm:pt>
+    <dgm:pt modelId="{C8A037E5-8B0F-4B41-B810-205F8F29AE1F}" type="pres">
+      <dgm:prSet presAssocID="{DF5C2697-4475-4B27-80BB-382806E5E908}" presName="bgRect" presStyleLbl="alignNode1" presStyleIdx="0" presStyleCnt="3"/>
+      <dgm:spPr/>
+    </dgm:pt>
+    <dgm:pt modelId="{DB5747C2-CEE3-4179-A11F-08BFD86522C1}" type="pres">
+      <dgm:prSet presAssocID="{C4D2A93F-FAA5-4AEF-B41D-75EBEB97E4ED}" presName="sibTransNodeRect" presStyleLbl="alignNode1" presStyleIdx="0" presStyleCnt="3">
+        <dgm:presLayoutVars>
+          <dgm:chMax val="0"/>
+          <dgm:bulletEnabled val="1"/>
+        </dgm:presLayoutVars>
+      </dgm:prSet>
+      <dgm:spPr/>
+    </dgm:pt>
+    <dgm:pt modelId="{5AAFD426-3436-4366-8B5A-8B759106438B}" type="pres">
+      <dgm:prSet presAssocID="{DF5C2697-4475-4B27-80BB-382806E5E908}" presName="nodeRect" presStyleLbl="alignNode1" presStyleIdx="0" presStyleCnt="3">
+        <dgm:presLayoutVars>
+          <dgm:bulletEnabled val="1"/>
+        </dgm:presLayoutVars>
+      </dgm:prSet>
+      <dgm:spPr/>
+    </dgm:pt>
+    <dgm:pt modelId="{48915E4F-40E4-4209-90FE-06C9A6606E0A}" type="pres">
+      <dgm:prSet presAssocID="{C4D2A93F-FAA5-4AEF-B41D-75EBEB97E4ED}" presName="sibTrans" presStyleCnt="0"/>
+      <dgm:spPr/>
+    </dgm:pt>
+    <dgm:pt modelId="{A97A51DE-9F67-4DC8-8E57-A4CA071A87FC}" type="pres">
+      <dgm:prSet presAssocID="{2DB77AF9-5179-47E2-8D6F-4C05FFFD70B1}" presName="compositeNode" presStyleCnt="0">
+        <dgm:presLayoutVars>
+          <dgm:bulletEnabled val="1"/>
+        </dgm:presLayoutVars>
+      </dgm:prSet>
+      <dgm:spPr/>
+    </dgm:pt>
+    <dgm:pt modelId="{08E02F63-3849-46DF-9BB4-98D5E289524C}" type="pres">
+      <dgm:prSet presAssocID="{2DB77AF9-5179-47E2-8D6F-4C05FFFD70B1}" presName="bgRect" presStyleLbl="alignNode1" presStyleIdx="1" presStyleCnt="3"/>
+      <dgm:spPr/>
+    </dgm:pt>
+    <dgm:pt modelId="{79B300BC-4F7A-4360-93BF-EF0F3E367A61}" type="pres">
+      <dgm:prSet presAssocID="{D34049C0-379D-4A2A-B3EA-8D420B53AAEF}" presName="sibTransNodeRect" presStyleLbl="alignNode1" presStyleIdx="1" presStyleCnt="3">
+        <dgm:presLayoutVars>
+          <dgm:chMax val="0"/>
+          <dgm:bulletEnabled val="1"/>
+        </dgm:presLayoutVars>
+      </dgm:prSet>
+      <dgm:spPr/>
+    </dgm:pt>
+    <dgm:pt modelId="{3CECF853-3E3B-4983-A680-3F0D3642FE29}" type="pres">
+      <dgm:prSet presAssocID="{2DB77AF9-5179-47E2-8D6F-4C05FFFD70B1}" presName="nodeRect" presStyleLbl="alignNode1" presStyleIdx="1" presStyleCnt="3">
+        <dgm:presLayoutVars>
+          <dgm:bulletEnabled val="1"/>
+        </dgm:presLayoutVars>
+      </dgm:prSet>
+      <dgm:spPr/>
+    </dgm:pt>
+    <dgm:pt modelId="{7CC57817-7C95-4C7A-8628-952A3B727C26}" type="pres">
+      <dgm:prSet presAssocID="{D34049C0-379D-4A2A-B3EA-8D420B53AAEF}" presName="sibTrans" presStyleCnt="0"/>
+      <dgm:spPr/>
+    </dgm:pt>
+    <dgm:pt modelId="{55E9FBA8-2969-4F35-B26F-E96AD404247B}" type="pres">
+      <dgm:prSet presAssocID="{4E60F986-AEB1-4E86-BCDE-E4FF42145C99}" presName="compositeNode" presStyleCnt="0">
+        <dgm:presLayoutVars>
+          <dgm:bulletEnabled val="1"/>
+        </dgm:presLayoutVars>
+      </dgm:prSet>
+      <dgm:spPr/>
+    </dgm:pt>
+    <dgm:pt modelId="{4A642267-54D7-4AA1-86CB-B64AC60CEB72}" type="pres">
+      <dgm:prSet presAssocID="{4E60F986-AEB1-4E86-BCDE-E4FF42145C99}" presName="bgRect" presStyleLbl="alignNode1" presStyleIdx="2" presStyleCnt="3"/>
+      <dgm:spPr/>
+    </dgm:pt>
+    <dgm:pt modelId="{706575ED-47A8-4B1A-8CA0-5E39E026F492}" type="pres">
+      <dgm:prSet presAssocID="{91C7C623-1683-4821-A338-981A0BDD8EC2}" presName="sibTransNodeRect" presStyleLbl="alignNode1" presStyleIdx="2" presStyleCnt="3">
+        <dgm:presLayoutVars>
+          <dgm:chMax val="0"/>
+          <dgm:bulletEnabled val="1"/>
+        </dgm:presLayoutVars>
+      </dgm:prSet>
+      <dgm:spPr/>
+    </dgm:pt>
+    <dgm:pt modelId="{780CCC49-9147-4733-B206-71D813F70503}" type="pres">
+      <dgm:prSet presAssocID="{4E60F986-AEB1-4E86-BCDE-E4FF42145C99}" presName="nodeRect" presStyleLbl="alignNode1" presStyleIdx="2" presStyleCnt="3">
+        <dgm:presLayoutVars>
+          <dgm:bulletEnabled val="1"/>
+        </dgm:presLayoutVars>
+      </dgm:prSet>
+      <dgm:spPr/>
+    </dgm:pt>
+  </dgm:ptLst>
+  <dgm:cxnLst>
+    <dgm:cxn modelId="{EAC8F60D-4F9B-459D-B768-CA7E2944A208}" type="presOf" srcId="{2DB77AF9-5179-47E2-8D6F-4C05FFFD70B1}" destId="{08E02F63-3849-46DF-9BB4-98D5E289524C}" srcOrd="0" destOrd="0" presId="urn:microsoft.com/office/officeart/2016/7/layout/LinearBlockProcessNumbered"/>
+    <dgm:cxn modelId="{1F337921-84B1-4BA0-B48B-E7DD65DDEE0A}" type="presOf" srcId="{DF5C2697-4475-4B27-80BB-382806E5E908}" destId="{C8A037E5-8B0F-4B41-B810-205F8F29AE1F}" srcOrd="0" destOrd="0" presId="urn:microsoft.com/office/officeart/2016/7/layout/LinearBlockProcessNumbered"/>
+    <dgm:cxn modelId="{EE55543E-3EEF-413E-AFD1-0EA7C856DE2D}" type="presOf" srcId="{4E60F986-AEB1-4E86-BCDE-E4FF42145C99}" destId="{780CCC49-9147-4733-B206-71D813F70503}" srcOrd="1" destOrd="0" presId="urn:microsoft.com/office/officeart/2016/7/layout/LinearBlockProcessNumbered"/>
+    <dgm:cxn modelId="{21018861-9A13-4682-9E04-EA4162066733}" type="presOf" srcId="{4E60F986-AEB1-4E86-BCDE-E4FF42145C99}" destId="{4A642267-54D7-4AA1-86CB-B64AC60CEB72}" srcOrd="0" destOrd="0" presId="urn:microsoft.com/office/officeart/2016/7/layout/LinearBlockProcessNumbered"/>
+    <dgm:cxn modelId="{F9E96470-0EE8-4373-A171-9910732204D8}" srcId="{2FEEF6DD-6294-458D-B59D-2A5AFE508D97}" destId="{4E60F986-AEB1-4E86-BCDE-E4FF42145C99}" srcOrd="2" destOrd="0" parTransId="{A052CEFE-4637-4ECC-A43D-F2493D51B9F2}" sibTransId="{91C7C623-1683-4821-A338-981A0BDD8EC2}"/>
+    <dgm:cxn modelId="{C2CAAA50-278B-422F-855D-2A754B7023EF}" type="presOf" srcId="{2FEEF6DD-6294-458D-B59D-2A5AFE508D97}" destId="{E6C8DAA9-CFDE-48ED-B2F3-488A2EC27A03}" srcOrd="0" destOrd="0" presId="urn:microsoft.com/office/officeart/2016/7/layout/LinearBlockProcessNumbered"/>
+    <dgm:cxn modelId="{C7BD8E59-7912-4D78-8076-062EBA8DB712}" srcId="{2FEEF6DD-6294-458D-B59D-2A5AFE508D97}" destId="{DF5C2697-4475-4B27-80BB-382806E5E908}" srcOrd="0" destOrd="0" parTransId="{4971EEF8-81ED-434A-9CCD-D693E063EA89}" sibTransId="{C4D2A93F-FAA5-4AEF-B41D-75EBEB97E4ED}"/>
+    <dgm:cxn modelId="{EF4A1C7A-7E4D-4F13-A1AB-FBDA15ED864C}" type="presOf" srcId="{91C7C623-1683-4821-A338-981A0BDD8EC2}" destId="{706575ED-47A8-4B1A-8CA0-5E39E026F492}" srcOrd="0" destOrd="0" presId="urn:microsoft.com/office/officeart/2016/7/layout/LinearBlockProcessNumbered"/>
+    <dgm:cxn modelId="{C234B494-B39B-40AC-B112-27115427148C}" srcId="{2FEEF6DD-6294-458D-B59D-2A5AFE508D97}" destId="{2DB77AF9-5179-47E2-8D6F-4C05FFFD70B1}" srcOrd="1" destOrd="0" parTransId="{D1E3BDC6-A159-4DEF-8B5D-920A3FA4E4FB}" sibTransId="{D34049C0-379D-4A2A-B3EA-8D420B53AAEF}"/>
+    <dgm:cxn modelId="{7BE48FAC-F5FA-4B89-BE97-93F51911DBAD}" type="presOf" srcId="{D34049C0-379D-4A2A-B3EA-8D420B53AAEF}" destId="{79B300BC-4F7A-4360-93BF-EF0F3E367A61}" srcOrd="0" destOrd="0" presId="urn:microsoft.com/office/officeart/2016/7/layout/LinearBlockProcessNumbered"/>
+    <dgm:cxn modelId="{F9D6DEBD-C4FD-441B-AECA-75AC76E1BB76}" type="presOf" srcId="{DF5C2697-4475-4B27-80BB-382806E5E908}" destId="{5AAFD426-3436-4366-8B5A-8B759106438B}" srcOrd="1" destOrd="0" presId="urn:microsoft.com/office/officeart/2016/7/layout/LinearBlockProcessNumbered"/>
+    <dgm:cxn modelId="{6E36BFBF-E7DD-4F3E-8170-D45BC38522E8}" type="presOf" srcId="{C4D2A93F-FAA5-4AEF-B41D-75EBEB97E4ED}" destId="{DB5747C2-CEE3-4179-A11F-08BFD86522C1}" srcOrd="0" destOrd="0" presId="urn:microsoft.com/office/officeart/2016/7/layout/LinearBlockProcessNumbered"/>
+    <dgm:cxn modelId="{064C16EA-FF11-4191-8231-F4FF2F3CD8A5}" type="presOf" srcId="{2DB77AF9-5179-47E2-8D6F-4C05FFFD70B1}" destId="{3CECF853-3E3B-4983-A680-3F0D3642FE29}" srcOrd="1" destOrd="0" presId="urn:microsoft.com/office/officeart/2016/7/layout/LinearBlockProcessNumbered"/>
+    <dgm:cxn modelId="{9B358985-4FF6-4567-9923-27881089B73D}" type="presParOf" srcId="{E6C8DAA9-CFDE-48ED-B2F3-488A2EC27A03}" destId="{6F1F8662-936F-43FD-B8A9-B2FD1701EBCA}" srcOrd="0" destOrd="0" presId="urn:microsoft.com/office/officeart/2016/7/layout/LinearBlockProcessNumbered"/>
+    <dgm:cxn modelId="{60CD6731-FD49-412C-8414-BCF6F3C1C755}" type="presParOf" srcId="{6F1F8662-936F-43FD-B8A9-B2FD1701EBCA}" destId="{C8A037E5-8B0F-4B41-B810-205F8F29AE1F}" srcOrd="0" destOrd="0" presId="urn:microsoft.com/office/officeart/2016/7/layout/LinearBlockProcessNumbered"/>
+    <dgm:cxn modelId="{6B6D7367-D113-4AFD-B439-CED84F44D892}" type="presParOf" srcId="{6F1F8662-936F-43FD-B8A9-B2FD1701EBCA}" destId="{DB5747C2-CEE3-4179-A11F-08BFD86522C1}" srcOrd="1" destOrd="0" presId="urn:microsoft.com/office/officeart/2016/7/layout/LinearBlockProcessNumbered"/>
+    <dgm:cxn modelId="{29BA7AA0-83FD-444E-9D7F-80BE0C1EFF7C}" type="presParOf" srcId="{6F1F8662-936F-43FD-B8A9-B2FD1701EBCA}" destId="{5AAFD426-3436-4366-8B5A-8B759106438B}" srcOrd="2" destOrd="0" presId="urn:microsoft.com/office/officeart/2016/7/layout/LinearBlockProcessNumbered"/>
+    <dgm:cxn modelId="{114F94A8-3327-43A2-985F-810ED71CC2EA}" type="presParOf" srcId="{E6C8DAA9-CFDE-48ED-B2F3-488A2EC27A03}" destId="{48915E4F-40E4-4209-90FE-06C9A6606E0A}" srcOrd="1" destOrd="0" presId="urn:microsoft.com/office/officeart/2016/7/layout/LinearBlockProcessNumbered"/>
+    <dgm:cxn modelId="{E0852D7D-42DD-43B0-9D6A-C55BFA02870A}" type="presParOf" srcId="{E6C8DAA9-CFDE-48ED-B2F3-488A2EC27A03}" destId="{A97A51DE-9F67-4DC8-8E57-A4CA071A87FC}" srcOrd="2" destOrd="0" presId="urn:microsoft.com/office/officeart/2016/7/layout/LinearBlockProcessNumbered"/>
+    <dgm:cxn modelId="{F1ABECB2-5A9B-4F22-B952-BED7A525EE15}" type="presParOf" srcId="{A97A51DE-9F67-4DC8-8E57-A4CA071A87FC}" destId="{08E02F63-3849-46DF-9BB4-98D5E289524C}" srcOrd="0" destOrd="0" presId="urn:microsoft.com/office/officeart/2016/7/layout/LinearBlockProcessNumbered"/>
+    <dgm:cxn modelId="{198FA669-3A7D-4C68-BB32-2E225D33CE83}" type="presParOf" srcId="{A97A51DE-9F67-4DC8-8E57-A4CA071A87FC}" destId="{79B300BC-4F7A-4360-93BF-EF0F3E367A61}" srcOrd="1" destOrd="0" presId="urn:microsoft.com/office/officeart/2016/7/layout/LinearBlockProcessNumbered"/>
+    <dgm:cxn modelId="{21FD7134-A987-47F6-99FC-7BFE2E7E4D12}" type="presParOf" srcId="{A97A51DE-9F67-4DC8-8E57-A4CA071A87FC}" destId="{3CECF853-3E3B-4983-A680-3F0D3642FE29}" srcOrd="2" destOrd="0" presId="urn:microsoft.com/office/officeart/2016/7/layout/LinearBlockProcessNumbered"/>
+    <dgm:cxn modelId="{60AECB3B-901C-40D2-A05D-E92F7BE58B34}" type="presParOf" srcId="{E6C8DAA9-CFDE-48ED-B2F3-488A2EC27A03}" destId="{7CC57817-7C95-4C7A-8628-952A3B727C26}" srcOrd="3" destOrd="0" presId="urn:microsoft.com/office/officeart/2016/7/layout/LinearBlockProcessNumbered"/>
+    <dgm:cxn modelId="{826E9595-124E-477E-82C7-093BFE2C9263}" type="presParOf" srcId="{E6C8DAA9-CFDE-48ED-B2F3-488A2EC27A03}" destId="{55E9FBA8-2969-4F35-B26F-E96AD404247B}" srcOrd="4" destOrd="0" presId="urn:microsoft.com/office/officeart/2016/7/layout/LinearBlockProcessNumbered"/>
+    <dgm:cxn modelId="{677D901C-DA6C-4966-B807-03294114D948}" type="presParOf" srcId="{55E9FBA8-2969-4F35-B26F-E96AD404247B}" destId="{4A642267-54D7-4AA1-86CB-B64AC60CEB72}" srcOrd="0" destOrd="0" presId="urn:microsoft.com/office/officeart/2016/7/layout/LinearBlockProcessNumbered"/>
+    <dgm:cxn modelId="{E8824974-7DAB-4CEB-8E7D-05524925A375}" type="presParOf" srcId="{55E9FBA8-2969-4F35-B26F-E96AD404247B}" destId="{706575ED-47A8-4B1A-8CA0-5E39E026F492}" srcOrd="1" destOrd="0" presId="urn:microsoft.com/office/officeart/2016/7/layout/LinearBlockProcessNumbered"/>
+    <dgm:cxn modelId="{AC786EF4-2141-47A4-A3D2-0A6DCDB8D9FC}" type="presParOf" srcId="{55E9FBA8-2969-4F35-B26F-E96AD404247B}" destId="{780CCC49-9147-4733-B206-71D813F70503}" srcOrd="2" destOrd="0" presId="urn:microsoft.com/office/officeart/2016/7/layout/LinearBlockProcessNumbered"/>
+  </dgm:cxnLst>
+  <dgm:bg/>
+  <dgm:whole/>
+  <dgm:extLst>
+    <a:ext uri="http://schemas.microsoft.com/office/drawing/2008/diagram">
+      <dsp:dataModelExt xmlns:dsp="http://schemas.microsoft.com/office/drawing/2008/diagram" relId="rId7" minVer="http://schemas.openxmlformats.org/drawingml/2006/diagram"/>
+    </a:ext>
+  </dgm:extLst>
+</dgm:dataModel>
+</file>
+
+<file path=ppt/diagrams/drawing1.xml><?xml version="1.0" encoding="utf-8"?>
+<dsp:drawing xmlns:dgm="http://schemas.openxmlformats.org/drawingml/2006/diagram" xmlns:dsp="http://schemas.microsoft.com/office/drawing/2008/diagram" xmlns:a="http://schemas.openxmlformats.org/drawingml/2006/main">
+  <dsp:spTree>
+    <dsp:nvGrpSpPr>
+      <dsp:cNvPr id="0" name=""/>
+      <dsp:cNvGrpSpPr/>
+    </dsp:nvGrpSpPr>
+    <dsp:grpSpPr/>
+    <dsp:sp modelId="{C8A037E5-8B0F-4B41-B810-205F8F29AE1F}">
+      <dsp:nvSpPr>
+        <dsp:cNvPr id="0" name=""/>
+        <dsp:cNvSpPr/>
+      </dsp:nvSpPr>
+      <dsp:spPr>
+        <a:xfrm>
+          <a:off x="808" y="64038"/>
+          <a:ext cx="3275967" cy="3931160"/>
+        </a:xfrm>
+        <a:prstGeom prst="rect">
+          <a:avLst/>
+        </a:prstGeom>
+        <a:gradFill rotWithShape="0">
+          <a:gsLst>
+            <a:gs pos="0">
+              <a:schemeClr val="accent2">
+                <a:hueOff val="0"/>
+                <a:satOff val="0"/>
+                <a:lumOff val="0"/>
+                <a:alphaOff val="0"/>
+                <a:tint val="96000"/>
+                <a:lumMod val="104000"/>
+              </a:schemeClr>
+            </a:gs>
+            <a:gs pos="100000">
+              <a:schemeClr val="accent2">
+                <a:hueOff val="0"/>
+                <a:satOff val="0"/>
+                <a:lumOff val="0"/>
+                <a:alphaOff val="0"/>
+                <a:shade val="90000"/>
+                <a:lumMod val="90000"/>
+              </a:schemeClr>
+            </a:gs>
+          </a:gsLst>
+          <a:lin ang="5400000" scaled="0"/>
+        </a:gradFill>
+        <a:ln w="9525" cap="rnd" cmpd="sng" algn="ctr">
+          <a:solidFill>
+            <a:schemeClr val="accent2">
+              <a:hueOff val="0"/>
+              <a:satOff val="0"/>
+              <a:lumOff val="0"/>
+              <a:alphaOff val="0"/>
+            </a:schemeClr>
+          </a:solidFill>
+          <a:prstDash val="solid"/>
+        </a:ln>
+        <a:effectLst>
+          <a:outerShdw blurRad="63500" dist="25400" dir="5400000" rotWithShape="0">
+            <a:srgbClr val="000000">
+              <a:alpha val="60000"/>
+            </a:srgbClr>
+          </a:outerShdw>
+        </a:effectLst>
+      </dsp:spPr>
+      <dsp:style>
+        <a:lnRef idx="1">
+          <a:scrgbClr r="0" g="0" b="0"/>
+        </a:lnRef>
+        <a:fillRef idx="3">
+          <a:scrgbClr r="0" g="0" b="0"/>
+        </a:fillRef>
+        <a:effectRef idx="2">
+          <a:scrgbClr r="0" g="0" b="0"/>
+        </a:effectRef>
+        <a:fontRef idx="minor">
+          <a:schemeClr val="lt1"/>
+        </a:fontRef>
+      </dsp:style>
+      <dsp:txBody>
+        <a:bodyPr spcFirstLastPara="0" vert="horz" wrap="square" lIns="323593" tIns="0" rIns="323593" bIns="330200" numCol="1" spcCol="1270" anchor="t" anchorCtr="0">
+          <a:noAutofit/>
+        </a:bodyPr>
+        <a:lstStyle/>
+        <a:p>
+          <a:pPr marL="0" lvl="0" indent="0" algn="l" defTabSz="1155700">
+            <a:lnSpc>
+              <a:spcPct val="90000"/>
+            </a:lnSpc>
+            <a:spcBef>
+              <a:spcPct val="0"/>
+            </a:spcBef>
+            <a:spcAft>
+              <a:spcPct val="35000"/>
+            </a:spcAft>
+            <a:buNone/>
+          </a:pPr>
+          <a:r>
+            <a:rPr lang="hr-HR" sz="2600" kern="1200"/>
+            <a:t>Pregled i ažuriranje podataka</a:t>
+          </a:r>
+          <a:endParaRPr lang="en-US" sz="2600" kern="1200"/>
+        </a:p>
+      </dsp:txBody>
+      <dsp:txXfrm>
+        <a:off x="808" y="1636502"/>
+        <a:ext cx="3275967" cy="2358696"/>
+      </dsp:txXfrm>
+    </dsp:sp>
+    <dsp:sp modelId="{DB5747C2-CEE3-4179-A11F-08BFD86522C1}">
+      <dsp:nvSpPr>
+        <dsp:cNvPr id="0" name=""/>
+        <dsp:cNvSpPr/>
+      </dsp:nvSpPr>
+      <dsp:spPr>
+        <a:xfrm>
+          <a:off x="808" y="64038"/>
+          <a:ext cx="3275967" cy="1572464"/>
+        </a:xfrm>
+        <a:prstGeom prst="rect">
+          <a:avLst/>
+        </a:prstGeom>
+        <a:noFill/>
+        <a:ln w="9525" cap="rnd" cmpd="sng" algn="ctr">
+          <a:noFill/>
+          <a:prstDash val="solid"/>
+        </a:ln>
+        <a:effectLst>
+          <a:outerShdw blurRad="63500" dist="25400" dir="5400000" rotWithShape="0">
+            <a:srgbClr val="000000">
+              <a:alpha val="60000"/>
+            </a:srgbClr>
+          </a:outerShdw>
+        </a:effectLst>
+        <a:sp3d/>
+      </dsp:spPr>
+      <dsp:style>
+        <a:lnRef idx="1">
+          <a:scrgbClr r="0" g="0" b="0"/>
+        </a:lnRef>
+        <a:fillRef idx="3">
+          <a:scrgbClr r="0" g="0" b="0"/>
+        </a:fillRef>
+        <a:effectRef idx="2">
+          <a:scrgbClr r="0" g="0" b="0"/>
+        </a:effectRef>
+        <a:fontRef idx="minor">
+          <a:schemeClr val="lt1"/>
+        </a:fontRef>
+      </dsp:style>
+      <dsp:txBody>
+        <a:bodyPr spcFirstLastPara="0" vert="horz" wrap="square" lIns="323593" tIns="165100" rIns="323593" bIns="165100" numCol="1" spcCol="1270" anchor="ctr" anchorCtr="0">
+          <a:noAutofit/>
+        </a:bodyPr>
+        <a:lstStyle/>
+        <a:p>
+          <a:pPr marL="0" lvl="0" indent="0" algn="l" defTabSz="2933700">
+            <a:lnSpc>
+              <a:spcPct val="90000"/>
+            </a:lnSpc>
+            <a:spcBef>
+              <a:spcPct val="0"/>
+            </a:spcBef>
+            <a:spcAft>
+              <a:spcPct val="35000"/>
+            </a:spcAft>
+            <a:buNone/>
+          </a:pPr>
+          <a:r>
+            <a:rPr lang="en-US" sz="6600" kern="1200"/>
+            <a:t>01</a:t>
+          </a:r>
+        </a:p>
+      </dsp:txBody>
+      <dsp:txXfrm>
+        <a:off x="808" y="64038"/>
+        <a:ext cx="3275967" cy="1572464"/>
+      </dsp:txXfrm>
+    </dsp:sp>
+    <dsp:sp modelId="{08E02F63-3849-46DF-9BB4-98D5E289524C}">
+      <dsp:nvSpPr>
+        <dsp:cNvPr id="0" name=""/>
+        <dsp:cNvSpPr/>
+      </dsp:nvSpPr>
+      <dsp:spPr>
+        <a:xfrm>
+          <a:off x="3538853" y="64038"/>
+          <a:ext cx="3275967" cy="3931160"/>
+        </a:xfrm>
+        <a:prstGeom prst="rect">
+          <a:avLst/>
+        </a:prstGeom>
+        <a:gradFill rotWithShape="0">
+          <a:gsLst>
+            <a:gs pos="0">
+              <a:schemeClr val="accent2">
+                <a:hueOff val="-355029"/>
+                <a:satOff val="-2934"/>
+                <a:lumOff val="-6274"/>
+                <a:alphaOff val="0"/>
+                <a:tint val="96000"/>
+                <a:lumMod val="104000"/>
+              </a:schemeClr>
+            </a:gs>
+            <a:gs pos="100000">
+              <a:schemeClr val="accent2">
+                <a:hueOff val="-355029"/>
+                <a:satOff val="-2934"/>
+                <a:lumOff val="-6274"/>
+                <a:alphaOff val="0"/>
+                <a:shade val="90000"/>
+                <a:lumMod val="90000"/>
+              </a:schemeClr>
+            </a:gs>
+          </a:gsLst>
+          <a:lin ang="5400000" scaled="0"/>
+        </a:gradFill>
+        <a:ln w="9525" cap="rnd" cmpd="sng" algn="ctr">
+          <a:solidFill>
+            <a:schemeClr val="accent2">
+              <a:hueOff val="-355029"/>
+              <a:satOff val="-2934"/>
+              <a:lumOff val="-6274"/>
+              <a:alphaOff val="0"/>
+            </a:schemeClr>
+          </a:solidFill>
+          <a:prstDash val="solid"/>
+        </a:ln>
+        <a:effectLst>
+          <a:outerShdw blurRad="63500" dist="25400" dir="5400000" rotWithShape="0">
+            <a:srgbClr val="000000">
+              <a:alpha val="60000"/>
+            </a:srgbClr>
+          </a:outerShdw>
+        </a:effectLst>
+      </dsp:spPr>
+      <dsp:style>
+        <a:lnRef idx="1">
+          <a:scrgbClr r="0" g="0" b="0"/>
+        </a:lnRef>
+        <a:fillRef idx="3">
+          <a:scrgbClr r="0" g="0" b="0"/>
+        </a:fillRef>
+        <a:effectRef idx="2">
+          <a:scrgbClr r="0" g="0" b="0"/>
+        </a:effectRef>
+        <a:fontRef idx="minor">
+          <a:schemeClr val="lt1"/>
+        </a:fontRef>
+      </dsp:style>
+      <dsp:txBody>
+        <a:bodyPr spcFirstLastPara="0" vert="horz" wrap="square" lIns="323593" tIns="0" rIns="323593" bIns="330200" numCol="1" spcCol="1270" anchor="t" anchorCtr="0">
+          <a:noAutofit/>
+        </a:bodyPr>
+        <a:lstStyle/>
+        <a:p>
+          <a:pPr marL="0" lvl="0" indent="0" algn="l" defTabSz="1155700">
+            <a:lnSpc>
+              <a:spcPct val="90000"/>
+            </a:lnSpc>
+            <a:spcBef>
+              <a:spcPct val="0"/>
+            </a:spcBef>
+            <a:spcAft>
+              <a:spcPct val="35000"/>
+            </a:spcAft>
+            <a:buNone/>
+          </a:pPr>
+          <a:r>
+            <a:rPr lang="hr-HR" sz="2600" kern="1200"/>
+            <a:t>Pregled statistike o oglasima i korisnicima</a:t>
+          </a:r>
+          <a:endParaRPr lang="en-US" sz="2600" kern="1200"/>
+        </a:p>
+      </dsp:txBody>
+      <dsp:txXfrm>
+        <a:off x="3538853" y="1636502"/>
+        <a:ext cx="3275967" cy="2358696"/>
+      </dsp:txXfrm>
+    </dsp:sp>
+    <dsp:sp modelId="{79B300BC-4F7A-4360-93BF-EF0F3E367A61}">
+      <dsp:nvSpPr>
+        <dsp:cNvPr id="0" name=""/>
+        <dsp:cNvSpPr/>
+      </dsp:nvSpPr>
+      <dsp:spPr>
+        <a:xfrm>
+          <a:off x="3538853" y="64038"/>
+          <a:ext cx="3275967" cy="1572464"/>
+        </a:xfrm>
+        <a:prstGeom prst="rect">
+          <a:avLst/>
+        </a:prstGeom>
+        <a:noFill/>
+        <a:ln w="9525" cap="rnd" cmpd="sng" algn="ctr">
+          <a:noFill/>
+          <a:prstDash val="solid"/>
+        </a:ln>
+        <a:effectLst>
+          <a:outerShdw blurRad="63500" dist="25400" dir="5400000" rotWithShape="0">
+            <a:srgbClr val="000000">
+              <a:alpha val="60000"/>
+            </a:srgbClr>
+          </a:outerShdw>
+        </a:effectLst>
+        <a:sp3d/>
+      </dsp:spPr>
+      <dsp:style>
+        <a:lnRef idx="1">
+          <a:scrgbClr r="0" g="0" b="0"/>
+        </a:lnRef>
+        <a:fillRef idx="3">
+          <a:scrgbClr r="0" g="0" b="0"/>
+        </a:fillRef>
+        <a:effectRef idx="2">
+          <a:scrgbClr r="0" g="0" b="0"/>
+        </a:effectRef>
+        <a:fontRef idx="minor">
+          <a:schemeClr val="lt1"/>
+        </a:fontRef>
+      </dsp:style>
+      <dsp:txBody>
+        <a:bodyPr spcFirstLastPara="0" vert="horz" wrap="square" lIns="323593" tIns="165100" rIns="323593" bIns="165100" numCol="1" spcCol="1270" anchor="ctr" anchorCtr="0">
+          <a:noAutofit/>
+        </a:bodyPr>
+        <a:lstStyle/>
+        <a:p>
+          <a:pPr marL="0" lvl="0" indent="0" algn="l" defTabSz="2933700">
+            <a:lnSpc>
+              <a:spcPct val="90000"/>
+            </a:lnSpc>
+            <a:spcBef>
+              <a:spcPct val="0"/>
+            </a:spcBef>
+            <a:spcAft>
+              <a:spcPct val="35000"/>
+            </a:spcAft>
+            <a:buNone/>
+          </a:pPr>
+          <a:r>
+            <a:rPr lang="en-US" sz="6600" kern="1200"/>
+            <a:t>02</a:t>
+          </a:r>
+        </a:p>
+      </dsp:txBody>
+      <dsp:txXfrm>
+        <a:off x="3538853" y="64038"/>
+        <a:ext cx="3275967" cy="1572464"/>
+      </dsp:txXfrm>
+    </dsp:sp>
+    <dsp:sp modelId="{4A642267-54D7-4AA1-86CB-B64AC60CEB72}">
+      <dsp:nvSpPr>
+        <dsp:cNvPr id="0" name=""/>
+        <dsp:cNvSpPr/>
+      </dsp:nvSpPr>
+      <dsp:spPr>
+        <a:xfrm>
+          <a:off x="7076898" y="64038"/>
+          <a:ext cx="3275967" cy="3931160"/>
+        </a:xfrm>
+        <a:prstGeom prst="rect">
+          <a:avLst/>
+        </a:prstGeom>
+        <a:gradFill rotWithShape="0">
+          <a:gsLst>
+            <a:gs pos="0">
+              <a:schemeClr val="accent2">
+                <a:hueOff val="-710059"/>
+                <a:satOff val="-5868"/>
+                <a:lumOff val="-12549"/>
+                <a:alphaOff val="0"/>
+                <a:tint val="96000"/>
+                <a:lumMod val="104000"/>
+              </a:schemeClr>
+            </a:gs>
+            <a:gs pos="100000">
+              <a:schemeClr val="accent2">
+                <a:hueOff val="-710059"/>
+                <a:satOff val="-5868"/>
+                <a:lumOff val="-12549"/>
+                <a:alphaOff val="0"/>
+                <a:shade val="90000"/>
+                <a:lumMod val="90000"/>
+              </a:schemeClr>
+            </a:gs>
+          </a:gsLst>
+          <a:lin ang="5400000" scaled="0"/>
+        </a:gradFill>
+        <a:ln w="9525" cap="rnd" cmpd="sng" algn="ctr">
+          <a:solidFill>
+            <a:schemeClr val="accent2">
+              <a:hueOff val="-710059"/>
+              <a:satOff val="-5868"/>
+              <a:lumOff val="-12549"/>
+              <a:alphaOff val="0"/>
+            </a:schemeClr>
+          </a:solidFill>
+          <a:prstDash val="solid"/>
+        </a:ln>
+        <a:effectLst>
+          <a:outerShdw blurRad="63500" dist="25400" dir="5400000" rotWithShape="0">
+            <a:srgbClr val="000000">
+              <a:alpha val="60000"/>
+            </a:srgbClr>
+          </a:outerShdw>
+        </a:effectLst>
+      </dsp:spPr>
+      <dsp:style>
+        <a:lnRef idx="1">
+          <a:scrgbClr r="0" g="0" b="0"/>
+        </a:lnRef>
+        <a:fillRef idx="3">
+          <a:scrgbClr r="0" g="0" b="0"/>
+        </a:fillRef>
+        <a:effectRef idx="2">
+          <a:scrgbClr r="0" g="0" b="0"/>
+        </a:effectRef>
+        <a:fontRef idx="minor">
+          <a:schemeClr val="lt1"/>
+        </a:fontRef>
+      </dsp:style>
+      <dsp:txBody>
+        <a:bodyPr spcFirstLastPara="0" vert="horz" wrap="square" lIns="323593" tIns="0" rIns="323593" bIns="330200" numCol="1" spcCol="1270" anchor="t" anchorCtr="0">
+          <a:noAutofit/>
+        </a:bodyPr>
+        <a:lstStyle/>
+        <a:p>
+          <a:pPr marL="0" lvl="0" indent="0" algn="l" defTabSz="1155700">
+            <a:lnSpc>
+              <a:spcPct val="90000"/>
+            </a:lnSpc>
+            <a:spcBef>
+              <a:spcPct val="0"/>
+            </a:spcBef>
+            <a:spcAft>
+              <a:spcPct val="35000"/>
+            </a:spcAft>
+            <a:buNone/>
+          </a:pPr>
+          <a:r>
+            <a:rPr lang="hr-HR" sz="2600" kern="1200"/>
+            <a:t>Pretraživanje svih oglasa i korisnika</a:t>
+          </a:r>
+          <a:endParaRPr lang="en-US" sz="2600" kern="1200"/>
+        </a:p>
+      </dsp:txBody>
+      <dsp:txXfrm>
+        <a:off x="7076898" y="1636502"/>
+        <a:ext cx="3275967" cy="2358696"/>
+      </dsp:txXfrm>
+    </dsp:sp>
+    <dsp:sp modelId="{706575ED-47A8-4B1A-8CA0-5E39E026F492}">
+      <dsp:nvSpPr>
+        <dsp:cNvPr id="0" name=""/>
+        <dsp:cNvSpPr/>
+      </dsp:nvSpPr>
+      <dsp:spPr>
+        <a:xfrm>
+          <a:off x="7076898" y="64038"/>
+          <a:ext cx="3275967" cy="1572464"/>
+        </a:xfrm>
+        <a:prstGeom prst="rect">
+          <a:avLst/>
+        </a:prstGeom>
+        <a:noFill/>
+        <a:ln w="9525" cap="rnd" cmpd="sng" algn="ctr">
+          <a:noFill/>
+          <a:prstDash val="solid"/>
+        </a:ln>
+        <a:effectLst>
+          <a:outerShdw blurRad="63500" dist="25400" dir="5400000" rotWithShape="0">
+            <a:srgbClr val="000000">
+              <a:alpha val="60000"/>
+            </a:srgbClr>
+          </a:outerShdw>
+        </a:effectLst>
+        <a:sp3d/>
+      </dsp:spPr>
+      <dsp:style>
+        <a:lnRef idx="1">
+          <a:scrgbClr r="0" g="0" b="0"/>
+        </a:lnRef>
+        <a:fillRef idx="3">
+          <a:scrgbClr r="0" g="0" b="0"/>
+        </a:fillRef>
+        <a:effectRef idx="2">
+          <a:scrgbClr r="0" g="0" b="0"/>
+        </a:effectRef>
+        <a:fontRef idx="minor">
+          <a:schemeClr val="lt1"/>
+        </a:fontRef>
+      </dsp:style>
+      <dsp:txBody>
+        <a:bodyPr spcFirstLastPara="0" vert="horz" wrap="square" lIns="323593" tIns="165100" rIns="323593" bIns="165100" numCol="1" spcCol="1270" anchor="ctr" anchorCtr="0">
+          <a:noAutofit/>
+        </a:bodyPr>
+        <a:lstStyle/>
+        <a:p>
+          <a:pPr marL="0" lvl="0" indent="0" algn="l" defTabSz="2933700">
+            <a:lnSpc>
+              <a:spcPct val="90000"/>
+            </a:lnSpc>
+            <a:spcBef>
+              <a:spcPct val="0"/>
+            </a:spcBef>
+            <a:spcAft>
+              <a:spcPct val="35000"/>
+            </a:spcAft>
+            <a:buNone/>
+          </a:pPr>
+          <a:r>
+            <a:rPr lang="en-US" sz="6600" kern="1200"/>
+            <a:t>03</a:t>
+          </a:r>
+        </a:p>
+      </dsp:txBody>
+      <dsp:txXfrm>
+        <a:off x="7076898" y="64038"/>
+        <a:ext cx="3275967" cy="1572464"/>
+      </dsp:txXfrm>
+    </dsp:sp>
+  </dsp:spTree>
+</dsp:drawing>
+</file>
+
+<file path=ppt/diagrams/drawing2.xml><?xml version="1.0" encoding="utf-8"?>
+<dsp:drawing xmlns:dgm="http://schemas.openxmlformats.org/drawingml/2006/diagram" xmlns:dsp="http://schemas.microsoft.com/office/drawing/2008/diagram" xmlns:a="http://schemas.openxmlformats.org/drawingml/2006/main">
+  <dsp:spTree>
+    <dsp:nvGrpSpPr>
+      <dsp:cNvPr id="0" name=""/>
+      <dsp:cNvGrpSpPr/>
+    </dsp:nvGrpSpPr>
+    <dsp:grpSpPr/>
+    <dsp:sp modelId="{C8A037E5-8B0F-4B41-B810-205F8F29AE1F}">
+      <dsp:nvSpPr>
+        <dsp:cNvPr id="0" name=""/>
+        <dsp:cNvSpPr/>
+      </dsp:nvSpPr>
+      <dsp:spPr>
+        <a:xfrm>
+          <a:off x="808" y="64038"/>
+          <a:ext cx="3275967" cy="3931160"/>
+        </a:xfrm>
+        <a:prstGeom prst="rect">
+          <a:avLst/>
+        </a:prstGeom>
+        <a:solidFill>
+          <a:srgbClr val="0066FF"/>
+        </a:solidFill>
+        <a:ln w="9525" cap="rnd" cmpd="sng" algn="ctr">
+          <a:solidFill>
+            <a:srgbClr val="0070C0"/>
+          </a:solidFill>
+          <a:prstDash val="solid"/>
+        </a:ln>
+        <a:effectLst>
+          <a:outerShdw blurRad="63500" dist="25400" dir="5400000" rotWithShape="0">
+            <a:srgbClr val="000000">
+              <a:alpha val="60000"/>
+            </a:srgbClr>
+          </a:outerShdw>
+        </a:effectLst>
+      </dsp:spPr>
+      <dsp:style>
+        <a:lnRef idx="1">
+          <a:scrgbClr r="0" g="0" b="0"/>
+        </a:lnRef>
+        <a:fillRef idx="3">
+          <a:scrgbClr r="0" g="0" b="0"/>
+        </a:fillRef>
+        <a:effectRef idx="2">
+          <a:scrgbClr r="0" g="0" b="0"/>
+        </a:effectRef>
+        <a:fontRef idx="minor">
+          <a:schemeClr val="lt1"/>
+        </a:fontRef>
+      </dsp:style>
+      <dsp:txBody>
+        <a:bodyPr spcFirstLastPara="0" vert="horz" wrap="square" lIns="323593" tIns="0" rIns="323593" bIns="330200" numCol="1" spcCol="1270" anchor="t" anchorCtr="0">
+          <a:noAutofit/>
+        </a:bodyPr>
+        <a:lstStyle/>
+        <a:p>
+          <a:pPr marL="0" lvl="0" indent="0" algn="l" defTabSz="1155700">
+            <a:lnSpc>
+              <a:spcPct val="90000"/>
+            </a:lnSpc>
+            <a:spcBef>
+              <a:spcPct val="0"/>
+            </a:spcBef>
+            <a:spcAft>
+              <a:spcPct val="35000"/>
+            </a:spcAft>
+            <a:buNone/>
+          </a:pPr>
+          <a:r>
+            <a:rPr lang="hr-HR" sz="2600" kern="1200" dirty="0"/>
+            <a:t>Putem tražilice</a:t>
+          </a:r>
+          <a:endParaRPr lang="en-US" sz="2600" kern="1200" dirty="0"/>
+        </a:p>
+      </dsp:txBody>
+      <dsp:txXfrm>
+        <a:off x="808" y="1636502"/>
+        <a:ext cx="3275967" cy="2358696"/>
+      </dsp:txXfrm>
+    </dsp:sp>
+    <dsp:sp modelId="{DB5747C2-CEE3-4179-A11F-08BFD86522C1}">
+      <dsp:nvSpPr>
+        <dsp:cNvPr id="0" name=""/>
+        <dsp:cNvSpPr/>
+      </dsp:nvSpPr>
+      <dsp:spPr>
+        <a:xfrm>
+          <a:off x="808" y="64038"/>
+          <a:ext cx="3275967" cy="1572464"/>
+        </a:xfrm>
+        <a:prstGeom prst="rect">
+          <a:avLst/>
+        </a:prstGeom>
+        <a:noFill/>
+        <a:ln w="9525" cap="rnd" cmpd="sng" algn="ctr">
+          <a:noFill/>
+          <a:prstDash val="solid"/>
+        </a:ln>
+        <a:effectLst>
+          <a:outerShdw blurRad="63500" dist="25400" dir="5400000" rotWithShape="0">
+            <a:srgbClr val="000000">
+              <a:alpha val="60000"/>
+            </a:srgbClr>
+          </a:outerShdw>
+        </a:effectLst>
+        <a:sp3d/>
+      </dsp:spPr>
+      <dsp:style>
+        <a:lnRef idx="1">
+          <a:scrgbClr r="0" g="0" b="0"/>
+        </a:lnRef>
+        <a:fillRef idx="3">
+          <a:scrgbClr r="0" g="0" b="0"/>
+        </a:fillRef>
+        <a:effectRef idx="2">
+          <a:scrgbClr r="0" g="0" b="0"/>
+        </a:effectRef>
+        <a:fontRef idx="minor">
+          <a:schemeClr val="lt1"/>
+        </a:fontRef>
+      </dsp:style>
+      <dsp:txBody>
+        <a:bodyPr spcFirstLastPara="0" vert="horz" wrap="square" lIns="323593" tIns="165100" rIns="323593" bIns="165100" numCol="1" spcCol="1270" anchor="ctr" anchorCtr="0">
+          <a:noAutofit/>
+        </a:bodyPr>
+        <a:lstStyle/>
+        <a:p>
+          <a:pPr marL="0" lvl="0" indent="0" algn="l" defTabSz="2933700">
+            <a:lnSpc>
+              <a:spcPct val="90000"/>
+            </a:lnSpc>
+            <a:spcBef>
+              <a:spcPct val="0"/>
+            </a:spcBef>
+            <a:spcAft>
+              <a:spcPct val="35000"/>
+            </a:spcAft>
+            <a:buNone/>
+          </a:pPr>
+          <a:r>
+            <a:rPr lang="en-US" sz="6600" kern="1200"/>
+            <a:t>01</a:t>
+          </a:r>
+        </a:p>
+      </dsp:txBody>
+      <dsp:txXfrm>
+        <a:off x="808" y="64038"/>
+        <a:ext cx="3275967" cy="1572464"/>
+      </dsp:txXfrm>
+    </dsp:sp>
+    <dsp:sp modelId="{08E02F63-3849-46DF-9BB4-98D5E289524C}">
+      <dsp:nvSpPr>
+        <dsp:cNvPr id="0" name=""/>
+        <dsp:cNvSpPr/>
+      </dsp:nvSpPr>
+      <dsp:spPr>
+        <a:xfrm>
+          <a:off x="3538853" y="64038"/>
+          <a:ext cx="3275967" cy="3931160"/>
+        </a:xfrm>
+        <a:prstGeom prst="rect">
+          <a:avLst/>
+        </a:prstGeom>
+        <a:solidFill>
+          <a:srgbClr val="0000FF"/>
+        </a:solidFill>
+        <a:ln w="9525" cap="rnd" cmpd="sng" algn="ctr">
+          <a:noFill/>
+          <a:prstDash val="solid"/>
+        </a:ln>
+        <a:effectLst>
+          <a:outerShdw blurRad="63500" dist="25400" dir="5400000" rotWithShape="0">
+            <a:srgbClr val="000000">
+              <a:alpha val="60000"/>
+            </a:srgbClr>
+          </a:outerShdw>
+        </a:effectLst>
+      </dsp:spPr>
+      <dsp:style>
+        <a:lnRef idx="1">
+          <a:scrgbClr r="0" g="0" b="0"/>
+        </a:lnRef>
+        <a:fillRef idx="3">
+          <a:scrgbClr r="0" g="0" b="0"/>
+        </a:fillRef>
+        <a:effectRef idx="2">
+          <a:scrgbClr r="0" g="0" b="0"/>
+        </a:effectRef>
+        <a:fontRef idx="minor">
+          <a:schemeClr val="lt1"/>
+        </a:fontRef>
+      </dsp:style>
+      <dsp:txBody>
+        <a:bodyPr spcFirstLastPara="0" vert="horz" wrap="square" lIns="323593" tIns="0" rIns="323593" bIns="330200" numCol="1" spcCol="1270" anchor="t" anchorCtr="0">
+          <a:noAutofit/>
+        </a:bodyPr>
+        <a:lstStyle/>
+        <a:p>
+          <a:pPr marL="0" lvl="0" indent="0" algn="l" defTabSz="1155700">
+            <a:lnSpc>
+              <a:spcPct val="90000"/>
+            </a:lnSpc>
+            <a:spcBef>
+              <a:spcPct val="0"/>
+            </a:spcBef>
+            <a:spcAft>
+              <a:spcPct val="35000"/>
+            </a:spcAft>
+            <a:buNone/>
+          </a:pPr>
+          <a:r>
+            <a:rPr lang="hr-HR" sz="2600" kern="1200" dirty="0"/>
+            <a:t>Po kategoriji</a:t>
+          </a:r>
+          <a:endParaRPr lang="en-US" sz="2600" kern="1200" dirty="0"/>
+        </a:p>
+      </dsp:txBody>
+      <dsp:txXfrm>
+        <a:off x="3538853" y="1636502"/>
+        <a:ext cx="3275967" cy="2358696"/>
+      </dsp:txXfrm>
+    </dsp:sp>
+    <dsp:sp modelId="{79B300BC-4F7A-4360-93BF-EF0F3E367A61}">
+      <dsp:nvSpPr>
+        <dsp:cNvPr id="0" name=""/>
+        <dsp:cNvSpPr/>
+      </dsp:nvSpPr>
+      <dsp:spPr>
+        <a:xfrm>
+          <a:off x="3538853" y="64038"/>
+          <a:ext cx="3275967" cy="1572464"/>
+        </a:xfrm>
+        <a:prstGeom prst="rect">
+          <a:avLst/>
+        </a:prstGeom>
+        <a:noFill/>
+        <a:ln w="9525" cap="rnd" cmpd="sng" algn="ctr">
+          <a:noFill/>
+          <a:prstDash val="solid"/>
+        </a:ln>
+        <a:effectLst>
+          <a:outerShdw blurRad="63500" dist="25400" dir="5400000" rotWithShape="0">
+            <a:srgbClr val="000000">
+              <a:alpha val="60000"/>
+            </a:srgbClr>
+          </a:outerShdw>
+        </a:effectLst>
+        <a:sp3d/>
+      </dsp:spPr>
+      <dsp:style>
+        <a:lnRef idx="1">
+          <a:scrgbClr r="0" g="0" b="0"/>
+        </a:lnRef>
+        <a:fillRef idx="3">
+          <a:scrgbClr r="0" g="0" b="0"/>
+        </a:fillRef>
+        <a:effectRef idx="2">
+          <a:scrgbClr r="0" g="0" b="0"/>
+        </a:effectRef>
+        <a:fontRef idx="minor">
+          <a:schemeClr val="lt1"/>
+        </a:fontRef>
+      </dsp:style>
+      <dsp:txBody>
+        <a:bodyPr spcFirstLastPara="0" vert="horz" wrap="square" lIns="323593" tIns="165100" rIns="323593" bIns="165100" numCol="1" spcCol="1270" anchor="ctr" anchorCtr="0">
+          <a:noAutofit/>
+        </a:bodyPr>
+        <a:lstStyle/>
+        <a:p>
+          <a:pPr marL="0" lvl="0" indent="0" algn="l" defTabSz="2933700">
+            <a:lnSpc>
+              <a:spcPct val="90000"/>
+            </a:lnSpc>
+            <a:spcBef>
+              <a:spcPct val="0"/>
+            </a:spcBef>
+            <a:spcAft>
+              <a:spcPct val="35000"/>
+            </a:spcAft>
+            <a:buNone/>
+          </a:pPr>
+          <a:r>
+            <a:rPr lang="en-US" sz="6600" kern="1200"/>
+            <a:t>02</a:t>
+          </a:r>
+        </a:p>
+      </dsp:txBody>
+      <dsp:txXfrm>
+        <a:off x="3538853" y="64038"/>
+        <a:ext cx="3275967" cy="1572464"/>
+      </dsp:txXfrm>
+    </dsp:sp>
+    <dsp:sp modelId="{4A642267-54D7-4AA1-86CB-B64AC60CEB72}">
+      <dsp:nvSpPr>
+        <dsp:cNvPr id="0" name=""/>
+        <dsp:cNvSpPr/>
+      </dsp:nvSpPr>
+      <dsp:spPr>
+        <a:xfrm>
+          <a:off x="7076898" y="64038"/>
+          <a:ext cx="3275967" cy="3931160"/>
+        </a:xfrm>
+        <a:prstGeom prst="rect">
+          <a:avLst/>
+        </a:prstGeom>
+        <a:solidFill>
+          <a:srgbClr val="0000CC"/>
+        </a:solidFill>
+        <a:ln w="9525" cap="rnd" cmpd="sng" algn="ctr">
+          <a:noFill/>
+          <a:prstDash val="solid"/>
+        </a:ln>
+        <a:effectLst>
+          <a:outerShdw blurRad="63500" dist="25400" dir="5400000" rotWithShape="0">
+            <a:srgbClr val="000000">
+              <a:alpha val="60000"/>
+            </a:srgbClr>
+          </a:outerShdw>
+        </a:effectLst>
+      </dsp:spPr>
+      <dsp:style>
+        <a:lnRef idx="1">
+          <a:scrgbClr r="0" g="0" b="0"/>
+        </a:lnRef>
+        <a:fillRef idx="3">
+          <a:scrgbClr r="0" g="0" b="0"/>
+        </a:fillRef>
+        <a:effectRef idx="2">
+          <a:scrgbClr r="0" g="0" b="0"/>
+        </a:effectRef>
+        <a:fontRef idx="minor">
+          <a:schemeClr val="lt1"/>
+        </a:fontRef>
+      </dsp:style>
+      <dsp:txBody>
+        <a:bodyPr spcFirstLastPara="0" vert="horz" wrap="square" lIns="323593" tIns="0" rIns="323593" bIns="330200" numCol="1" spcCol="1270" anchor="t" anchorCtr="0">
+          <a:noAutofit/>
+        </a:bodyPr>
+        <a:lstStyle/>
+        <a:p>
+          <a:pPr marL="0" lvl="0" indent="0" algn="l" defTabSz="1155700">
+            <a:lnSpc>
+              <a:spcPct val="90000"/>
+            </a:lnSpc>
+            <a:spcBef>
+              <a:spcPct val="0"/>
+            </a:spcBef>
+            <a:spcAft>
+              <a:spcPct val="35000"/>
+            </a:spcAft>
+            <a:buNone/>
+          </a:pPr>
+          <a:r>
+            <a:rPr lang="hr-HR" sz="2600" kern="1200" dirty="0"/>
+            <a:t>Kroz korisniči profil</a:t>
+          </a:r>
+          <a:endParaRPr lang="en-US" sz="2600" kern="1200" dirty="0"/>
+        </a:p>
+      </dsp:txBody>
+      <dsp:txXfrm>
+        <a:off x="7076898" y="1636502"/>
+        <a:ext cx="3275967" cy="2358696"/>
+      </dsp:txXfrm>
+    </dsp:sp>
+    <dsp:sp modelId="{706575ED-47A8-4B1A-8CA0-5E39E026F492}">
+      <dsp:nvSpPr>
+        <dsp:cNvPr id="0" name=""/>
+        <dsp:cNvSpPr/>
+      </dsp:nvSpPr>
+      <dsp:spPr>
+        <a:xfrm>
+          <a:off x="7076898" y="64038"/>
+          <a:ext cx="3275967" cy="1572464"/>
+        </a:xfrm>
+        <a:prstGeom prst="rect">
+          <a:avLst/>
+        </a:prstGeom>
+        <a:noFill/>
+        <a:ln w="9525" cap="rnd" cmpd="sng" algn="ctr">
+          <a:noFill/>
+          <a:prstDash val="solid"/>
+        </a:ln>
+        <a:effectLst>
+          <a:outerShdw blurRad="63500" dist="25400" dir="5400000" rotWithShape="0">
+            <a:srgbClr val="000000">
+              <a:alpha val="60000"/>
+            </a:srgbClr>
+          </a:outerShdw>
+        </a:effectLst>
+        <a:sp3d/>
+      </dsp:spPr>
+      <dsp:style>
+        <a:lnRef idx="1">
+          <a:scrgbClr r="0" g="0" b="0"/>
+        </a:lnRef>
+        <a:fillRef idx="3">
+          <a:scrgbClr r="0" g="0" b="0"/>
+        </a:fillRef>
+        <a:effectRef idx="2">
+          <a:scrgbClr r="0" g="0" b="0"/>
+        </a:effectRef>
+        <a:fontRef idx="minor">
+          <a:schemeClr val="lt1"/>
+        </a:fontRef>
+      </dsp:style>
+      <dsp:txBody>
+        <a:bodyPr spcFirstLastPara="0" vert="horz" wrap="square" lIns="323593" tIns="165100" rIns="323593" bIns="165100" numCol="1" spcCol="1270" anchor="ctr" anchorCtr="0">
+          <a:noAutofit/>
+        </a:bodyPr>
+        <a:lstStyle/>
+        <a:p>
+          <a:pPr marL="0" lvl="0" indent="0" algn="l" defTabSz="2933700">
+            <a:lnSpc>
+              <a:spcPct val="90000"/>
+            </a:lnSpc>
+            <a:spcBef>
+              <a:spcPct val="0"/>
+            </a:spcBef>
+            <a:spcAft>
+              <a:spcPct val="35000"/>
+            </a:spcAft>
+            <a:buNone/>
+          </a:pPr>
+          <a:r>
+            <a:rPr lang="en-US" sz="6600" kern="1200"/>
+            <a:t>03</a:t>
+          </a:r>
+        </a:p>
+      </dsp:txBody>
+      <dsp:txXfrm>
+        <a:off x="7076898" y="64038"/>
+        <a:ext cx="3275967" cy="1572464"/>
+      </dsp:txXfrm>
+    </dsp:sp>
+  </dsp:spTree>
+</dsp:drawing>
+</file>
+
+<file path=ppt/diagrams/layout1.xml><?xml version="1.0" encoding="utf-8"?>
+<dgm:layoutDef xmlns:dgm="http://schemas.openxmlformats.org/drawingml/2006/diagram" xmlns:a="http://schemas.openxmlformats.org/drawingml/2006/main" uniqueId="urn:microsoft.com/office/officeart/2016/7/layout/LinearBlockProcessNumbered">
+  <dgm:title val="Linear Block Process Numbered"/>
+  <dgm:desc val="Used to show a progression; a timeline; sequential steps in a task, process, or workflow; or to emphasize movement or direction. Automatic numbers have been introduced to show the steps of the process. Level 1 text and Level 2 text both appears in a rectangle."/>
+  <dgm:catLst>
+    <dgm:cat type="process" pri="500"/>
+  </dgm:catLst>
+  <dgm:sampData>
+    <dgm:dataModel>
+      <dgm:ptLst>
+        <dgm:pt modelId="0" type="doc"/>
+        <dgm:pt modelId="1">
+          <dgm:prSet phldr="1"/>
+        </dgm:pt>
+        <dgm:pt modelId="11">
+          <dgm:prSet phldr="1"/>
+        </dgm:pt>
+        <dgm:pt modelId="2">
+          <dgm:prSet phldr="1"/>
+        </dgm:pt>
+        <dgm:pt modelId="21">
+          <dgm:prSet phldr="1"/>
+        </dgm:pt>
+        <dgm:pt modelId="3">
+          <dgm:prSet phldr="1"/>
+        </dgm:pt>
+        <dgm:pt modelId="31">
+          <dgm:prSet phldr="1"/>
+        </dgm:pt>
+        <dgm:pt modelId="101" type="sibTrans" cxnId="4">
+          <dgm:prSet phldrT="1"/>
+          <dgm:t>
+            <a:bodyPr/>
+            <a:lstStyle/>
+            <a:p>
+              <a:r>
+                <a:t>01</a:t>
+              </a:r>
+            </a:p>
+          </dgm:t>
+        </dgm:pt>
+        <dgm:pt modelId="201" type="sibTrans" cxnId="5">
+          <dgm:prSet phldrT="2"/>
+          <dgm:t>
+            <a:bodyPr/>
+            <a:lstStyle/>
+            <a:p>
+              <a:r>
+                <a:t>02</a:t>
+              </a:r>
+            </a:p>
+          </dgm:t>
+        </dgm:pt>
+        <dgm:pt modelId="301" type="sibTrans" cxnId="6">
+          <dgm:prSet phldrT="3"/>
+          <dgm:t>
+            <a:bodyPr/>
+            <a:lstStyle/>
+            <a:p>
+              <a:r>
+                <a:t>03</a:t>
+              </a:r>
+            </a:p>
+          </dgm:t>
+        </dgm:pt>
+      </dgm:ptLst>
+      <dgm:cxnLst>
+        <dgm:cxn modelId="4" srcId="0" destId="1" srcOrd="0" destOrd="0" sibTransId="101"/>
+        <dgm:cxn modelId="5" srcId="0" destId="2" srcOrd="1" destOrd="0" sibTransId="201"/>
+        <dgm:cxn modelId="6" srcId="0" destId="3" srcOrd="2" destOrd="0" sibTransId="301"/>
+        <dgm:cxn modelId="13" srcId="1" destId="11" srcOrd="0" destOrd="0"/>
+        <dgm:cxn modelId="23" srcId="2" destId="21" srcOrd="0" destOrd="0"/>
+        <dgm:cxn modelId="33" srcId="3" destId="31" srcOrd="0" destOrd="0"/>
+      </dgm:cxnLst>
+      <dgm:bg/>
+      <dgm:whole/>
+    </dgm:dataModel>
+  </dgm:sampData>
+  <dgm:styleData>
+    <dgm:dataModel>
+      <dgm:ptLst>
+        <dgm:pt modelId="0" type="doc"/>
+        <dgm:pt modelId="1"/>
+        <dgm:pt modelId="11"/>
+        <dgm:pt modelId="2"/>
+        <dgm:pt modelId="21"/>
+      </dgm:ptLst>
+      <dgm:cxnLst>
+        <dgm:cxn modelId="4" srcId="0" destId="1" srcOrd="0" destOrd="0"/>
+        <dgm:cxn modelId="5" srcId="0" destId="2" srcOrd="1" destOrd="0"/>
+        <dgm:cxn modelId="13" srcId="1" destId="11" srcOrd="0" destOrd="0"/>
+        <dgm:cxn modelId="23" srcId="2" destId="21" srcOrd="0" destOrd="0"/>
+      </dgm:cxnLst>
+      <dgm:bg/>
+      <dgm:whole/>
+    </dgm:dataModel>
+  </dgm:styleData>
+  <dgm:clrData>
+    <dgm:dataModel>
+      <dgm:ptLst>
+        <dgm:pt modelId="0" type="doc"/>
+        <dgm:pt modelId="1"/>
+        <dgm:pt modelId="11"/>
+        <dgm:pt modelId="2"/>
+        <dgm:pt modelId="21"/>
+        <dgm:pt modelId="3"/>
+        <dgm:pt modelId="31"/>
+        <dgm:pt modelId="4"/>
+        <dgm:pt modelId="41"/>
+      </dgm:ptLst>
+      <dgm:cxnLst>
+        <dgm:cxn modelId="5" srcId="0" destId="1" srcOrd="0" destOrd="0"/>
+        <dgm:cxn modelId="6" srcId="0" destId="2" srcOrd="1" destOrd="0"/>
+        <dgm:cxn modelId="7" srcId="0" destId="3" srcOrd="2" destOrd="0"/>
+        <dgm:cxn modelId="8" srcId="0" destId="4" srcOrd="3" destOrd="0"/>
+        <dgm:cxn modelId="13" srcId="1" destId="11" srcOrd="0" destOrd="0"/>
+        <dgm:cxn modelId="23" srcId="2" destId="21" srcOrd="0" destOrd="0"/>
+        <dgm:cxn modelId="33" srcId="3" destId="31" srcOrd="0" destOrd="0"/>
+        <dgm:cxn modelId="43" srcId="4" destId="41" srcOrd="0" destOrd="0"/>
+      </dgm:cxnLst>
+      <dgm:bg/>
+      <dgm:whole/>
+    </dgm:dataModel>
+  </dgm:clrData>
+  <dgm:layoutNode name="Name0">
+    <dgm:varLst>
+      <dgm:animLvl val="lvl"/>
+      <dgm:resizeHandles val="exact"/>
+    </dgm:varLst>
+    <dgm:alg type="lin">
+      <dgm:param type="linDir" val="fromL"/>
+      <dgm:param type="nodeVertAlign" val="t"/>
+    </dgm:alg>
+    <dgm:shape xmlns:r="http://schemas.openxmlformats.org/officeDocument/2006/relationships" r:blip="">
+      <dgm:adjLst/>
+    </dgm:shape>
+    <dgm:presOf/>
+    <dgm:constrLst>
+      <dgm:constr type="h" for="ch" forName="compositeNode" refType="h"/>
+      <dgm:constr type="w" for="ch" forName="compositeNode" refType="w"/>
+      <dgm:constr type="w" for="des" forName="simulatedConn" refType="w" refFor="ch" refForName="compositeNode" fact="0.15"/>
+      <dgm:constr type="h" for="des" forName="simulatedConn" refType="w" refFor="des" refForName="simulatedConn"/>
+      <dgm:constr type="h" for="des" forName="vSp1" refType="w" refFor="ch" refForName="compositeNode" fact="0.8"/>
+      <dgm:constr type="h" for="des" forName="vSp2" refType="w" refFor="ch" refForName="compositeNode" fact="0.07"/>
+      <dgm:constr type="w" for="ch" forName="vProcSp" refType="w" refFor="des" refForName="simulatedConn" op="equ"/>
+      <dgm:constr type="h" for="ch" forName="vProcSp" refType="h" refFor="ch" refForName="compositeNode" op="equ"/>
+      <dgm:constr type="w" for="ch" forName="sibTrans" refType="w" refFor="ch" refForName="compositeNode" fact="0.08"/>
+      <dgm:constr type="primFontSz" for="des" forName="sibTransNodeRect" op="equ"/>
+      <dgm:constr type="primFontSz" for="des" forName="nodeRect" op="equ"/>
+    </dgm:constrLst>
+    <dgm:ruleLst/>
+    <dgm:forEach name="Name4" axis="ch" ptType="node">
+      <dgm:layoutNode name="compositeNode">
+        <dgm:varLst>
+          <dgm:bulletEnabled val="1"/>
+        </dgm:varLst>
+        <dgm:alg type="composite"/>
+        <dgm:constrLst>
+          <dgm:constr type="h" refType="w" op="lte" fact="1.2"/>
+          <dgm:constr type="w" for="ch" forName="bgRect" refType="w"/>
+          <dgm:constr type="h" for="ch" forName="bgRect" refType="h"/>
+          <dgm:constr type="t" for="ch" forName="bgRect"/>
+          <dgm:constr type="l" for="ch" forName="bgRect"/>
+          <dgm:constr type="w" for="ch" forName="sibTransNodeRect" refType="w" refFor="ch" refForName="bgRect"/>
+          <dgm:constr type="h" for="ch" forName="sibTransNodeRect" refType="h" refFor="ch" refForName="bgRect" fact="0.4"/>
+          <dgm:constr type="t" for="ch" forName="sibTransNodeRect"/>
+          <dgm:constr type="l" for="ch" forName="sibTransNodeRect"/>
+          <dgm:constr type="r" for="ch" forName="nodeRect" refType="r" refFor="ch" refForName="bgRect"/>
+          <dgm:constr type="h" for="ch" forName="nodeRect" refType="h" refFor="ch" refForName="bgRect" fact="0.6"/>
+          <dgm:constr type="t" for="ch" forName="nodeRect" refType="b" refFor="ch" refForName="sibTransNodeRect"/>
+          <dgm:constr type="l" for="ch" forName="nodeRect" refType="l" refFor="ch" refForName="bgRect"/>
+        </dgm:constrLst>
+        <dgm:ruleLst>
+          <dgm:rule type="w" for="ch" forName="nodeRect" val="NaN" fact="NaN" max="30"/>
+        </dgm:ruleLst>
+        <dgm:layoutNode name="bgRect" styleLbl="alignNode1">
+          <dgm:alg type="sp"/>
+          <dgm:shape xmlns:r="http://schemas.openxmlformats.org/officeDocument/2006/relationships" type="rect" r:blip="">
+            <dgm:adjLst>
+              <dgm:adj idx="1" val="0.05"/>
+            </dgm:adjLst>
+          </dgm:shape>
+          <dgm:presOf axis="self"/>
+          <dgm:constrLst/>
+          <dgm:ruleLst/>
+        </dgm:layoutNode>
+        <dgm:forEach name="Name19" axis="followSib" ptType="sibTrans" hideLastTrans="0" cnt="1">
+          <dgm:layoutNode name="sibTransNodeRect" styleLbl="alignNode1">
+            <dgm:varLst>
+              <dgm:chMax val="0"/>
+              <dgm:bulletEnabled val="1"/>
+            </dgm:varLst>
+            <dgm:presOf axis="self"/>
+            <dgm:alg type="tx">
+              <dgm:param type="parTxLTRAlign" val="l"/>
+              <dgm:param type="parTxRTLAlign" val="l"/>
+            </dgm:alg>
+            <dgm:shape xmlns:r="http://schemas.openxmlformats.org/officeDocument/2006/relationships" type="rect" r:blip="" hideGeom="1">
+              <dgm:adjLst/>
+            </dgm:shape>
+            <dgm:constrLst>
+              <dgm:constr type="primFontSz" val="66"/>
+              <dgm:constr type="tMarg" val="13"/>
+              <dgm:constr type="lMarg" refType="w" fact="0.28"/>
+              <dgm:constr type="rMarg" refType="w" fact="0.28"/>
+              <dgm:constr type="bMarg" val="13"/>
+            </dgm:constrLst>
+            <dgm:ruleLst>
+              <dgm:rule type="primFontSz" val="14" fact="NaN" max="NaN"/>
+              <dgm:rule type="tMarg" val="13" fact="NaN" max="NaN"/>
+            </dgm:ruleLst>
+          </dgm:layoutNode>
+        </dgm:forEach>
+        <dgm:layoutNode name="nodeRect" styleLbl="alignNode1" moveWith="bgRect">
+          <dgm:varLst>
+            <dgm:bulletEnabled val="1"/>
+          </dgm:varLst>
+          <dgm:alg type="tx">
+            <dgm:param type="parTxLTRAlign" val="l"/>
+            <dgm:param type="parTxRTLAlign" val="r"/>
+            <dgm:param type="txAnchorVert" val="t"/>
+            <dgm:param type="stBulletLvl" val="2"/>
+          </dgm:alg>
+          <dgm:shape xmlns:r="http://schemas.openxmlformats.org/officeDocument/2006/relationships" type="rect" r:blip="" hideGeom="1">
+            <dgm:adjLst/>
+          </dgm:shape>
+          <dgm:presOf axis="desOrSelf" ptType="node"/>
+          <dgm:constrLst>
+            <dgm:constr type="primFontSz" val="26"/>
+            <dgm:constr type="tMarg"/>
+            <dgm:constr type="lMarg" refType="w" fact="0.28"/>
+            <dgm:constr type="rMarg" refType="w" fact="0.28"/>
+            <dgm:constr type="bMarg" val="26"/>
+          </dgm:constrLst>
+          <dgm:ruleLst>
+            <dgm:rule type="primFontSz" val="11" fact="NaN" max="NaN"/>
+          </dgm:ruleLst>
+        </dgm:layoutNode>
+      </dgm:layoutNode>
+      <dgm:forEach name="Name14" axis="followSib" ptType="sibTrans" cnt="1">
+        <dgm:layoutNode name="sibTrans">
+          <dgm:alg type="sp"/>
+          <dgm:shape xmlns:r="http://schemas.openxmlformats.org/officeDocument/2006/relationships" r:blip="">
+            <dgm:adjLst/>
+          </dgm:shape>
+          <dgm:presOf/>
+          <dgm:constrLst/>
+          <dgm:ruleLst/>
+        </dgm:layoutNode>
+      </dgm:forEach>
+    </dgm:forEach>
+  </dgm:layoutNode>
+  <dgm:extLst>
+    <a:ext uri="{4F341089-5ED1-44EC-B178-C955D00A3D55}">
+      <dgm1611:autoBuNodeInfoLst xmlns:dgm1611="http://schemas.microsoft.com/office/drawing/2016/11/diagram">
+        <dgm1611:autoBuNodeInfo lvl="1" ptType="sibTrans">
+          <dgm1611:buPr prefix="" leadZeros="1">
+            <a:buAutoNum type="arabicParenBoth"/>
+          </dgm1611:buPr>
+        </dgm1611:autoBuNodeInfo>
+      </dgm1611:autoBuNodeInfoLst>
+    </a:ext>
+  </dgm:extLst>
+</dgm:layoutDef>
+</file>
+
+<file path=ppt/diagrams/layout2.xml><?xml version="1.0" encoding="utf-8"?>
+<dgm:layoutDef xmlns:dgm="http://schemas.openxmlformats.org/drawingml/2006/diagram" xmlns:a="http://schemas.openxmlformats.org/drawingml/2006/main" uniqueId="urn:microsoft.com/office/officeart/2016/7/layout/LinearBlockProcessNumbered">
+  <dgm:title val="Linear Block Process Numbered"/>
+  <dgm:desc val="Used to show a progression; a timeline; sequential steps in a task, process, or workflow; or to emphasize movement or direction. Automatic numbers have been introduced to show the steps of the process. Level 1 text and Level 2 text both appears in a rectangle."/>
+  <dgm:catLst>
+    <dgm:cat type="process" pri="500"/>
+  </dgm:catLst>
+  <dgm:sampData>
+    <dgm:dataModel>
+      <dgm:ptLst>
+        <dgm:pt modelId="0" type="doc"/>
+        <dgm:pt modelId="1">
+          <dgm:prSet phldr="1"/>
+        </dgm:pt>
+        <dgm:pt modelId="11">
+          <dgm:prSet phldr="1"/>
+        </dgm:pt>
+        <dgm:pt modelId="2">
+          <dgm:prSet phldr="1"/>
+        </dgm:pt>
+        <dgm:pt modelId="21">
+          <dgm:prSet phldr="1"/>
+        </dgm:pt>
+        <dgm:pt modelId="3">
+          <dgm:prSet phldr="1"/>
+        </dgm:pt>
+        <dgm:pt modelId="31">
+          <dgm:prSet phldr="1"/>
+        </dgm:pt>
+        <dgm:pt modelId="101" type="sibTrans" cxnId="4">
+          <dgm:prSet phldrT="1"/>
+          <dgm:t>
+            <a:bodyPr/>
+            <a:lstStyle/>
+            <a:p>
+              <a:r>
+                <a:t>01</a:t>
+              </a:r>
+            </a:p>
+          </dgm:t>
+        </dgm:pt>
+        <dgm:pt modelId="201" type="sibTrans" cxnId="5">
+          <dgm:prSet phldrT="2"/>
+          <dgm:t>
+            <a:bodyPr/>
+            <a:lstStyle/>
+            <a:p>
+              <a:r>
+                <a:t>02</a:t>
+              </a:r>
+            </a:p>
+          </dgm:t>
+        </dgm:pt>
+        <dgm:pt modelId="301" type="sibTrans" cxnId="6">
+          <dgm:prSet phldrT="3"/>
+          <dgm:t>
+            <a:bodyPr/>
+            <a:lstStyle/>
+            <a:p>
+              <a:r>
+                <a:t>03</a:t>
+              </a:r>
+            </a:p>
+          </dgm:t>
+        </dgm:pt>
+      </dgm:ptLst>
+      <dgm:cxnLst>
+        <dgm:cxn modelId="4" srcId="0" destId="1" srcOrd="0" destOrd="0" sibTransId="101"/>
+        <dgm:cxn modelId="5" srcId="0" destId="2" srcOrd="1" destOrd="0" sibTransId="201"/>
+        <dgm:cxn modelId="6" srcId="0" destId="3" srcOrd="2" destOrd="0" sibTransId="301"/>
+        <dgm:cxn modelId="13" srcId="1" destId="11" srcOrd="0" destOrd="0"/>
+        <dgm:cxn modelId="23" srcId="2" destId="21" srcOrd="0" destOrd="0"/>
+        <dgm:cxn modelId="33" srcId="3" destId="31" srcOrd="0" destOrd="0"/>
+      </dgm:cxnLst>
+      <dgm:bg/>
+      <dgm:whole/>
+    </dgm:dataModel>
+  </dgm:sampData>
+  <dgm:styleData>
+    <dgm:dataModel>
+      <dgm:ptLst>
+        <dgm:pt modelId="0" type="doc"/>
+        <dgm:pt modelId="1"/>
+        <dgm:pt modelId="11"/>
+        <dgm:pt modelId="2"/>
+        <dgm:pt modelId="21"/>
+      </dgm:ptLst>
+      <dgm:cxnLst>
+        <dgm:cxn modelId="4" srcId="0" destId="1" srcOrd="0" destOrd="0"/>
+        <dgm:cxn modelId="5" srcId="0" destId="2" srcOrd="1" destOrd="0"/>
+        <dgm:cxn modelId="13" srcId="1" destId="11" srcOrd="0" destOrd="0"/>
+        <dgm:cxn modelId="23" srcId="2" destId="21" srcOrd="0" destOrd="0"/>
+      </dgm:cxnLst>
+      <dgm:bg/>
+      <dgm:whole/>
+    </dgm:dataModel>
+  </dgm:styleData>
+  <dgm:clrData>
+    <dgm:dataModel>
+      <dgm:ptLst>
+        <dgm:pt modelId="0" type="doc"/>
+        <dgm:pt modelId="1"/>
+        <dgm:pt modelId="11"/>
+        <dgm:pt modelId="2"/>
+        <dgm:pt modelId="21"/>
+        <dgm:pt modelId="3"/>
+        <dgm:pt modelId="31"/>
+        <dgm:pt modelId="4"/>
+        <dgm:pt modelId="41"/>
+      </dgm:ptLst>
+      <dgm:cxnLst>
+        <dgm:cxn modelId="5" srcId="0" destId="1" srcOrd="0" destOrd="0"/>
+        <dgm:cxn modelId="6" srcId="0" destId="2" srcOrd="1" destOrd="0"/>
+        <dgm:cxn modelId="7" srcId="0" destId="3" srcOrd="2" destOrd="0"/>
+        <dgm:cxn modelId="8" srcId="0" destId="4" srcOrd="3" destOrd="0"/>
+        <dgm:cxn modelId="13" srcId="1" destId="11" srcOrd="0" destOrd="0"/>
+        <dgm:cxn modelId="23" srcId="2" destId="21" srcOrd="0" destOrd="0"/>
+        <dgm:cxn modelId="33" srcId="3" destId="31" srcOrd="0" destOrd="0"/>
+        <dgm:cxn modelId="43" srcId="4" destId="41" srcOrd="0" destOrd="0"/>
+      </dgm:cxnLst>
+      <dgm:bg/>
+      <dgm:whole/>
+    </dgm:dataModel>
+  </dgm:clrData>
+  <dgm:layoutNode name="Name0">
+    <dgm:varLst>
+      <dgm:animLvl val="lvl"/>
+      <dgm:resizeHandles val="exact"/>
+    </dgm:varLst>
+    <dgm:alg type="lin">
+      <dgm:param type="linDir" val="fromL"/>
+      <dgm:param type="nodeVertAlign" val="t"/>
+    </dgm:alg>
+    <dgm:shape xmlns:r="http://schemas.openxmlformats.org/officeDocument/2006/relationships" r:blip="">
+      <dgm:adjLst/>
+    </dgm:shape>
+    <dgm:presOf/>
+    <dgm:constrLst>
+      <dgm:constr type="h" for="ch" forName="compositeNode" refType="h"/>
+      <dgm:constr type="w" for="ch" forName="compositeNode" refType="w"/>
+      <dgm:constr type="w" for="des" forName="simulatedConn" refType="w" refFor="ch" refForName="compositeNode" fact="0.15"/>
+      <dgm:constr type="h" for="des" forName="simulatedConn" refType="w" refFor="des" refForName="simulatedConn"/>
+      <dgm:constr type="h" for="des" forName="vSp1" refType="w" refFor="ch" refForName="compositeNode" fact="0.8"/>
+      <dgm:constr type="h" for="des" forName="vSp2" refType="w" refFor="ch" refForName="compositeNode" fact="0.07"/>
+      <dgm:constr type="w" for="ch" forName="vProcSp" refType="w" refFor="des" refForName="simulatedConn" op="equ"/>
+      <dgm:constr type="h" for="ch" forName="vProcSp" refType="h" refFor="ch" refForName="compositeNode" op="equ"/>
+      <dgm:constr type="w" for="ch" forName="sibTrans" refType="w" refFor="ch" refForName="compositeNode" fact="0.08"/>
+      <dgm:constr type="primFontSz" for="des" forName="sibTransNodeRect" op="equ"/>
+      <dgm:constr type="primFontSz" for="des" forName="nodeRect" op="equ"/>
+    </dgm:constrLst>
+    <dgm:ruleLst/>
+    <dgm:forEach name="Name4" axis="ch" ptType="node">
+      <dgm:layoutNode name="compositeNode">
+        <dgm:varLst>
+          <dgm:bulletEnabled val="1"/>
+        </dgm:varLst>
+        <dgm:alg type="composite"/>
+        <dgm:constrLst>
+          <dgm:constr type="h" refType="w" op="lte" fact="1.2"/>
+          <dgm:constr type="w" for="ch" forName="bgRect" refType="w"/>
+          <dgm:constr type="h" for="ch" forName="bgRect" refType="h"/>
+          <dgm:constr type="t" for="ch" forName="bgRect"/>
+          <dgm:constr type="l" for="ch" forName="bgRect"/>
+          <dgm:constr type="w" for="ch" forName="sibTransNodeRect" refType="w" refFor="ch" refForName="bgRect"/>
+          <dgm:constr type="h" for="ch" forName="sibTransNodeRect" refType="h" refFor="ch" refForName="bgRect" fact="0.4"/>
+          <dgm:constr type="t" for="ch" forName="sibTransNodeRect"/>
+          <dgm:constr type="l" for="ch" forName="sibTransNodeRect"/>
+          <dgm:constr type="r" for="ch" forName="nodeRect" refType="r" refFor="ch" refForName="bgRect"/>
+          <dgm:constr type="h" for="ch" forName="nodeRect" refType="h" refFor="ch" refForName="bgRect" fact="0.6"/>
+          <dgm:constr type="t" for="ch" forName="nodeRect" refType="b" refFor="ch" refForName="sibTransNodeRect"/>
+          <dgm:constr type="l" for="ch" forName="nodeRect" refType="l" refFor="ch" refForName="bgRect"/>
+        </dgm:constrLst>
+        <dgm:ruleLst>
+          <dgm:rule type="w" for="ch" forName="nodeRect" val="NaN" fact="NaN" max="30"/>
+        </dgm:ruleLst>
+        <dgm:layoutNode name="bgRect" styleLbl="alignNode1">
+          <dgm:alg type="sp"/>
+          <dgm:shape xmlns:r="http://schemas.openxmlformats.org/officeDocument/2006/relationships" type="rect" r:blip="">
+            <dgm:adjLst>
+              <dgm:adj idx="1" val="0.05"/>
+            </dgm:adjLst>
+          </dgm:shape>
+          <dgm:presOf axis="self"/>
+          <dgm:constrLst/>
+          <dgm:ruleLst/>
+        </dgm:layoutNode>
+        <dgm:forEach name="Name19" axis="followSib" ptType="sibTrans" hideLastTrans="0" cnt="1">
+          <dgm:layoutNode name="sibTransNodeRect" styleLbl="alignNode1">
+            <dgm:varLst>
+              <dgm:chMax val="0"/>
+              <dgm:bulletEnabled val="1"/>
+            </dgm:varLst>
+            <dgm:presOf axis="self"/>
+            <dgm:alg type="tx">
+              <dgm:param type="parTxLTRAlign" val="l"/>
+              <dgm:param type="parTxRTLAlign" val="l"/>
+            </dgm:alg>
+            <dgm:shape xmlns:r="http://schemas.openxmlformats.org/officeDocument/2006/relationships" type="rect" r:blip="" hideGeom="1">
+              <dgm:adjLst/>
+            </dgm:shape>
+            <dgm:constrLst>
+              <dgm:constr type="primFontSz" val="66"/>
+              <dgm:constr type="tMarg" val="13"/>
+              <dgm:constr type="lMarg" refType="w" fact="0.28"/>
+              <dgm:constr type="rMarg" refType="w" fact="0.28"/>
+              <dgm:constr type="bMarg" val="13"/>
+            </dgm:constrLst>
+            <dgm:ruleLst>
+              <dgm:rule type="primFontSz" val="14" fact="NaN" max="NaN"/>
+              <dgm:rule type="tMarg" val="13" fact="NaN" max="NaN"/>
+            </dgm:ruleLst>
+          </dgm:layoutNode>
+        </dgm:forEach>
+        <dgm:layoutNode name="nodeRect" styleLbl="alignNode1" moveWith="bgRect">
+          <dgm:varLst>
+            <dgm:bulletEnabled val="1"/>
+          </dgm:varLst>
+          <dgm:alg type="tx">
+            <dgm:param type="parTxLTRAlign" val="l"/>
+            <dgm:param type="parTxRTLAlign" val="r"/>
+            <dgm:param type="txAnchorVert" val="t"/>
+            <dgm:param type="stBulletLvl" val="2"/>
+          </dgm:alg>
+          <dgm:shape xmlns:r="http://schemas.openxmlformats.org/officeDocument/2006/relationships" type="rect" r:blip="" hideGeom="1">
+            <dgm:adjLst/>
+          </dgm:shape>
+          <dgm:presOf axis="desOrSelf" ptType="node"/>
+          <dgm:constrLst>
+            <dgm:constr type="primFontSz" val="26"/>
+            <dgm:constr type="tMarg"/>
+            <dgm:constr type="lMarg" refType="w" fact="0.28"/>
+            <dgm:constr type="rMarg" refType="w" fact="0.28"/>
+            <dgm:constr type="bMarg" val="26"/>
+          </dgm:constrLst>
+          <dgm:ruleLst>
+            <dgm:rule type="primFontSz" val="11" fact="NaN" max="NaN"/>
+          </dgm:ruleLst>
+        </dgm:layoutNode>
+      </dgm:layoutNode>
+      <dgm:forEach name="Name14" axis="followSib" ptType="sibTrans" cnt="1">
+        <dgm:layoutNode name="sibTrans">
+          <dgm:alg type="sp"/>
+          <dgm:shape xmlns:r="http://schemas.openxmlformats.org/officeDocument/2006/relationships" r:blip="">
+            <dgm:adjLst/>
+          </dgm:shape>
+          <dgm:presOf/>
+          <dgm:constrLst/>
+          <dgm:ruleLst/>
+        </dgm:layoutNode>
+      </dgm:forEach>
+    </dgm:forEach>
+  </dgm:layoutNode>
+  <dgm:extLst>
+    <a:ext uri="{4F341089-5ED1-44EC-B178-C955D00A3D55}">
+      <dgm1611:autoBuNodeInfoLst xmlns:dgm1611="http://schemas.microsoft.com/office/drawing/2016/11/diagram">
+        <dgm1611:autoBuNodeInfo lvl="1" ptType="sibTrans">
+          <dgm1611:buPr prefix="" leadZeros="1">
+            <a:buAutoNum type="arabicParenBoth"/>
+          </dgm1611:buPr>
+        </dgm1611:autoBuNodeInfo>
+      </dgm1611:autoBuNodeInfoLst>
+    </a:ext>
+  </dgm:extLst>
+</dgm:layoutDef>
+</file>
+
+<file path=ppt/diagrams/quickStyle1.xml><?xml version="1.0" encoding="utf-8"?>
+<dgm:styleDef xmlns:dgm="http://schemas.openxmlformats.org/drawingml/2006/diagram" xmlns:a="http://schemas.openxmlformats.org/drawingml/2006/main" uniqueId="urn:microsoft.com/office/officeart/2005/8/quickstyle/simple4">
+  <dgm:title val=""/>
+  <dgm:desc val=""/>
+  <dgm:catLst>
+    <dgm:cat type="simple" pri="10400"/>
+  </dgm:catLst>
+  <dgm:scene3d>
+    <a:camera prst="orthographicFront"/>
+    <a:lightRig rig="threePt" dir="t"/>
+  </dgm:scene3d>
+  <dgm:styleLbl name="node0">
+    <dgm:scene3d>
+      <a:camera prst="orthographicFront"/>
+      <a:lightRig rig="threePt" dir="t"/>
+    </dgm:scene3d>
+    <dgm:sp3d/>
+    <dgm:txPr/>
+    <dgm:style>
+      <a:lnRef idx="0">
+        <a:scrgbClr r="0" g="0" b="0"/>
+      </a:lnRef>
+      <a:fillRef idx="3">
+        <a:scrgbClr r="0" g="0" b="0"/>
+      </a:fillRef>
+      <a:effectRef idx="2">
+        <a:scrgbClr r="0" g="0" b="0"/>
+      </a:effectRef>
+      <a:fontRef idx="minor">
+        <a:schemeClr val="lt1"/>
+      </a:fontRef>
+    </dgm:style>
+  </dgm:styleLbl>
+  <dgm:styleLbl name="lnNode1">
+    <dgm:scene3d>
+      <a:camera prst="orthographicFront"/>
+      <a:lightRig rig="threePt" dir="t"/>
+    </dgm:scene3d>
+    <dgm:sp3d/>
+    <dgm:txPr/>
+    <dgm:style>
+      <a:lnRef idx="1">
+        <a:scrgbClr r="0" g="0" b="0"/>
+      </a:lnRef>
+      <a:fillRef idx="3">
+        <a:scrgbClr r="0" g="0" b="0"/>
+      </a:fillRef>
+      <a:effectRef idx="2">
+        <a:scrgbClr r="0" g="0" b="0"/>
+      </a:effectRef>
+      <a:fontRef idx="minor">
+        <a:schemeClr val="lt1"/>
+      </a:fontRef>
+    </dgm:style>
+  </dgm:styleLbl>
+  <dgm:styleLbl name="vennNode1">
+    <dgm:scene3d>
+      <a:camera prst="orthographicFront"/>
+      <a:lightRig rig="threePt" dir="t"/>
+    </dgm:scene3d>
+    <dgm:sp3d/>
+    <dgm:txPr/>
+    <dgm:style>
+      <a:lnRef idx="0">
+        <a:scrgbClr r="0" g="0" b="0"/>
+      </a:lnRef>
+      <a:fillRef idx="3">
+        <a:scrgbClr r="0" g="0" b="0"/>
+      </a:fillRef>
+      <a:effectRef idx="0">
+        <a:scrgbClr r="0" g="0" b="0"/>
+      </a:effectRef>
+      <a:fontRef idx="minor">
+        <a:schemeClr val="tx1"/>
+      </a:fontRef>
+    </dgm:style>
+  </dgm:styleLbl>
+  <dgm:styleLbl name="alignNode1">
+    <dgm:scene3d>
+      <a:camera prst="orthographicFront"/>
+      <a:lightRig rig="threePt" dir="t"/>
+    </dgm:scene3d>
+    <dgm:sp3d/>
+    <dgm:txPr/>
+    <dgm:style>
+      <a:lnRef idx="1">
+        <a:scrgbClr r="0" g="0" b="0"/>
+      </a:lnRef>
+      <a:fillRef idx="3">
+        <a:scrgbClr r="0" g="0" b="0"/>
+      </a:fillRef>
+      <a:effectRef idx="2">
+        <a:scrgbClr r="0" g="0" b="0"/>
+      </a:effectRef>
+      <a:fontRef idx="minor">
+        <a:schemeClr val="lt1"/>
+      </a:fontRef>
+    </dgm:style>
+  </dgm:styleLbl>
+  <dgm:styleLbl name="node1">
+    <dgm:scene3d>
+      <a:camera prst="orthographicFront"/>
+      <a:lightRig rig="threePt" dir="t"/>
+    </dgm:scene3d>
+    <dgm:sp3d/>
+    <dgm:txPr/>
+    <dgm:style>
+      <a:lnRef idx="0">
+        <a:scrgbClr r="0" g="0" b="0"/>
+      </a:lnRef>
+      <a:fillRef idx="3">
+        <a:scrgbClr r="0" g="0" b="0"/>
+      </a:fillRef>
+      <a:effectRef idx="2">
+        <a:scrgbClr r="0" g="0" b="0"/>
+      </a:effectRef>
+      <a:fontRef idx="minor">
+        <a:schemeClr val="lt1"/>
+      </a:fontRef>
+    </dgm:style>
+  </dgm:styleLbl>
+  <dgm:styleLbl name="node2">
+    <dgm:scene3d>
+      <a:camera prst="orthographicFront"/>
+      <a:lightRig rig="threePt" dir="t"/>
+    </dgm:scene3d>
+    <dgm:sp3d/>
+    <dgm:txPr/>
+    <dgm:style>
+      <a:lnRef idx="0">
+        <a:scrgbClr r="0" g="0" b="0"/>
+      </a:lnRef>
+      <a:fillRef idx="3">
+        <a:scrgbClr r="0" g="0" b="0"/>
+      </a:fillRef>
+      <a:effectRef idx="2">
+        <a:scrgbClr r="0" g="0" b="0"/>
+      </a:effectRef>
+      <a:fontRef idx="minor">
+        <a:schemeClr val="lt1"/>
+      </a:fontRef>
+    </dgm:style>
+  </dgm:styleLbl>
+  <dgm:styleLbl name="node3">
+    <dgm:scene3d>
+      <a:camera prst="orthographicFront"/>
+      <a:lightRig rig="threePt" dir="t"/>
+    </dgm:scene3d>
+    <dgm:sp3d/>
+    <dgm:txPr/>
+    <dgm:style>
+      <a:lnRef idx="0">
+        <a:scrgbClr r="0" g="0" b="0"/>
+      </a:lnRef>
+      <a:fillRef idx="3">
+        <a:scrgbClr r="0" g="0" b="0"/>
+      </a:fillRef>
+      <a:effectRef idx="2">
+        <a:scrgbClr r="0" g="0" b="0"/>
+      </a:effectRef>
+      <a:fontRef idx="minor">
+        <a:schemeClr val="lt1"/>
+      </a:fontRef>
+    </dgm:style>
+  </dgm:styleLbl>
+  <dgm:styleLbl name="node4">
+    <dgm:scene3d>
+      <a:camera prst="orthographicFront"/>
+      <a:lightRig rig="threePt" dir="t"/>
+    </dgm:scene3d>
+    <dgm:sp3d/>
+    <dgm:txPr/>
+    <dgm:style>
+      <a:lnRef idx="0">
+        <a:scrgbClr r="0" g="0" b="0"/>
+      </a:lnRef>
+      <a:fillRef idx="3">
+        <a:scrgbClr r="0" g="0" b="0"/>
+      </a:fillRef>
+      <a:effectRef idx="2">
+        <a:scrgbClr r="0" g="0" b="0"/>
+      </a:effectRef>
+      <a:fontRef idx="minor">
+        <a:schemeClr val="lt1"/>
+      </a:fontRef>
+    </dgm:style>
+  </dgm:styleLbl>
+  <dgm:styleLbl name="fgImgPlace1">
+    <dgm:scene3d>
+      <a:camera prst="orthographicFront"/>
+      <a:lightRig rig="threePt" dir="t"/>
+    </dgm:scene3d>
+    <dgm:sp3d/>
+    <dgm:txPr/>
+    <dgm:style>
+      <a:lnRef idx="0">
+        <a:scrgbClr r="0" g="0" b="0"/>
+      </a:lnRef>
+      <a:fillRef idx="1">
+        <a:scrgbClr r="0" g="0" b="0"/>
+      </a:fillRef>
+      <a:effectRef idx="2">
+        <a:scrgbClr r="0" g="0" b="0"/>
+      </a:effectRef>
+      <a:fontRef idx="minor"/>
+    </dgm:style>
+  </dgm:styleLbl>
+  <dgm:styleLbl name="alignImgPlace1">
+    <dgm:scene3d>
+      <a:camera prst="orthographicFront"/>
+      <a:lightRig rig="threePt" dir="t"/>
+    </dgm:scene3d>
+    <dgm:sp3d/>
+    <dgm:txPr/>
+    <dgm:style>
+      <a:lnRef idx="0">
+        <a:scrgbClr r="0" g="0" b="0"/>
+      </a:lnRef>
+      <a:fillRef idx="1">
+        <a:scrgbClr r="0" g="0" b="0"/>
+      </a:fillRef>
+      <a:effectRef idx="2">
+        <a:scrgbClr r="0" g="0" b="0"/>
+      </a:effectRef>
+      <a:fontRef idx="minor"/>
+    </dgm:style>
+  </dgm:styleLbl>
+  <dgm:styleLbl name="bgImgPlace1">
+    <dgm:scene3d>
+      <a:camera prst="orthographicFront"/>
+      <a:lightRig rig="threePt" dir="t"/>
+    </dgm:scene3d>
+    <dgm:sp3d/>
+    <dgm:txPr/>
+    <dgm:style>
+      <a:lnRef idx="0">
+        <a:scrgbClr r="0" g="0" b="0"/>
+      </a:lnRef>
+      <a:fillRef idx="1">
+        <a:scrgbClr r="0" g="0" b="0"/>
+      </a:fillRef>
+      <a:effectRef idx="2">
+        <a:scrgbClr r="0" g="0" b="0"/>
+      </a:effectRef>
+      <a:fontRef idx="minor"/>
+    </dgm:style>
+  </dgm:styleLbl>
+  <dgm:styleLbl name="sibTrans2D1">
+    <dgm:scene3d>
+      <a:camera prst="orthographicFront"/>
+      <a:lightRig rig="threePt" dir="t"/>
+    </dgm:scene3d>
+    <dgm:sp3d/>
+    <dgm:txPr/>
+    <dgm:style>
+      <a:lnRef idx="0">
+        <a:scrgbClr r="0" g="0" b="0"/>
+      </a:lnRef>
+      <a:fillRef idx="3">
+        <a:scrgbClr r="0" g="0" b="0"/>
+      </a:fillRef>
+      <a:effectRef idx="2">
+        <a:scrgbClr r="0" g="0" b="0"/>
+      </a:effectRef>
+      <a:fontRef idx="minor">
+        <a:schemeClr val="lt1"/>
+      </a:fontRef>
+    </dgm:style>
+  </dgm:styleLbl>
+  <dgm:styleLbl name="fgSibTrans2D1">
+    <dgm:scene3d>
+      <a:camera prst="orthographicFront"/>
+      <a:lightRig rig="threePt" dir="t"/>
+    </dgm:scene3d>
+    <dgm:sp3d/>
+    <dgm:txPr/>
+    <dgm:style>
+      <a:lnRef idx="0">
+        <a:scrgbClr r="0" g="0" b="0"/>
+      </a:lnRef>
+      <a:fillRef idx="3">
+        <a:scrgbClr r="0" g="0" b="0"/>
+      </a:fillRef>
+      <a:effectRef idx="2">
+        <a:scrgbClr r="0" g="0" b="0"/>
+      </a:effectRef>
+      <a:fontRef idx="minor">
+        <a:schemeClr val="lt1"/>
+      </a:fontRef>
+    </dgm:style>
+  </dgm:styleLbl>
+  <dgm:styleLbl name="bgSibTrans2D1">
+    <dgm:scene3d>
+      <a:camera prst="orthographicFront"/>
+      <a:lightRig rig="threePt" dir="t"/>
+    </dgm:scene3d>
+    <dgm:sp3d/>
+    <dgm:txPr/>
+    <dgm:style>
+      <a:lnRef idx="0">
+        <a:scrgbClr r="0" g="0" b="0"/>
+      </a:lnRef>
+      <a:fillRef idx="3">
+        <a:scrgbClr r="0" g="0" b="0"/>
+      </a:fillRef>
+      <a:effectRef idx="2">
+        <a:scrgbClr r="0" g="0" b="0"/>
+      </a:effectRef>
+      <a:fontRef idx="minor">
+        <a:schemeClr val="lt1"/>
+      </a:fontRef>
+    </dgm:style>
+  </dgm:styleLbl>
+  <dgm:styleLbl name="sibTrans1D1">
+    <dgm:scene3d>
+      <a:camera prst="orthographicFront"/>
+      <a:lightRig rig="threePt" dir="t"/>
+    </dgm:scene3d>
+    <dgm:sp3d/>
+    <dgm:txPr/>
+    <dgm:style>
+      <a:lnRef idx="1">
+        <a:scrgbClr r="0" g="0" b="0"/>
+      </a:lnRef>
+      <a:fillRef idx="0">
+        <a:scrgbClr r="0" g="0" b="0"/>
+      </a:fillRef>
+      <a:effectRef idx="0">
+        <a:scrgbClr r="0" g="0" b="0"/>
+      </a:effectRef>
+      <a:fontRef idx="minor"/>
+    </dgm:style>
+  </dgm:styleLbl>
+  <dgm:styleLbl name="callout">
+    <dgm:scene3d>
+      <a:camera prst="orthographicFront"/>
+      <a:lightRig rig="threePt" dir="t"/>
+    </dgm:scene3d>
+    <dgm:sp3d/>
+    <dgm:txPr/>
+    <dgm:style>
+      <a:lnRef idx="2">
+        <a:scrgbClr r="0" g="0" b="0"/>
+      </a:lnRef>
+      <a:fillRef idx="1">
+        <a:scrgbClr r="0" g="0" b="0"/>
+      </a:fillRef>
+      <a:effectRef idx="1">
+        <a:scrgbClr r="0" g="0" b="0"/>
+      </a:effectRef>
+      <a:fontRef idx="minor"/>
+    </dgm:style>
+  </dgm:styleLbl>
+  <dgm:styleLbl name="asst0">
+    <dgm:scene3d>
+      <a:camera prst="orthographicFront"/>
+      <a:lightRig rig="threePt" dir="t"/>
+    </dgm:scene3d>
+    <dgm:sp3d/>
+    <dgm:txPr/>
+    <dgm:style>
+      <a:lnRef idx="0">
+        <a:scrgbClr r="0" g="0" b="0"/>
+      </a:lnRef>
+      <a:fillRef idx="3">
+        <a:scrgbClr r="0" g="0" b="0"/>
+      </a:fillRef>
+      <a:effectRef idx="2">
+        <a:scrgbClr r="0" g="0" b="0"/>
+      </a:effectRef>
+      <a:fontRef idx="minor">
+        <a:schemeClr val="lt1"/>
+      </a:fontRef>
+    </dgm:style>
+  </dgm:styleLbl>
+  <dgm:styleLbl name="asst1">
+    <dgm:scene3d>
+      <a:camera prst="orthographicFront"/>
+      <a:lightRig rig="threePt" dir="t"/>
+    </dgm:scene3d>
+    <dgm:sp3d/>
+    <dgm:txPr/>
+    <dgm:style>
+      <a:lnRef idx="0">
+        <a:scrgbClr r="0" g="0" b="0"/>
+      </a:lnRef>
+      <a:fillRef idx="3">
+        <a:scrgbClr r="0" g="0" b="0"/>
+      </a:fillRef>
+      <a:effectRef idx="2">
+        <a:scrgbClr r="0" g="0" b="0"/>
+      </a:effectRef>
+      <a:fontRef idx="minor">
+        <a:schemeClr val="lt1"/>
+      </a:fontRef>
+    </dgm:style>
+  </dgm:styleLbl>
+  <dgm:styleLbl name="asst2">
+    <dgm:scene3d>
+      <a:camera prst="orthographicFront"/>
+      <a:lightRig rig="threePt" dir="t"/>
+    </dgm:scene3d>
+    <dgm:sp3d/>
+    <dgm:txPr/>
+    <dgm:style>
+      <a:lnRef idx="0">
+        <a:scrgbClr r="0" g="0" b="0"/>
+      </a:lnRef>
+      <a:fillRef idx="3">
+        <a:scrgbClr r="0" g="0" b="0"/>
+      </a:fillRef>
+      <a:effectRef idx="2">
+        <a:scrgbClr r="0" g="0" b="0"/>
+      </a:effectRef>
+      <a:fontRef idx="minor">
+        <a:schemeClr val="lt1"/>
+      </a:fontRef>
+    </dgm:style>
+  </dgm:styleLbl>
+  <dgm:styleLbl name="asst3">
+    <dgm:scene3d>
+      <a:camera prst="orthographicFront"/>
+      <a:lightRig rig="threePt" dir="t"/>
+    </dgm:scene3d>
+    <dgm:sp3d/>
+    <dgm:txPr/>
+    <dgm:style>
+      <a:lnRef idx="0">
+        <a:scrgbClr r="0" g="0" b="0"/>
+      </a:lnRef>
+      <a:fillRef idx="3">
+        <a:scrgbClr r="0" g="0" b="0"/>
+      </a:fillRef>
+      <a:effectRef idx="2">
+        <a:scrgbClr r="0" g="0" b="0"/>
+      </a:effectRef>
+      <a:fontRef idx="minor">
+        <a:schemeClr val="lt1"/>
+      </a:fontRef>
+    </dgm:style>
+  </dgm:styleLbl>
+  <dgm:styleLbl name="asst4">
+    <dgm:scene3d>
+      <a:camera prst="orthographicFront"/>
+      <a:lightRig rig="threePt" dir="t"/>
+    </dgm:scene3d>
+    <dgm:sp3d/>
+    <dgm:txPr/>
+    <dgm:style>
+      <a:lnRef idx="0">
+        <a:scrgbClr r="0" g="0" b="0"/>
+      </a:lnRef>
+      <a:fillRef idx="3">
+        <a:scrgbClr r="0" g="0" b="0"/>
+      </a:fillRef>
+      <a:effectRef idx="2">
+        <a:scrgbClr r="0" g="0" b="0"/>
+      </a:effectRef>
+      <a:fontRef idx="minor">
+        <a:schemeClr val="lt1"/>
+      </a:fontRef>
+    </dgm:style>
+  </dgm:styleLbl>
+  <dgm:styleLbl name="parChTrans2D1">
+    <dgm:scene3d>
+      <a:camera prst="orthographicFront"/>
+      <a:lightRig rig="threePt" dir="t"/>
+    </dgm:scene3d>
+    <dgm:sp3d/>
+    <dgm:txPr/>
+    <dgm:style>
+      <a:lnRef idx="0">
+        <a:scrgbClr r="0" g="0" b="0"/>
+      </a:lnRef>
+      <a:fillRef idx="3">
+        <a:scrgbClr r="0" g="0" b="0"/>
+      </a:fillRef>
+      <a:effectRef idx="2">
+        <a:scrgbClr r="0" g="0" b="0"/>
+      </a:effectRef>
+      <a:fontRef idx="minor">
+        <a:schemeClr val="lt1"/>
+      </a:fontRef>
+    </dgm:style>
+  </dgm:styleLbl>
+  <dgm:styleLbl name="parChTrans2D2">
+    <dgm:scene3d>
+      <a:camera prst="orthographicFront"/>
+      <a:lightRig rig="threePt" dir="t"/>
+    </dgm:scene3d>
+    <dgm:sp3d/>
+    <dgm:txPr/>
+    <dgm:style>
+      <a:lnRef idx="0">
+        <a:scrgbClr r="0" g="0" b="0"/>
+      </a:lnRef>
+      <a:fillRef idx="3">
+        <a:scrgbClr r="0" g="0" b="0"/>
+      </a:fillRef>
+      <a:effectRef idx="2">
+        <a:scrgbClr r="0" g="0" b="0"/>
+      </a:effectRef>
+      <a:fontRef idx="minor">
+        <a:schemeClr val="lt1"/>
+      </a:fontRef>
+    </dgm:style>
+  </dgm:styleLbl>
+  <dgm:styleLbl name="parChTrans2D3">
+    <dgm:scene3d>
+      <a:camera prst="orthographicFront"/>
+      <a:lightRig rig="threePt" dir="t"/>
+    </dgm:scene3d>
+    <dgm:sp3d/>
+    <dgm:txPr/>
+    <dgm:style>
+      <a:lnRef idx="1">
+        <a:scrgbClr r="0" g="0" b="0"/>
+      </a:lnRef>
+      <a:fillRef idx="3">
+        <a:scrgbClr r="0" g="0" b="0"/>
+      </a:fillRef>
+      <a:effectRef idx="2">
+        <a:scrgbClr r="0" g="0" b="0"/>
+      </a:effectRef>
+      <a:fontRef idx="minor">
+        <a:schemeClr val="lt1"/>
+      </a:fontRef>
+    </dgm:style>
+  </dgm:styleLbl>
+  <dgm:styleLbl name="parChTrans2D4">
+    <dgm:scene3d>
+      <a:camera prst="orthographicFront"/>
+      <a:lightRig rig="threePt" dir="t"/>
+    </dgm:scene3d>
+    <dgm:sp3d/>
+    <dgm:txPr/>
+    <dgm:style>
+      <a:lnRef idx="1">
+        <a:scrgbClr r="0" g="0" b="0"/>
+      </a:lnRef>
+      <a:fillRef idx="3">
+        <a:scrgbClr r="0" g="0" b="0"/>
+      </a:fillRef>
+      <a:effectRef idx="2">
+        <a:scrgbClr r="0" g="0" b="0"/>
+      </a:effectRef>
+      <a:fontRef idx="minor">
+        <a:schemeClr val="lt1"/>
+      </a:fontRef>
+    </dgm:style>
+  </dgm:styleLbl>
+  <dgm:styleLbl name="parChTrans1D1">
+    <dgm:scene3d>
+      <a:camera prst="orthographicFront"/>
+      <a:lightRig rig="threePt" dir="t"/>
+    </dgm:scene3d>
+    <dgm:sp3d/>
+    <dgm:txPr/>
+    <dgm:style>
+      <a:lnRef idx="1">
+        <a:scrgbClr r="0" g="0" b="0"/>
+      </a:lnRef>
+      <a:fillRef idx="0">
+        <a:scrgbClr r="0" g="0" b="0"/>
+      </a:fillRef>
+      <a:effectRef idx="0">
+        <a:scrgbClr r="0" g="0" b="0"/>
+      </a:effectRef>
+      <a:fontRef idx="minor"/>
+    </dgm:style>
+  </dgm:styleLbl>
+  <dgm:styleLbl name="parChTrans1D2">
+    <dgm:scene3d>
+      <a:camera prst="orthographicFront"/>
+      <a:lightRig rig="threePt" dir="t"/>
+    </dgm:scene3d>
+    <dgm:sp3d/>
+    <dgm:txPr/>
+    <dgm:style>
+      <a:lnRef idx="1">
+        <a:scrgbClr r="0" g="0" b="0"/>
+      </a:lnRef>
+      <a:fillRef idx="0">
+        <a:scrgbClr r="0" g="0" b="0"/>
+      </a:fillRef>
+      <a:effectRef idx="0">
+        <a:scrgbClr r="0" g="0" b="0"/>
+      </a:effectRef>
+      <a:fontRef idx="minor"/>
+    </dgm:style>
+  </dgm:styleLbl>
+  <dgm:styleLbl name="parChTrans1D3">
+    <dgm:scene3d>
+      <a:camera prst="orthographicFront"/>
+      <a:lightRig rig="threePt" dir="t"/>
+    </dgm:scene3d>
+    <dgm:sp3d/>
+    <dgm:txPr/>
+    <dgm:style>
+      <a:lnRef idx="1">
+        <a:scrgbClr r="0" g="0" b="0"/>
+      </a:lnRef>
+      <a:fillRef idx="0">
+        <a:scrgbClr r="0" g="0" b="0"/>
+      </a:fillRef>
+      <a:effectRef idx="0">
+        <a:scrgbClr r="0" g="0" b="0"/>
+      </a:effectRef>
+      <a:fontRef idx="minor"/>
+    </dgm:style>
+  </dgm:styleLbl>
+  <dgm:styleLbl name="parChTrans1D4">
+    <dgm:scene3d>
+      <a:camera prst="orthographicFront"/>
+      <a:lightRig rig="threePt" dir="t"/>
+    </dgm:scene3d>
+    <dgm:sp3d/>
+    <dgm:txPr/>
+    <dgm:style>
+      <a:lnRef idx="1">
+        <a:scrgbClr r="0" g="0" b="0"/>
+      </a:lnRef>
+      <a:fillRef idx="0">
+        <a:scrgbClr r="0" g="0" b="0"/>
+      </a:fillRef>
+      <a:effectRef idx="0">
+        <a:scrgbClr r="0" g="0" b="0"/>
+      </a:effectRef>
+      <a:fontRef idx="minor"/>
+    </dgm:style>
+  </dgm:styleLbl>
+  <dgm:styleLbl name="fgAcc1">
+    <dgm:scene3d>
+      <a:camera prst="orthographicFront"/>
+      <a:lightRig rig="threePt" dir="t"/>
+    </dgm:scene3d>
+    <dgm:sp3d/>
+    <dgm:txPr/>
+    <dgm:style>
+      <a:lnRef idx="1">
+        <a:scrgbClr r="0" g="0" b="0"/>
+      </a:lnRef>
+      <a:fillRef idx="1">
+        <a:scrgbClr r="0" g="0" b="0"/>
+      </a:fillRef>
+      <a:effectRef idx="0">
+        <a:scrgbClr r="0" g="0" b="0"/>
+      </a:effectRef>
+      <a:fontRef idx="minor"/>
+    </dgm:style>
+  </dgm:styleLbl>
+  <dgm:styleLbl name="conFgAcc1">
+    <dgm:scene3d>
+      <a:camera prst="orthographicFront"/>
+      <a:lightRig rig="threePt" dir="t"/>
+    </dgm:scene3d>
+    <dgm:sp3d/>
+    <dgm:txPr/>
+    <dgm:style>
+      <a:lnRef idx="1">
+        <a:scrgbClr r="0" g="0" b="0"/>
+      </a:lnRef>
+      <a:fillRef idx="1">
+        <a:scrgbClr r="0" g="0" b="0"/>
+      </a:fillRef>
+      <a:effectRef idx="0">
+        <a:scrgbClr r="0" g="0" b="0"/>
+      </a:effectRef>
+      <a:fontRef idx="minor"/>
+    </dgm:style>
+  </dgm:styleLbl>
+  <dgm:styleLbl name="alignAcc1">
+    <dgm:scene3d>
+      <a:camera prst="orthographicFront"/>
+      <a:lightRig rig="threePt" dir="t"/>
+    </dgm:scene3d>
+    <dgm:sp3d/>
+    <dgm:txPr/>
+    <dgm:style>
+      <a:lnRef idx="1">
+        <a:scrgbClr r="0" g="0" b="0"/>
+      </a:lnRef>
+      <a:fillRef idx="1">
+        <a:scrgbClr r="0" g="0" b="0"/>
+      </a:fillRef>
+      <a:effectRef idx="0">
+        <a:scrgbClr r="0" g="0" b="0"/>
+      </a:effectRef>
+      <a:fontRef idx="minor"/>
+    </dgm:style>
+  </dgm:styleLbl>
+  <dgm:styleLbl name="trAlignAcc1">
+    <dgm:scene3d>
+      <a:camera prst="orthographicFront"/>
+      <a:lightRig rig="threePt" dir="t"/>
+    </dgm:scene3d>
+    <dgm:sp3d/>
+    <dgm:txPr/>
+    <dgm:style>
+      <a:lnRef idx="1">
+        <a:scrgbClr r="0" g="0" b="0"/>
+      </a:lnRef>
+      <a:fillRef idx="1">
+        <a:scrgbClr r="0" g="0" b="0"/>
+      </a:fillRef>
+      <a:effectRef idx="0">
+        <a:scrgbClr r="0" g="0" b="0"/>
+      </a:effectRef>
+      <a:fontRef idx="minor"/>
+    </dgm:style>
+  </dgm:styleLbl>
+  <dgm:styleLbl name="bgAcc1">
+    <dgm:scene3d>
+      <a:camera prst="orthographicFront"/>
+      <a:lightRig rig="threePt" dir="t"/>
+    </dgm:scene3d>
+    <dgm:sp3d/>
+    <dgm:txPr/>
+    <dgm:style>
+      <a:lnRef idx="1">
+        <a:scrgbClr r="0" g="0" b="0"/>
+      </a:lnRef>
+      <a:fillRef idx="1">
+        <a:scrgbClr r="0" g="0" b="0"/>
+      </a:fillRef>
+      <a:effectRef idx="0">
+        <a:scrgbClr r="0" g="0" b="0"/>
+      </a:effectRef>
+      <a:fontRef idx="minor"/>
+    </dgm:style>
+  </dgm:styleLbl>
+  <dgm:styleLbl name="solidFgAcc1">
+    <dgm:scene3d>
+      <a:camera prst="orthographicFront"/>
+      <a:lightRig rig="threePt" dir="t"/>
+    </dgm:scene3d>
+    <dgm:sp3d/>
+    <dgm:txPr/>
+    <dgm:style>
+      <a:lnRef idx="1">
+        <a:scrgbClr r="0" g="0" b="0"/>
+      </a:lnRef>
+      <a:fillRef idx="1">
+        <a:scrgbClr r="0" g="0" b="0"/>
+      </a:fillRef>
+      <a:effectRef idx="0">
+        <a:scrgbClr r="0" g="0" b="0"/>
+      </a:effectRef>
+      <a:fontRef idx="minor"/>
+    </dgm:style>
+  </dgm:styleLbl>
+  <dgm:styleLbl name="solidAlignAcc1">
+    <dgm:scene3d>
+      <a:camera prst="orthographicFront"/>
+      <a:lightRig rig="threePt" dir="t"/>
+    </dgm:scene3d>
+    <dgm:sp3d/>
+    <dgm:txPr/>
+    <dgm:style>
+      <a:lnRef idx="1">
+        <a:scrgbClr r="0" g="0" b="0"/>
+      </a:lnRef>
+      <a:fillRef idx="1">
+        <a:scrgbClr r="0" g="0" b="0"/>
+      </a:fillRef>
+      <a:effectRef idx="0">
+        <a:scrgbClr r="0" g="0" b="0"/>
+      </a:effectRef>
+      <a:fontRef idx="minor"/>
+    </dgm:style>
+  </dgm:styleLbl>
+  <dgm:styleLbl name="solidBgAcc1">
+    <dgm:scene3d>
+      <a:camera prst="orthographicFront"/>
+      <a:lightRig rig="threePt" dir="t"/>
+    </dgm:scene3d>
+    <dgm:sp3d/>
+    <dgm:txPr/>
+    <dgm:style>
+      <a:lnRef idx="1">
+        <a:scrgbClr r="0" g="0" b="0"/>
+      </a:lnRef>
+      <a:fillRef idx="1">
+        <a:scrgbClr r="0" g="0" b="0"/>
+      </a:fillRef>
+      <a:effectRef idx="0">
+        <a:scrgbClr r="0" g="0" b="0"/>
+      </a:effectRef>
+      <a:fontRef idx="minor"/>
+    </dgm:style>
+  </dgm:styleLbl>
+  <dgm:styleLbl name="fgAccFollowNode1">
+    <dgm:scene3d>
+      <a:camera prst="orthographicFront"/>
+      <a:lightRig rig="threePt" dir="t"/>
+    </dgm:scene3d>
+    <dgm:sp3d/>
+    <dgm:txPr/>
+    <dgm:style>
+      <a:lnRef idx="1">
+        <a:scrgbClr r="0" g="0" b="0"/>
+      </a:lnRef>
+      <a:fillRef idx="1">
+        <a:scrgbClr r="0" g="0" b="0"/>
+      </a:fillRef>
+      <a:effectRef idx="0">
+        <a:scrgbClr r="0" g="0" b="0"/>
+      </a:effectRef>
+      <a:fontRef idx="minor"/>
+    </dgm:style>
+  </dgm:styleLbl>
+  <dgm:styleLbl name="alignAccFollowNode1">
+    <dgm:scene3d>
+      <a:camera prst="orthographicFront"/>
+      <a:lightRig rig="threePt" dir="t"/>
+    </dgm:scene3d>
+    <dgm:sp3d/>
+    <dgm:txPr/>
+    <dgm:style>
+      <a:lnRef idx="1">
+        <a:scrgbClr r="0" g="0" b="0"/>
+      </a:lnRef>
+      <a:fillRef idx="1">
+        <a:scrgbClr r="0" g="0" b="0"/>
+      </a:fillRef>
+      <a:effectRef idx="0">
+        <a:scrgbClr r="0" g="0" b="0"/>
+      </a:effectRef>
+      <a:fontRef idx="minor"/>
+    </dgm:style>
+  </dgm:styleLbl>
+  <dgm:styleLbl name="bgAccFollowNode1">
+    <dgm:scene3d>
+      <a:camera prst="orthographicFront"/>
+      <a:lightRig rig="threePt" dir="t"/>
+    </dgm:scene3d>
+    <dgm:sp3d/>
+    <dgm:txPr/>
+    <dgm:style>
+      <a:lnRef idx="1">
+        <a:scrgbClr r="0" g="0" b="0"/>
+      </a:lnRef>
+      <a:fillRef idx="1">
+        <a:scrgbClr r="0" g="0" b="0"/>
+      </a:fillRef>
+      <a:effectRef idx="0">
+        <a:scrgbClr r="0" g="0" b="0"/>
+      </a:effectRef>
+      <a:fontRef idx="minor"/>
+    </dgm:style>
+  </dgm:styleLbl>
+  <dgm:styleLbl name="fgAcc0">
+    <dgm:scene3d>
+      <a:camera prst="orthographicFront"/>
+      <a:lightRig rig="threePt" dir="t"/>
+    </dgm:scene3d>
+    <dgm:sp3d/>
+    <dgm:txPr/>
+    <dgm:style>
+      <a:lnRef idx="1">
+        <a:scrgbClr r="0" g="0" b="0"/>
+      </a:lnRef>
+      <a:fillRef idx="1">
+        <a:scrgbClr r="0" g="0" b="0"/>
+      </a:fillRef>
+      <a:effectRef idx="0">
+        <a:scrgbClr r="0" g="0" b="0"/>
+      </a:effectRef>
+      <a:fontRef idx="minor"/>
+    </dgm:style>
+  </dgm:styleLbl>
+  <dgm:styleLbl name="fgAcc2">
+    <dgm:scene3d>
+      <a:camera prst="orthographicFront"/>
+      <a:lightRig rig="threePt" dir="t"/>
+    </dgm:scene3d>
+    <dgm:sp3d/>
+    <dgm:txPr/>
+    <dgm:style>
+      <a:lnRef idx="1">
+        <a:scrgbClr r="0" g="0" b="0"/>
+      </a:lnRef>
+      <a:fillRef idx="1">
+        <a:scrgbClr r="0" g="0" b="0"/>
+      </a:fillRef>
+      <a:effectRef idx="0">
+        <a:scrgbClr r="0" g="0" b="0"/>
+      </a:effectRef>
+      <a:fontRef idx="minor"/>
+    </dgm:style>
+  </dgm:styleLbl>
+  <dgm:styleLbl name="fgAcc3">
+    <dgm:scene3d>
+      <a:camera prst="orthographicFront"/>
+      <a:lightRig rig="threePt" dir="t"/>
+    </dgm:scene3d>
+    <dgm:sp3d/>
+    <dgm:txPr/>
+    <dgm:style>
+      <a:lnRef idx="1">
+        <a:scrgbClr r="0" g="0" b="0"/>
+      </a:lnRef>
+      <a:fillRef idx="1">
+        <a:scrgbClr r="0" g="0" b="0"/>
+      </a:fillRef>
+      <a:effectRef idx="0">
+        <a:scrgbClr r="0" g="0" b="0"/>
+      </a:effectRef>
+      <a:fontRef idx="minor"/>
+    </dgm:style>
+  </dgm:styleLbl>
+  <dgm:styleLbl name="fgAcc4">
+    <dgm:scene3d>
+      <a:camera prst="orthographicFront"/>
+      <a:lightRig rig="threePt" dir="t"/>
+    </dgm:scene3d>
+    <dgm:sp3d/>
+    <dgm:txPr/>
+    <dgm:style>
+      <a:lnRef idx="1">
+        <a:scrgbClr r="0" g="0" b="0"/>
+      </a:lnRef>
+      <a:fillRef idx="1">
+        <a:scrgbClr r="0" g="0" b="0"/>
+      </a:fillRef>
+      <a:effectRef idx="0">
+        <a:scrgbClr r="0" g="0" b="0"/>
+      </a:effectRef>
+      <a:fontRef idx="minor"/>
+    </dgm:style>
+  </dgm:styleLbl>
+  <dgm:styleLbl name="bgShp">
+    <dgm:scene3d>
+      <a:camera prst="orthographicFront"/>
+      <a:lightRig rig="threePt" dir="t"/>
+    </dgm:scene3d>
+    <dgm:sp3d/>
+    <dgm:txPr/>
+    <dgm:style>
+      <a:lnRef idx="0">
+        <a:scrgbClr r="0" g="0" b="0"/>
+      </a:lnRef>
+      <a:fillRef idx="1">
+        <a:scrgbClr r="0" g="0" b="0"/>
+      </a:fillRef>
+      <a:effectRef idx="2">
+        <a:scrgbClr r="0" g="0" b="0"/>
+      </a:effectRef>
+      <a:fontRef idx="minor"/>
+    </dgm:style>
+  </dgm:styleLbl>
+  <dgm:styleLbl name="dkBgShp">
+    <dgm:scene3d>
+      <a:camera prst="orthographicFront"/>
+      <a:lightRig rig="threePt" dir="t"/>
+    </dgm:scene3d>
+    <dgm:sp3d/>
+    <dgm:txPr/>
+    <dgm:style>
+      <a:lnRef idx="0">
+        <a:scrgbClr r="0" g="0" b="0"/>
+      </a:lnRef>
+      <a:fillRef idx="1">
+        <a:scrgbClr r="0" g="0" b="0"/>
+      </a:fillRef>
+      <a:effectRef idx="2">
+        <a:scrgbClr r="0" g="0" b="0"/>
+      </a:effectRef>
+      <a:fontRef idx="minor"/>
+    </dgm:style>
+  </dgm:styleLbl>
+  <dgm:styleLbl name="trBgShp">
+    <dgm:scene3d>
+      <a:camera prst="orthographicFront"/>
+      <a:lightRig rig="threePt" dir="t"/>
+    </dgm:scene3d>
+    <dgm:sp3d/>
+    <dgm:txPr/>
+    <dgm:style>
+      <a:lnRef idx="0">
+        <a:scrgbClr r="0" g="0" b="0"/>
+      </a:lnRef>
+      <a:fillRef idx="1">
+        <a:scrgbClr r="0" g="0" b="0"/>
+      </a:fillRef>
+      <a:effectRef idx="0">
+        <a:scrgbClr r="0" g="0" b="0"/>
+      </a:effectRef>
+      <a:fontRef idx="minor"/>
+    </dgm:style>
+  </dgm:styleLbl>
+  <dgm:styleLbl name="fgShp">
+    <dgm:scene3d>
+      <a:camera prst="orthographicFront"/>
+      <a:lightRig rig="threePt" dir="t"/>
+    </dgm:scene3d>
+    <dgm:sp3d/>
+    <dgm:txPr/>
+    <dgm:style>
+      <a:lnRef idx="0">
+        <a:scrgbClr r="0" g="0" b="0"/>
+      </a:lnRef>
+      <a:fillRef idx="3">
+        <a:scrgbClr r="0" g="0" b="0"/>
+      </a:fillRef>
+      <a:effectRef idx="2">
+        <a:scrgbClr r="0" g="0" b="0"/>
+      </a:effectRef>
+      <a:fontRef idx="minor"/>
+    </dgm:style>
+  </dgm:styleLbl>
+  <dgm:styleLbl name="revTx">
+    <dgm:scene3d>
+      <a:camera prst="orthographicFront"/>
+      <a:lightRig rig="threePt" dir="t"/>
+    </dgm:scene3d>
+    <dgm:sp3d/>
+    <dgm:txPr/>
+    <dgm:style>
+      <a:lnRef idx="0">
+        <a:scrgbClr r="0" g="0" b="0"/>
+      </a:lnRef>
+      <a:fillRef idx="0">
+        <a:scrgbClr r="0" g="0" b="0"/>
+      </a:fillRef>
+      <a:effectRef idx="0">
+        <a:scrgbClr r="0" g="0" b="0"/>
+      </a:effectRef>
+      <a:fontRef idx="minor"/>
+    </dgm:style>
+  </dgm:styleLbl>
+</dgm:styleDef>
+</file>
+
+<file path=ppt/diagrams/quickStyle2.xml><?xml version="1.0" encoding="utf-8"?>
+<dgm:styleDef xmlns:dgm="http://schemas.openxmlformats.org/drawingml/2006/diagram" xmlns:a="http://schemas.openxmlformats.org/drawingml/2006/main" uniqueId="urn:microsoft.com/office/officeart/2005/8/quickstyle/simple4">
+  <dgm:title val=""/>
+  <dgm:desc val=""/>
+  <dgm:catLst>
+    <dgm:cat type="simple" pri="10400"/>
+  </dgm:catLst>
+  <dgm:scene3d>
+    <a:camera prst="orthographicFront"/>
+    <a:lightRig rig="threePt" dir="t"/>
+  </dgm:scene3d>
+  <dgm:styleLbl name="node0">
+    <dgm:scene3d>
+      <a:camera prst="orthographicFront"/>
+      <a:lightRig rig="threePt" dir="t"/>
+    </dgm:scene3d>
+    <dgm:sp3d/>
+    <dgm:txPr/>
+    <dgm:style>
+      <a:lnRef idx="0">
+        <a:scrgbClr r="0" g="0" b="0"/>
+      </a:lnRef>
+      <a:fillRef idx="3">
+        <a:scrgbClr r="0" g="0" b="0"/>
+      </a:fillRef>
+      <a:effectRef idx="2">
+        <a:scrgbClr r="0" g="0" b="0"/>
+      </a:effectRef>
+      <a:fontRef idx="minor">
+        <a:schemeClr val="lt1"/>
+      </a:fontRef>
+    </dgm:style>
+  </dgm:styleLbl>
+  <dgm:styleLbl name="lnNode1">
+    <dgm:scene3d>
+      <a:camera prst="orthographicFront"/>
+      <a:lightRig rig="threePt" dir="t"/>
+    </dgm:scene3d>
+    <dgm:sp3d/>
+    <dgm:txPr/>
+    <dgm:style>
+      <a:lnRef idx="1">
+        <a:scrgbClr r="0" g="0" b="0"/>
+      </a:lnRef>
+      <a:fillRef idx="3">
+        <a:scrgbClr r="0" g="0" b="0"/>
+      </a:fillRef>
+      <a:effectRef idx="2">
+        <a:scrgbClr r="0" g="0" b="0"/>
+      </a:effectRef>
+      <a:fontRef idx="minor">
+        <a:schemeClr val="lt1"/>
+      </a:fontRef>
+    </dgm:style>
+  </dgm:styleLbl>
+  <dgm:styleLbl name="vennNode1">
+    <dgm:scene3d>
+      <a:camera prst="orthographicFront"/>
+      <a:lightRig rig="threePt" dir="t"/>
+    </dgm:scene3d>
+    <dgm:sp3d/>
+    <dgm:txPr/>
+    <dgm:style>
+      <a:lnRef idx="0">
+        <a:scrgbClr r="0" g="0" b="0"/>
+      </a:lnRef>
+      <a:fillRef idx="3">
+        <a:scrgbClr r="0" g="0" b="0"/>
+      </a:fillRef>
+      <a:effectRef idx="0">
+        <a:scrgbClr r="0" g="0" b="0"/>
+      </a:effectRef>
+      <a:fontRef idx="minor">
+        <a:schemeClr val="tx1"/>
+      </a:fontRef>
+    </dgm:style>
+  </dgm:styleLbl>
+  <dgm:styleLbl name="alignNode1">
+    <dgm:scene3d>
+      <a:camera prst="orthographicFront"/>
+      <a:lightRig rig="threePt" dir="t"/>
+    </dgm:scene3d>
+    <dgm:sp3d/>
+    <dgm:txPr/>
+    <dgm:style>
+      <a:lnRef idx="1">
+        <a:scrgbClr r="0" g="0" b="0"/>
+      </a:lnRef>
+      <a:fillRef idx="3">
+        <a:scrgbClr r="0" g="0" b="0"/>
+      </a:fillRef>
+      <a:effectRef idx="2">
+        <a:scrgbClr r="0" g="0" b="0"/>
+      </a:effectRef>
+      <a:fontRef idx="minor">
+        <a:schemeClr val="lt1"/>
+      </a:fontRef>
+    </dgm:style>
+  </dgm:styleLbl>
+  <dgm:styleLbl name="node1">
+    <dgm:scene3d>
+      <a:camera prst="orthographicFront"/>
+      <a:lightRig rig="threePt" dir="t"/>
+    </dgm:scene3d>
+    <dgm:sp3d/>
+    <dgm:txPr/>
+    <dgm:style>
+      <a:lnRef idx="0">
+        <a:scrgbClr r="0" g="0" b="0"/>
+      </a:lnRef>
+      <a:fillRef idx="3">
+        <a:scrgbClr r="0" g="0" b="0"/>
+      </a:fillRef>
+      <a:effectRef idx="2">
+        <a:scrgbClr r="0" g="0" b="0"/>
+      </a:effectRef>
+      <a:fontRef idx="minor">
+        <a:schemeClr val="lt1"/>
+      </a:fontRef>
+    </dgm:style>
+  </dgm:styleLbl>
+  <dgm:styleLbl name="node2">
+    <dgm:scene3d>
+      <a:camera prst="orthographicFront"/>
+      <a:lightRig rig="threePt" dir="t"/>
+    </dgm:scene3d>
+    <dgm:sp3d/>
+    <dgm:txPr/>
+    <dgm:style>
+      <a:lnRef idx="0">
+        <a:scrgbClr r="0" g="0" b="0"/>
+      </a:lnRef>
+      <a:fillRef idx="3">
+        <a:scrgbClr r="0" g="0" b="0"/>
+      </a:fillRef>
+      <a:effectRef idx="2">
+        <a:scrgbClr r="0" g="0" b="0"/>
+      </a:effectRef>
+      <a:fontRef idx="minor">
+        <a:schemeClr val="lt1"/>
+      </a:fontRef>
+    </dgm:style>
+  </dgm:styleLbl>
+  <dgm:styleLbl name="node3">
+    <dgm:scene3d>
+      <a:camera prst="orthographicFront"/>
+      <a:lightRig rig="threePt" dir="t"/>
+    </dgm:scene3d>
+    <dgm:sp3d/>
+    <dgm:txPr/>
+    <dgm:style>
+      <a:lnRef idx="0">
+        <a:scrgbClr r="0" g="0" b="0"/>
+      </a:lnRef>
+      <a:fillRef idx="3">
+        <a:scrgbClr r="0" g="0" b="0"/>
+      </a:fillRef>
+      <a:effectRef idx="2">
+        <a:scrgbClr r="0" g="0" b="0"/>
+      </a:effectRef>
+      <a:fontRef idx="minor">
+        <a:schemeClr val="lt1"/>
+      </a:fontRef>
+    </dgm:style>
+  </dgm:styleLbl>
+  <dgm:styleLbl name="node4">
+    <dgm:scene3d>
+      <a:camera prst="orthographicFront"/>
+      <a:lightRig rig="threePt" dir="t"/>
+    </dgm:scene3d>
+    <dgm:sp3d/>
+    <dgm:txPr/>
+    <dgm:style>
+      <a:lnRef idx="0">
+        <a:scrgbClr r="0" g="0" b="0"/>
+      </a:lnRef>
+      <a:fillRef idx="3">
+        <a:scrgbClr r="0" g="0" b="0"/>
+      </a:fillRef>
+      <a:effectRef idx="2">
+        <a:scrgbClr r="0" g="0" b="0"/>
+      </a:effectRef>
+      <a:fontRef idx="minor">
+        <a:schemeClr val="lt1"/>
+      </a:fontRef>
+    </dgm:style>
+  </dgm:styleLbl>
+  <dgm:styleLbl name="fgImgPlace1">
+    <dgm:scene3d>
+      <a:camera prst="orthographicFront"/>
+      <a:lightRig rig="threePt" dir="t"/>
+    </dgm:scene3d>
+    <dgm:sp3d/>
+    <dgm:txPr/>
+    <dgm:style>
+      <a:lnRef idx="0">
+        <a:scrgbClr r="0" g="0" b="0"/>
+      </a:lnRef>
+      <a:fillRef idx="1">
+        <a:scrgbClr r="0" g="0" b="0"/>
+      </a:fillRef>
+      <a:effectRef idx="2">
+        <a:scrgbClr r="0" g="0" b="0"/>
+      </a:effectRef>
+      <a:fontRef idx="minor"/>
+    </dgm:style>
+  </dgm:styleLbl>
+  <dgm:styleLbl name="alignImgPlace1">
+    <dgm:scene3d>
+      <a:camera prst="orthographicFront"/>
+      <a:lightRig rig="threePt" dir="t"/>
+    </dgm:scene3d>
+    <dgm:sp3d/>
+    <dgm:txPr/>
+    <dgm:style>
+      <a:lnRef idx="0">
+        <a:scrgbClr r="0" g="0" b="0"/>
+      </a:lnRef>
+      <a:fillRef idx="1">
+        <a:scrgbClr r="0" g="0" b="0"/>
+      </a:fillRef>
+      <a:effectRef idx="2">
+        <a:scrgbClr r="0" g="0" b="0"/>
+      </a:effectRef>
+      <a:fontRef idx="minor"/>
+    </dgm:style>
+  </dgm:styleLbl>
+  <dgm:styleLbl name="bgImgPlace1">
+    <dgm:scene3d>
+      <a:camera prst="orthographicFront"/>
+      <a:lightRig rig="threePt" dir="t"/>
+    </dgm:scene3d>
+    <dgm:sp3d/>
+    <dgm:txPr/>
+    <dgm:style>
+      <a:lnRef idx="0">
+        <a:scrgbClr r="0" g="0" b="0"/>
+      </a:lnRef>
+      <a:fillRef idx="1">
+        <a:scrgbClr r="0" g="0" b="0"/>
+      </a:fillRef>
+      <a:effectRef idx="2">
+        <a:scrgbClr r="0" g="0" b="0"/>
+      </a:effectRef>
+      <a:fontRef idx="minor"/>
+    </dgm:style>
+  </dgm:styleLbl>
+  <dgm:styleLbl name="sibTrans2D1">
+    <dgm:scene3d>
+      <a:camera prst="orthographicFront"/>
+      <a:lightRig rig="threePt" dir="t"/>
+    </dgm:scene3d>
+    <dgm:sp3d/>
+    <dgm:txPr/>
+    <dgm:style>
+      <a:lnRef idx="0">
+        <a:scrgbClr r="0" g="0" b="0"/>
+      </a:lnRef>
+      <a:fillRef idx="3">
+        <a:scrgbClr r="0" g="0" b="0"/>
+      </a:fillRef>
+      <a:effectRef idx="2">
+        <a:scrgbClr r="0" g="0" b="0"/>
+      </a:effectRef>
+      <a:fontRef idx="minor">
+        <a:schemeClr val="lt1"/>
+      </a:fontRef>
+    </dgm:style>
+  </dgm:styleLbl>
+  <dgm:styleLbl name="fgSibTrans2D1">
+    <dgm:scene3d>
+      <a:camera prst="orthographicFront"/>
+      <a:lightRig rig="threePt" dir="t"/>
+    </dgm:scene3d>
+    <dgm:sp3d/>
+    <dgm:txPr/>
+    <dgm:style>
+      <a:lnRef idx="0">
+        <a:scrgbClr r="0" g="0" b="0"/>
+      </a:lnRef>
+      <a:fillRef idx="3">
+        <a:scrgbClr r="0" g="0" b="0"/>
+      </a:fillRef>
+      <a:effectRef idx="2">
+        <a:scrgbClr r="0" g="0" b="0"/>
+      </a:effectRef>
+      <a:fontRef idx="minor">
+        <a:schemeClr val="lt1"/>
+      </a:fontRef>
+    </dgm:style>
+  </dgm:styleLbl>
+  <dgm:styleLbl name="bgSibTrans2D1">
+    <dgm:scene3d>
+      <a:camera prst="orthographicFront"/>
+      <a:lightRig rig="threePt" dir="t"/>
+    </dgm:scene3d>
+    <dgm:sp3d/>
+    <dgm:txPr/>
+    <dgm:style>
+      <a:lnRef idx="0">
+        <a:scrgbClr r="0" g="0" b="0"/>
+      </a:lnRef>
+      <a:fillRef idx="3">
+        <a:scrgbClr r="0" g="0" b="0"/>
+      </a:fillRef>
+      <a:effectRef idx="2">
+        <a:scrgbClr r="0" g="0" b="0"/>
+      </a:effectRef>
+      <a:fontRef idx="minor">
+        <a:schemeClr val="lt1"/>
+      </a:fontRef>
+    </dgm:style>
+  </dgm:styleLbl>
+  <dgm:styleLbl name="sibTrans1D1">
+    <dgm:scene3d>
+      <a:camera prst="orthographicFront"/>
+      <a:lightRig rig="threePt" dir="t"/>
+    </dgm:scene3d>
+    <dgm:sp3d/>
+    <dgm:txPr/>
+    <dgm:style>
+      <a:lnRef idx="1">
+        <a:scrgbClr r="0" g="0" b="0"/>
+      </a:lnRef>
+      <a:fillRef idx="0">
+        <a:scrgbClr r="0" g="0" b="0"/>
+      </a:fillRef>
+      <a:effectRef idx="0">
+        <a:scrgbClr r="0" g="0" b="0"/>
+      </a:effectRef>
+      <a:fontRef idx="minor"/>
+    </dgm:style>
+  </dgm:styleLbl>
+  <dgm:styleLbl name="callout">
+    <dgm:scene3d>
+      <a:camera prst="orthographicFront"/>
+      <a:lightRig rig="threePt" dir="t"/>
+    </dgm:scene3d>
+    <dgm:sp3d/>
+    <dgm:txPr/>
+    <dgm:style>
+      <a:lnRef idx="2">
+        <a:scrgbClr r="0" g="0" b="0"/>
+      </a:lnRef>
+      <a:fillRef idx="1">
+        <a:scrgbClr r="0" g="0" b="0"/>
+      </a:fillRef>
+      <a:effectRef idx="1">
+        <a:scrgbClr r="0" g="0" b="0"/>
+      </a:effectRef>
+      <a:fontRef idx="minor"/>
+    </dgm:style>
+  </dgm:styleLbl>
+  <dgm:styleLbl name="asst0">
+    <dgm:scene3d>
+      <a:camera prst="orthographicFront"/>
+      <a:lightRig rig="threePt" dir="t"/>
+    </dgm:scene3d>
+    <dgm:sp3d/>
+    <dgm:txPr/>
+    <dgm:style>
+      <a:lnRef idx="0">
+        <a:scrgbClr r="0" g="0" b="0"/>
+      </a:lnRef>
+      <a:fillRef idx="3">
+        <a:scrgbClr r="0" g="0" b="0"/>
+      </a:fillRef>
+      <a:effectRef idx="2">
+        <a:scrgbClr r="0" g="0" b="0"/>
+      </a:effectRef>
+      <a:fontRef idx="minor">
+        <a:schemeClr val="lt1"/>
+      </a:fontRef>
+    </dgm:style>
+  </dgm:styleLbl>
+  <dgm:styleLbl name="asst1">
+    <dgm:scene3d>
+      <a:camera prst="orthographicFront"/>
+      <a:lightRig rig="threePt" dir="t"/>
+    </dgm:scene3d>
+    <dgm:sp3d/>
+    <dgm:txPr/>
+    <dgm:style>
+      <a:lnRef idx="0">
+        <a:scrgbClr r="0" g="0" b="0"/>
+      </a:lnRef>
+      <a:fillRef idx="3">
+        <a:scrgbClr r="0" g="0" b="0"/>
+      </a:fillRef>
+      <a:effectRef idx="2">
+        <a:scrgbClr r="0" g="0" b="0"/>
+      </a:effectRef>
+      <a:fontRef idx="minor">
+        <a:schemeClr val="lt1"/>
+      </a:fontRef>
+    </dgm:style>
+  </dgm:styleLbl>
+  <dgm:styleLbl name="asst2">
+    <dgm:scene3d>
+      <a:camera prst="orthographicFront"/>
+      <a:lightRig rig="threePt" dir="t"/>
+    </dgm:scene3d>
+    <dgm:sp3d/>
+    <dgm:txPr/>
+    <dgm:style>
+      <a:lnRef idx="0">
+        <a:scrgbClr r="0" g="0" b="0"/>
+      </a:lnRef>
+      <a:fillRef idx="3">
+        <a:scrgbClr r="0" g="0" b="0"/>
+      </a:fillRef>
+      <a:effectRef idx="2">
+        <a:scrgbClr r="0" g="0" b="0"/>
+      </a:effectRef>
+      <a:fontRef idx="minor">
+        <a:schemeClr val="lt1"/>
+      </a:fontRef>
+    </dgm:style>
+  </dgm:styleLbl>
+  <dgm:styleLbl name="asst3">
+    <dgm:scene3d>
+      <a:camera prst="orthographicFront"/>
+      <a:lightRig rig="threePt" dir="t"/>
+    </dgm:scene3d>
+    <dgm:sp3d/>
+    <dgm:txPr/>
+    <dgm:style>
+      <a:lnRef idx="0">
+        <a:scrgbClr r="0" g="0" b="0"/>
+      </a:lnRef>
+      <a:fillRef idx="3">
+        <a:scrgbClr r="0" g="0" b="0"/>
+      </a:fillRef>
+      <a:effectRef idx="2">
+        <a:scrgbClr r="0" g="0" b="0"/>
+      </a:effectRef>
+      <a:fontRef idx="minor">
+        <a:schemeClr val="lt1"/>
+      </a:fontRef>
+    </dgm:style>
+  </dgm:styleLbl>
+  <dgm:styleLbl name="asst4">
+    <dgm:scene3d>
+      <a:camera prst="orthographicFront"/>
+      <a:lightRig rig="threePt" dir="t"/>
+    </dgm:scene3d>
+    <dgm:sp3d/>
+    <dgm:txPr/>
+    <dgm:style>
+      <a:lnRef idx="0">
+        <a:scrgbClr r="0" g="0" b="0"/>
+      </a:lnRef>
+      <a:fillRef idx="3">
+        <a:scrgbClr r="0" g="0" b="0"/>
+      </a:fillRef>
+      <a:effectRef idx="2">
+        <a:scrgbClr r="0" g="0" b="0"/>
+      </a:effectRef>
+      <a:fontRef idx="minor">
+        <a:schemeClr val="lt1"/>
+      </a:fontRef>
+    </dgm:style>
+  </dgm:styleLbl>
+  <dgm:styleLbl name="parChTrans2D1">
+    <dgm:scene3d>
+      <a:camera prst="orthographicFront"/>
+      <a:lightRig rig="threePt" dir="t"/>
+    </dgm:scene3d>
+    <dgm:sp3d/>
+    <dgm:txPr/>
+    <dgm:style>
+      <a:lnRef idx="0">
+        <a:scrgbClr r="0" g="0" b="0"/>
+      </a:lnRef>
+      <a:fillRef idx="3">
+        <a:scrgbClr r="0" g="0" b="0"/>
+      </a:fillRef>
+      <a:effectRef idx="2">
+        <a:scrgbClr r="0" g="0" b="0"/>
+      </a:effectRef>
+      <a:fontRef idx="minor">
+        <a:schemeClr val="lt1"/>
+      </a:fontRef>
+    </dgm:style>
+  </dgm:styleLbl>
+  <dgm:styleLbl name="parChTrans2D2">
+    <dgm:scene3d>
+      <a:camera prst="orthographicFront"/>
+      <a:lightRig rig="threePt" dir="t"/>
+    </dgm:scene3d>
+    <dgm:sp3d/>
+    <dgm:txPr/>
+    <dgm:style>
+      <a:lnRef idx="0">
+        <a:scrgbClr r="0" g="0" b="0"/>
+      </a:lnRef>
+      <a:fillRef idx="3">
+        <a:scrgbClr r="0" g="0" b="0"/>
+      </a:fillRef>
+      <a:effectRef idx="2">
+        <a:scrgbClr r="0" g="0" b="0"/>
+      </a:effectRef>
+      <a:fontRef idx="minor">
+        <a:schemeClr val="lt1"/>
+      </a:fontRef>
+    </dgm:style>
+  </dgm:styleLbl>
+  <dgm:styleLbl name="parChTrans2D3">
+    <dgm:scene3d>
+      <a:camera prst="orthographicFront"/>
+      <a:lightRig rig="threePt" dir="t"/>
+    </dgm:scene3d>
+    <dgm:sp3d/>
+    <dgm:txPr/>
+    <dgm:style>
+      <a:lnRef idx="1">
+        <a:scrgbClr r="0" g="0" b="0"/>
+      </a:lnRef>
+      <a:fillRef idx="3">
+        <a:scrgbClr r="0" g="0" b="0"/>
+      </a:fillRef>
+      <a:effectRef idx="2">
+        <a:scrgbClr r="0" g="0" b="0"/>
+      </a:effectRef>
+      <a:fontRef idx="minor">
+        <a:schemeClr val="lt1"/>
+      </a:fontRef>
+    </dgm:style>
+  </dgm:styleLbl>
+  <dgm:styleLbl name="parChTrans2D4">
+    <dgm:scene3d>
+      <a:camera prst="orthographicFront"/>
+      <a:lightRig rig="threePt" dir="t"/>
+    </dgm:scene3d>
+    <dgm:sp3d/>
+    <dgm:txPr/>
+    <dgm:style>
+      <a:lnRef idx="1">
+        <a:scrgbClr r="0" g="0" b="0"/>
+      </a:lnRef>
+      <a:fillRef idx="3">
+        <a:scrgbClr r="0" g="0" b="0"/>
+      </a:fillRef>
+      <a:effectRef idx="2">
+        <a:scrgbClr r="0" g="0" b="0"/>
+      </a:effectRef>
+      <a:fontRef idx="minor">
+        <a:schemeClr val="lt1"/>
+      </a:fontRef>
+    </dgm:style>
+  </dgm:styleLbl>
+  <dgm:styleLbl name="parChTrans1D1">
+    <dgm:scene3d>
+      <a:camera prst="orthographicFront"/>
+      <a:lightRig rig="threePt" dir="t"/>
+    </dgm:scene3d>
+    <dgm:sp3d/>
+    <dgm:txPr/>
+    <dgm:style>
+      <a:lnRef idx="1">
+        <a:scrgbClr r="0" g="0" b="0"/>
+      </a:lnRef>
+      <a:fillRef idx="0">
+        <a:scrgbClr r="0" g="0" b="0"/>
+      </a:fillRef>
+      <a:effectRef idx="0">
+        <a:scrgbClr r="0" g="0" b="0"/>
+      </a:effectRef>
+      <a:fontRef idx="minor"/>
+    </dgm:style>
+  </dgm:styleLbl>
+  <dgm:styleLbl name="parChTrans1D2">
+    <dgm:scene3d>
+      <a:camera prst="orthographicFront"/>
+      <a:lightRig rig="threePt" dir="t"/>
+    </dgm:scene3d>
+    <dgm:sp3d/>
+    <dgm:txPr/>
+    <dgm:style>
+      <a:lnRef idx="1">
+        <a:scrgbClr r="0" g="0" b="0"/>
+      </a:lnRef>
+      <a:fillRef idx="0">
+        <a:scrgbClr r="0" g="0" b="0"/>
+      </a:fillRef>
+      <a:effectRef idx="0">
+        <a:scrgbClr r="0" g="0" b="0"/>
+      </a:effectRef>
+      <a:fontRef idx="minor"/>
+    </dgm:style>
+  </dgm:styleLbl>
+  <dgm:styleLbl name="parChTrans1D3">
+    <dgm:scene3d>
+      <a:camera prst="orthographicFront"/>
+      <a:lightRig rig="threePt" dir="t"/>
+    </dgm:scene3d>
+    <dgm:sp3d/>
+    <dgm:txPr/>
+    <dgm:style>
+      <a:lnRef idx="1">
+        <a:scrgbClr r="0" g="0" b="0"/>
+      </a:lnRef>
+      <a:fillRef idx="0">
+        <a:scrgbClr r="0" g="0" b="0"/>
+      </a:fillRef>
+      <a:effectRef idx="0">
+        <a:scrgbClr r="0" g="0" b="0"/>
+      </a:effectRef>
+      <a:fontRef idx="minor"/>
+    </dgm:style>
+  </dgm:styleLbl>
+  <dgm:styleLbl name="parChTrans1D4">
+    <dgm:scene3d>
+      <a:camera prst="orthographicFront"/>
+      <a:lightRig rig="threePt" dir="t"/>
+    </dgm:scene3d>
+    <dgm:sp3d/>
+    <dgm:txPr/>
+    <dgm:style>
+      <a:lnRef idx="1">
+        <a:scrgbClr r="0" g="0" b="0"/>
+      </a:lnRef>
+      <a:fillRef idx="0">
+        <a:scrgbClr r="0" g="0" b="0"/>
+      </a:fillRef>
+      <a:effectRef idx="0">
+        <a:scrgbClr r="0" g="0" b="0"/>
+      </a:effectRef>
+      <a:fontRef idx="minor"/>
+    </dgm:style>
+  </dgm:styleLbl>
+  <dgm:styleLbl name="fgAcc1">
+    <dgm:scene3d>
+      <a:camera prst="orthographicFront"/>
+      <a:lightRig rig="threePt" dir="t"/>
+    </dgm:scene3d>
+    <dgm:sp3d/>
+    <dgm:txPr/>
+    <dgm:style>
+      <a:lnRef idx="1">
+        <a:scrgbClr r="0" g="0" b="0"/>
+      </a:lnRef>
+      <a:fillRef idx="1">
+        <a:scrgbClr r="0" g="0" b="0"/>
+      </a:fillRef>
+      <a:effectRef idx="0">
+        <a:scrgbClr r="0" g="0" b="0"/>
+      </a:effectRef>
+      <a:fontRef idx="minor"/>
+    </dgm:style>
+  </dgm:styleLbl>
+  <dgm:styleLbl name="conFgAcc1">
+    <dgm:scene3d>
+      <a:camera prst="orthographicFront"/>
+      <a:lightRig rig="threePt" dir="t"/>
+    </dgm:scene3d>
+    <dgm:sp3d/>
+    <dgm:txPr/>
+    <dgm:style>
+      <a:lnRef idx="1">
+        <a:scrgbClr r="0" g="0" b="0"/>
+      </a:lnRef>
+      <a:fillRef idx="1">
+        <a:scrgbClr r="0" g="0" b="0"/>
+      </a:fillRef>
+      <a:effectRef idx="0">
+        <a:scrgbClr r="0" g="0" b="0"/>
+      </a:effectRef>
+      <a:fontRef idx="minor"/>
+    </dgm:style>
+  </dgm:styleLbl>
+  <dgm:styleLbl name="alignAcc1">
+    <dgm:scene3d>
+      <a:camera prst="orthographicFront"/>
+      <a:lightRig rig="threePt" dir="t"/>
+    </dgm:scene3d>
+    <dgm:sp3d/>
+    <dgm:txPr/>
+    <dgm:style>
+      <a:lnRef idx="1">
+        <a:scrgbClr r="0" g="0" b="0"/>
+      </a:lnRef>
+      <a:fillRef idx="1">
+        <a:scrgbClr r="0" g="0" b="0"/>
+      </a:fillRef>
+      <a:effectRef idx="0">
+        <a:scrgbClr r="0" g="0" b="0"/>
+      </a:effectRef>
+      <a:fontRef idx="minor"/>
+    </dgm:style>
+  </dgm:styleLbl>
+  <dgm:styleLbl name="trAlignAcc1">
+    <dgm:scene3d>
+      <a:camera prst="orthographicFront"/>
+      <a:lightRig rig="threePt" dir="t"/>
+    </dgm:scene3d>
+    <dgm:sp3d/>
+    <dgm:txPr/>
+    <dgm:style>
+      <a:lnRef idx="1">
+        <a:scrgbClr r="0" g="0" b="0"/>
+      </a:lnRef>
+      <a:fillRef idx="1">
+        <a:scrgbClr r="0" g="0" b="0"/>
+      </a:fillRef>
+      <a:effectRef idx="0">
+        <a:scrgbClr r="0" g="0" b="0"/>
+      </a:effectRef>
+      <a:fontRef idx="minor"/>
+    </dgm:style>
+  </dgm:styleLbl>
+  <dgm:styleLbl name="bgAcc1">
+    <dgm:scene3d>
+      <a:camera prst="orthographicFront"/>
+      <a:lightRig rig="threePt" dir="t"/>
+    </dgm:scene3d>
+    <dgm:sp3d/>
+    <dgm:txPr/>
+    <dgm:style>
+      <a:lnRef idx="1">
+        <a:scrgbClr r="0" g="0" b="0"/>
+      </a:lnRef>
+      <a:fillRef idx="1">
+        <a:scrgbClr r="0" g="0" b="0"/>
+      </a:fillRef>
+      <a:effectRef idx="0">
+        <a:scrgbClr r="0" g="0" b="0"/>
+      </a:effectRef>
+      <a:fontRef idx="minor"/>
+    </dgm:style>
+  </dgm:styleLbl>
+  <dgm:styleLbl name="solidFgAcc1">
+    <dgm:scene3d>
+      <a:camera prst="orthographicFront"/>
+      <a:lightRig rig="threePt" dir="t"/>
+    </dgm:scene3d>
+    <dgm:sp3d/>
+    <dgm:txPr/>
+    <dgm:style>
+      <a:lnRef idx="1">
+        <a:scrgbClr r="0" g="0" b="0"/>
+      </a:lnRef>
+      <a:fillRef idx="1">
+        <a:scrgbClr r="0" g="0" b="0"/>
+      </a:fillRef>
+      <a:effectRef idx="0">
+        <a:scrgbClr r="0" g="0" b="0"/>
+      </a:effectRef>
+      <a:fontRef idx="minor"/>
+    </dgm:style>
+  </dgm:styleLbl>
+  <dgm:styleLbl name="solidAlignAcc1">
+    <dgm:scene3d>
+      <a:camera prst="orthographicFront"/>
+      <a:lightRig rig="threePt" dir="t"/>
+    </dgm:scene3d>
+    <dgm:sp3d/>
+    <dgm:txPr/>
+    <dgm:style>
+      <a:lnRef idx="1">
+        <a:scrgbClr r="0" g="0" b="0"/>
+      </a:lnRef>
+      <a:fillRef idx="1">
+        <a:scrgbClr r="0" g="0" b="0"/>
+      </a:fillRef>
+      <a:effectRef idx="0">
+        <a:scrgbClr r="0" g="0" b="0"/>
+      </a:effectRef>
+      <a:fontRef idx="minor"/>
+    </dgm:style>
+  </dgm:styleLbl>
+  <dgm:styleLbl name="solidBgAcc1">
+    <dgm:scene3d>
+      <a:camera prst="orthographicFront"/>
+      <a:lightRig rig="threePt" dir="t"/>
+    </dgm:scene3d>
+    <dgm:sp3d/>
+    <dgm:txPr/>
+    <dgm:style>
+      <a:lnRef idx="1">
+        <a:scrgbClr r="0" g="0" b="0"/>
+      </a:lnRef>
+      <a:fillRef idx="1">
+        <a:scrgbClr r="0" g="0" b="0"/>
+      </a:fillRef>
+      <a:effectRef idx="0">
+        <a:scrgbClr r="0" g="0" b="0"/>
+      </a:effectRef>
+      <a:fontRef idx="minor"/>
+    </dgm:style>
+  </dgm:styleLbl>
+  <dgm:styleLbl name="fgAccFollowNode1">
+    <dgm:scene3d>
+      <a:camera prst="orthographicFront"/>
+      <a:lightRig rig="threePt" dir="t"/>
+    </dgm:scene3d>
+    <dgm:sp3d/>
+    <dgm:txPr/>
+    <dgm:style>
+      <a:lnRef idx="1">
+        <a:scrgbClr r="0" g="0" b="0"/>
+      </a:lnRef>
+      <a:fillRef idx="1">
+        <a:scrgbClr r="0" g="0" b="0"/>
+      </a:fillRef>
+      <a:effectRef idx="0">
+        <a:scrgbClr r="0" g="0" b="0"/>
+      </a:effectRef>
+      <a:fontRef idx="minor"/>
+    </dgm:style>
+  </dgm:styleLbl>
+  <dgm:styleLbl name="alignAccFollowNode1">
+    <dgm:scene3d>
+      <a:camera prst="orthographicFront"/>
+      <a:lightRig rig="threePt" dir="t"/>
+    </dgm:scene3d>
+    <dgm:sp3d/>
+    <dgm:txPr/>
+    <dgm:style>
+      <a:lnRef idx="1">
+        <a:scrgbClr r="0" g="0" b="0"/>
+      </a:lnRef>
+      <a:fillRef idx="1">
+        <a:scrgbClr r="0" g="0" b="0"/>
+      </a:fillRef>
+      <a:effectRef idx="0">
+        <a:scrgbClr r="0" g="0" b="0"/>
+      </a:effectRef>
+      <a:fontRef idx="minor"/>
+    </dgm:style>
+  </dgm:styleLbl>
+  <dgm:styleLbl name="bgAccFollowNode1">
+    <dgm:scene3d>
+      <a:camera prst="orthographicFront"/>
+      <a:lightRig rig="threePt" dir="t"/>
+    </dgm:scene3d>
+    <dgm:sp3d/>
+    <dgm:txPr/>
+    <dgm:style>
+      <a:lnRef idx="1">
+        <a:scrgbClr r="0" g="0" b="0"/>
+      </a:lnRef>
+      <a:fillRef idx="1">
+        <a:scrgbClr r="0" g="0" b="0"/>
+      </a:fillRef>
+      <a:effectRef idx="0">
+        <a:scrgbClr r="0" g="0" b="0"/>
+      </a:effectRef>
+      <a:fontRef idx="minor"/>
+    </dgm:style>
+  </dgm:styleLbl>
+  <dgm:styleLbl name="fgAcc0">
+    <dgm:scene3d>
+      <a:camera prst="orthographicFront"/>
+      <a:lightRig rig="threePt" dir="t"/>
+    </dgm:scene3d>
+    <dgm:sp3d/>
+    <dgm:txPr/>
+    <dgm:style>
+      <a:lnRef idx="1">
+        <a:scrgbClr r="0" g="0" b="0"/>
+      </a:lnRef>
+      <a:fillRef idx="1">
+        <a:scrgbClr r="0" g="0" b="0"/>
+      </a:fillRef>
+      <a:effectRef idx="0">
+        <a:scrgbClr r="0" g="0" b="0"/>
+      </a:effectRef>
+      <a:fontRef idx="minor"/>
+    </dgm:style>
+  </dgm:styleLbl>
+  <dgm:styleLbl name="fgAcc2">
+    <dgm:scene3d>
+      <a:camera prst="orthographicFront"/>
+      <a:lightRig rig="threePt" dir="t"/>
+    </dgm:scene3d>
+    <dgm:sp3d/>
+    <dgm:txPr/>
+    <dgm:style>
+      <a:lnRef idx="1">
+        <a:scrgbClr r="0" g="0" b="0"/>
+      </a:lnRef>
+      <a:fillRef idx="1">
+        <a:scrgbClr r="0" g="0" b="0"/>
+      </a:fillRef>
+      <a:effectRef idx="0">
+        <a:scrgbClr r="0" g="0" b="0"/>
+      </a:effectRef>
+      <a:fontRef idx="minor"/>
+    </dgm:style>
+  </dgm:styleLbl>
+  <dgm:styleLbl name="fgAcc3">
+    <dgm:scene3d>
+      <a:camera prst="orthographicFront"/>
+      <a:lightRig rig="threePt" dir="t"/>
+    </dgm:scene3d>
+    <dgm:sp3d/>
+    <dgm:txPr/>
+    <dgm:style>
+      <a:lnRef idx="1">
+        <a:scrgbClr r="0" g="0" b="0"/>
+      </a:lnRef>
+      <a:fillRef idx="1">
+        <a:scrgbClr r="0" g="0" b="0"/>
+      </a:fillRef>
+      <a:effectRef idx="0">
+        <a:scrgbClr r="0" g="0" b="0"/>
+      </a:effectRef>
+      <a:fontRef idx="minor"/>
+    </dgm:style>
+  </dgm:styleLbl>
+  <dgm:styleLbl name="fgAcc4">
+    <dgm:scene3d>
+      <a:camera prst="orthographicFront"/>
+      <a:lightRig rig="threePt" dir="t"/>
+    </dgm:scene3d>
+    <dgm:sp3d/>
+    <dgm:txPr/>
+    <dgm:style>
+      <a:lnRef idx="1">
+        <a:scrgbClr r="0" g="0" b="0"/>
+      </a:lnRef>
+      <a:fillRef idx="1">
+        <a:scrgbClr r="0" g="0" b="0"/>
+      </a:fillRef>
+      <a:effectRef idx="0">
+        <a:scrgbClr r="0" g="0" b="0"/>
+      </a:effectRef>
+      <a:fontRef idx="minor"/>
+    </dgm:style>
+  </dgm:styleLbl>
+  <dgm:styleLbl name="bgShp">
+    <dgm:scene3d>
+      <a:camera prst="orthographicFront"/>
+      <a:lightRig rig="threePt" dir="t"/>
+    </dgm:scene3d>
+    <dgm:sp3d/>
+    <dgm:txPr/>
+    <dgm:style>
+      <a:lnRef idx="0">
+        <a:scrgbClr r="0" g="0" b="0"/>
+      </a:lnRef>
+      <a:fillRef idx="1">
+        <a:scrgbClr r="0" g="0" b="0"/>
+      </a:fillRef>
+      <a:effectRef idx="2">
+        <a:scrgbClr r="0" g="0" b="0"/>
+      </a:effectRef>
+      <a:fontRef idx="minor"/>
+    </dgm:style>
+  </dgm:styleLbl>
+  <dgm:styleLbl name="dkBgShp">
+    <dgm:scene3d>
+      <a:camera prst="orthographicFront"/>
+      <a:lightRig rig="threePt" dir="t"/>
+    </dgm:scene3d>
+    <dgm:sp3d/>
+    <dgm:txPr/>
+    <dgm:style>
+      <a:lnRef idx="0">
+        <a:scrgbClr r="0" g="0" b="0"/>
+      </a:lnRef>
+      <a:fillRef idx="1">
+        <a:scrgbClr r="0" g="0" b="0"/>
+      </a:fillRef>
+      <a:effectRef idx="2">
+        <a:scrgbClr r="0" g="0" b="0"/>
+      </a:effectRef>
+      <a:fontRef idx="minor"/>
+    </dgm:style>
+  </dgm:styleLbl>
+  <dgm:styleLbl name="trBgShp">
+    <dgm:scene3d>
+      <a:camera prst="orthographicFront"/>
+      <a:lightRig rig="threePt" dir="t"/>
+    </dgm:scene3d>
+    <dgm:sp3d/>
+    <dgm:txPr/>
+    <dgm:style>
+      <a:lnRef idx="0">
+        <a:scrgbClr r="0" g="0" b="0"/>
+      </a:lnRef>
+      <a:fillRef idx="1">
+        <a:scrgbClr r="0" g="0" b="0"/>
+      </a:fillRef>
+      <a:effectRef idx="0">
+        <a:scrgbClr r="0" g="0" b="0"/>
+      </a:effectRef>
+      <a:fontRef idx="minor"/>
+    </dgm:style>
+  </dgm:styleLbl>
+  <dgm:styleLbl name="fgShp">
+    <dgm:scene3d>
+      <a:camera prst="orthographicFront"/>
+      <a:lightRig rig="threePt" dir="t"/>
+    </dgm:scene3d>
+    <dgm:sp3d/>
+    <dgm:txPr/>
+    <dgm:style>
+      <a:lnRef idx="0">
+        <a:scrgbClr r="0" g="0" b="0"/>
+      </a:lnRef>
+      <a:fillRef idx="3">
+        <a:scrgbClr r="0" g="0" b="0"/>
+      </a:fillRef>
+      <a:effectRef idx="2">
+        <a:scrgbClr r="0" g="0" b="0"/>
+      </a:effectRef>
+      <a:fontRef idx="minor"/>
+    </dgm:style>
+  </dgm:styleLbl>
+  <dgm:styleLbl name="revTx">
+    <dgm:scene3d>
+      <a:camera prst="orthographicFront"/>
+      <a:lightRig rig="threePt" dir="t"/>
+    </dgm:scene3d>
+    <dgm:sp3d/>
+    <dgm:txPr/>
+    <dgm:style>
+      <a:lnRef idx="0">
+        <a:scrgbClr r="0" g="0" b="0"/>
+      </a:lnRef>
+      <a:fillRef idx="0">
+        <a:scrgbClr r="0" g="0" b="0"/>
+      </a:fillRef>
+      <a:effectRef idx="0">
+        <a:scrgbClr r="0" g="0" b="0"/>
+      </a:effectRef>
+      <a:fontRef idx="minor"/>
+    </dgm:style>
+  </dgm:styleLbl>
+</dgm:styleDef>
 </file>
 
 <file path=ppt/slideLayouts/slideLayout1.xml><?xml version="1.0" encoding="utf-8"?>
@@ -6608,7 +12316,9 @@
         </p:nvSpPr>
         <p:spPr/>
         <p:txBody>
-          <a:bodyPr/>
+          <a:bodyPr>
+            <a:normAutofit/>
+          </a:bodyPr>
           <a:lstStyle/>
           <a:p>
             <a:pPr marL="285750" indent="-285750" algn="l">
@@ -6619,8 +12329,21 @@
               <a:buChar char="v"/>
             </a:pPr>
             <a:r>
-              <a:rPr lang="hr-HR" dirty="0"/>
+              <a:rPr lang="hr-HR" sz="1600" dirty="0"/>
               <a:t>Pretraživanje aktivnih oglasa</a:t>
+            </a:r>
+          </a:p>
+          <a:p>
+            <a:pPr marL="285750" indent="-285750" algn="l">
+              <a:buClr>
+                <a:srgbClr val="FFC000"/>
+              </a:buClr>
+              <a:buFont typeface="Wingdings" panose="05000000000000000000" pitchFamily="2" charset="2"/>
+              <a:buChar char="v"/>
+            </a:pPr>
+            <a:r>
+              <a:rPr lang="hr-HR" sz="1600" dirty="0"/>
+              <a:t>Kontaktiranje oglašivača putem telefona ili e-mail adrese</a:t>
             </a:r>
           </a:p>
         </p:txBody>
@@ -6682,7 +12405,7 @@
               <a:buChar char="v"/>
             </a:pPr>
             <a:r>
-              <a:rPr lang="hr-HR" dirty="0"/>
+              <a:rPr lang="hr-HR" sz="1600" dirty="0"/>
               <a:t>Izrada i ažuriranje korisničkih računa</a:t>
             </a:r>
           </a:p>
@@ -6695,7 +12418,7 @@
               <a:buChar char="v"/>
             </a:pPr>
             <a:r>
-              <a:rPr lang="hr-HR" dirty="0"/>
+              <a:rPr lang="hr-HR" sz="1600" dirty="0"/>
               <a:t>Prijava i odjava</a:t>
             </a:r>
           </a:p>
@@ -6708,7 +12431,7 @@
               <a:buChar char="v"/>
             </a:pPr>
             <a:r>
-              <a:rPr lang="hr-HR" dirty="0"/>
+              <a:rPr lang="hr-HR" sz="1600" dirty="0"/>
               <a:t>Kreiranje i ažuriranje oglasa</a:t>
             </a:r>
           </a:p>
@@ -6721,7 +12444,7 @@
               <a:buChar char="v"/>
             </a:pPr>
             <a:r>
-              <a:rPr lang="hr-HR" dirty="0"/>
+              <a:rPr lang="hr-HR" sz="1600" dirty="0"/>
               <a:t>Soft delete oglasa</a:t>
             </a:r>
           </a:p>
@@ -6734,7 +12457,7 @@
               <a:buChar char="v"/>
             </a:pPr>
             <a:r>
-              <a:rPr lang="hr-HR" dirty="0"/>
+              <a:rPr lang="hr-HR" sz="1600" dirty="0"/>
               <a:t>Spremanje oglasa u favorite</a:t>
             </a:r>
           </a:p>
@@ -6747,7 +12470,7 @@
               <a:buChar char="v"/>
             </a:pPr>
             <a:r>
-              <a:rPr lang="hr-HR" dirty="0"/>
+              <a:rPr lang="hr-HR" sz="1600" dirty="0"/>
               <a:t>Objavljivanje komentara</a:t>
             </a:r>
           </a:p>
@@ -6802,7 +12525,9 @@
         </p:nvSpPr>
         <p:spPr/>
         <p:txBody>
-          <a:bodyPr/>
+          <a:bodyPr>
+            <a:normAutofit/>
+          </a:bodyPr>
           <a:lstStyle/>
           <a:p>
             <a:pPr marL="285750" indent="-285750" algn="l">
@@ -6813,7 +12538,7 @@
               <a:buChar char="v"/>
             </a:pPr>
             <a:r>
-              <a:rPr lang="hr-HR" dirty="0"/>
+              <a:rPr lang="hr-HR" sz="1600" dirty="0"/>
               <a:t>Pregled i pretraga svih oglasa i korisnika</a:t>
             </a:r>
           </a:p>
@@ -6826,7 +12551,7 @@
               <a:buChar char="v"/>
             </a:pPr>
             <a:r>
-              <a:rPr lang="hr-HR" dirty="0"/>
+              <a:rPr lang="hr-HR" sz="1600" dirty="0"/>
               <a:t>Ažuriranje svih oglasa i korisnika</a:t>
             </a:r>
           </a:p>
@@ -6839,7 +12564,7 @@
               <a:buChar char="v"/>
             </a:pPr>
             <a:r>
-              <a:rPr lang="hr-HR" dirty="0"/>
+              <a:rPr lang="hr-HR" sz="1600" dirty="0"/>
               <a:t>Uskraćivanje prava prijave korisnicima</a:t>
             </a:r>
           </a:p>
@@ -6852,7 +12577,7 @@
               <a:buChar char="v"/>
             </a:pPr>
             <a:r>
-              <a:rPr lang="hr-HR" dirty="0"/>
+              <a:rPr lang="hr-HR" sz="1600" dirty="0"/>
               <a:t>Pregled statistike o izradi oglasa i korisnika</a:t>
             </a:r>
           </a:p>
@@ -6865,7 +12590,7 @@
               <a:buChar char="v"/>
             </a:pPr>
             <a:r>
-              <a:rPr lang="hr-HR" dirty="0"/>
+              <a:rPr lang="hr-HR" sz="1600" dirty="0"/>
               <a:t>Brisanje oglasa</a:t>
             </a:r>
           </a:p>
@@ -6945,7 +12670,12 @@
             <p:ph idx="1"/>
           </p:nvPr>
         </p:nvSpPr>
-        <p:spPr/>
+        <p:spPr>
+          <a:xfrm>
+            <a:off x="216565" y="2988395"/>
+            <a:ext cx="10353762" cy="4058751"/>
+          </a:xfrm>
+        </p:spPr>
         <p:txBody>
           <a:bodyPr/>
           <a:lstStyle/>
@@ -6995,6 +12725,42 @@
           </a:p>
         </p:txBody>
       </p:sp>
+      <p:pic>
+        <p:nvPicPr>
+          <p:cNvPr id="8" name="Picture 7">
+            <a:extLst>
+              <a:ext uri="{FF2B5EF4-FFF2-40B4-BE49-F238E27FC236}">
+                <a16:creationId xmlns:a16="http://schemas.microsoft.com/office/drawing/2014/main" id="{0327B23C-4B0F-76E7-3B30-17F775214B9A}"/>
+              </a:ext>
+            </a:extLst>
+          </p:cNvPr>
+          <p:cNvPicPr>
+            <a:picLocks noChangeAspect="1"/>
+          </p:cNvPicPr>
+          <p:nvPr/>
+        </p:nvPicPr>
+        <p:blipFill>
+          <a:blip r:embed="rId2">
+            <a:extLst>
+              <a:ext uri="{28A0092B-C50C-407E-A947-70E740481C1C}">
+                <a14:useLocalDpi xmlns:a14="http://schemas.microsoft.com/office/drawing/2010/main" val="0"/>
+              </a:ext>
+            </a:extLst>
+          </a:blip>
+          <a:stretch>
+            <a:fillRect/>
+          </a:stretch>
+        </p:blipFill>
+        <p:spPr>
+          <a:xfrm>
+            <a:off x="111713" y="1580050"/>
+            <a:ext cx="11957926" cy="852360"/>
+          </a:xfrm>
+          <a:prstGeom prst="rect">
+            <a:avLst/>
+          </a:prstGeom>
+        </p:spPr>
+      </p:pic>
     </p:spTree>
     <p:extLst>
       <p:ext uri="{BB962C8B-B14F-4D97-AF65-F5344CB8AC3E}">
@@ -7011,6 +12777,25 @@
 <file path=ppt/slides/slide12.xml><?xml version="1.0" encoding="utf-8"?>
 <p:sld xmlns:a="http://schemas.openxmlformats.org/drawingml/2006/main" xmlns:r="http://schemas.openxmlformats.org/officeDocument/2006/relationships" xmlns:p="http://schemas.openxmlformats.org/presentationml/2006/main">
   <p:cSld>
+    <p:bg>
+      <p:bgPr>
+        <a:blipFill rotWithShape="1">
+          <a:blip r:embed="rId2">
+            <a:duotone>
+              <a:schemeClr val="bg2">
+                <a:shade val="80000"/>
+                <a:lumMod val="80000"/>
+              </a:schemeClr>
+              <a:schemeClr val="bg2">
+                <a:tint val="98000"/>
+              </a:schemeClr>
+            </a:duotone>
+          </a:blip>
+          <a:stretch/>
+        </a:blipFill>
+        <a:effectLst/>
+      </p:bgPr>
+    </p:bg>
     <p:spTree>
       <p:nvGrpSpPr>
         <p:cNvPr id="1" name=""/>
@@ -7041,9 +12826,16 @@
             <p:ph type="title"/>
           </p:nvPr>
         </p:nvSpPr>
-        <p:spPr/>
+        <p:spPr>
+          <a:xfrm>
+            <a:off x="913795" y="609600"/>
+            <a:ext cx="10353762" cy="970450"/>
+          </a:xfrm>
+        </p:spPr>
         <p:txBody>
-          <a:bodyPr/>
+          <a:bodyPr>
+            <a:normAutofit/>
+          </a:bodyPr>
           <a:lstStyle/>
           <a:p>
             <a:r>
@@ -7053,50 +12845,37 @@
           </a:p>
         </p:txBody>
       </p:sp>
-      <p:sp>
-        <p:nvSpPr>
-          <p:cNvPr id="3" name="Content Placeholder 2">
+      <p:graphicFrame>
+        <p:nvGraphicFramePr>
+          <p:cNvPr id="5" name="Content Placeholder 2">
             <a:extLst>
               <a:ext uri="{FF2B5EF4-FFF2-40B4-BE49-F238E27FC236}">
-                <a16:creationId xmlns:a16="http://schemas.microsoft.com/office/drawing/2014/main" id="{C8A12A3E-1C59-4E2E-D626-082F8695E02C}"/>
+                <a16:creationId xmlns:a16="http://schemas.microsoft.com/office/drawing/2014/main" id="{748A1F60-4CFE-6571-B52A-AB192CC83B70}"/>
               </a:ext>
             </a:extLst>
           </p:cNvPr>
-          <p:cNvSpPr>
-            <a:spLocks noGrp="1"/>
-          </p:cNvSpPr>
+          <p:cNvGraphicFramePr>
+            <a:graphicFrameLocks noGrp="1"/>
+          </p:cNvGraphicFramePr>
           <p:nvPr>
             <p:ph idx="1"/>
+            <p:extLst>
+              <p:ext uri="{D42A27DB-BD31-4B8C-83A1-F6EECF244321}">
+                <p14:modId xmlns:p14="http://schemas.microsoft.com/office/powerpoint/2010/main" val="3929793877"/>
+              </p:ext>
+            </p:extLst>
           </p:nvPr>
-        </p:nvSpPr>
-        <p:spPr/>
-        <p:txBody>
-          <a:bodyPr/>
-          <a:lstStyle/>
-          <a:p>
-            <a:pPr>
-              <a:buClr>
-                <a:srgbClr val="FFC000"/>
-              </a:buClr>
-            </a:pPr>
-            <a:r>
-              <a:rPr lang="hr-HR" dirty="0"/>
-              <a:t>Pregled i ažuriranje podataka</a:t>
-            </a:r>
-          </a:p>
-          <a:p>
-            <a:pPr>
-              <a:buClr>
-                <a:srgbClr val="FFC000"/>
-              </a:buClr>
-            </a:pPr>
-            <a:r>
-              <a:rPr lang="hr-HR" dirty="0"/>
-              <a:t>Pregled statistike o oglasima i korisnicima</a:t>
-            </a:r>
-          </a:p>
-        </p:txBody>
-      </p:sp>
+        </p:nvGraphicFramePr>
+        <p:xfrm>
+          <a:off x="914400" y="1731963"/>
+          <a:ext cx="10353675" cy="4059237"/>
+        </p:xfrm>
+        <a:graphic>
+          <a:graphicData uri="http://schemas.openxmlformats.org/drawingml/2006/diagram">
+            <dgm:relIds xmlns:dgm="http://schemas.openxmlformats.org/drawingml/2006/diagram" xmlns:r="http://schemas.openxmlformats.org/officeDocument/2006/relationships" r:dm="rId3" r:lo="rId4" r:qs="rId5" r:cs="rId6"/>
+          </a:graphicData>
+        </a:graphic>
+      </p:graphicFrame>
     </p:spTree>
     <p:extLst>
       <p:ext uri="{BB962C8B-B14F-4D97-AF65-F5344CB8AC3E}">
@@ -7113,6 +12892,25 @@
 <file path=ppt/slides/slide13.xml><?xml version="1.0" encoding="utf-8"?>
 <p:sld xmlns:a="http://schemas.openxmlformats.org/drawingml/2006/main" xmlns:r="http://schemas.openxmlformats.org/officeDocument/2006/relationships" xmlns:p="http://schemas.openxmlformats.org/presentationml/2006/main">
   <p:cSld>
+    <p:bg>
+      <p:bgPr>
+        <a:blipFill rotWithShape="1">
+          <a:blip r:embed="rId2">
+            <a:duotone>
+              <a:schemeClr val="bg2">
+                <a:shade val="80000"/>
+                <a:lumMod val="80000"/>
+              </a:schemeClr>
+              <a:schemeClr val="bg2">
+                <a:tint val="98000"/>
+              </a:schemeClr>
+            </a:duotone>
+          </a:blip>
+          <a:stretch/>
+        </a:blipFill>
+        <a:effectLst/>
+      </p:bgPr>
+    </p:bg>
     <p:spTree>
       <p:nvGrpSpPr>
         <p:cNvPr id="1" name=""/>
@@ -7132,7 +12930,7 @@
           <p:cNvPr id="2" name="Title 1">
             <a:extLst>
               <a:ext uri="{FF2B5EF4-FFF2-40B4-BE49-F238E27FC236}">
-                <a16:creationId xmlns:a16="http://schemas.microsoft.com/office/drawing/2014/main" id="{7E2C986A-5ACE-DB4C-18A7-938D0F35BF63}"/>
+                <a16:creationId xmlns:a16="http://schemas.microsoft.com/office/drawing/2014/main" id="{87462EED-A162-4F63-D327-2906938077DD}"/>
               </a:ext>
             </a:extLst>
           </p:cNvPr>
@@ -7143,9 +12941,16 @@
             <p:ph type="title"/>
           </p:nvPr>
         </p:nvSpPr>
-        <p:spPr/>
+        <p:spPr>
+          <a:xfrm>
+            <a:off x="913795" y="609600"/>
+            <a:ext cx="10353762" cy="970450"/>
+          </a:xfrm>
+        </p:spPr>
         <p:txBody>
-          <a:bodyPr/>
+          <a:bodyPr>
+            <a:normAutofit/>
+          </a:bodyPr>
           <a:lstStyle/>
           <a:p>
             <a:r>
@@ -7155,65 +12960,41 @@
           </a:p>
         </p:txBody>
       </p:sp>
-      <p:sp>
-        <p:nvSpPr>
-          <p:cNvPr id="3" name="Content Placeholder 2">
+      <p:graphicFrame>
+        <p:nvGraphicFramePr>
+          <p:cNvPr id="5" name="Content Placeholder 2">
             <a:extLst>
               <a:ext uri="{FF2B5EF4-FFF2-40B4-BE49-F238E27FC236}">
-                <a16:creationId xmlns:a16="http://schemas.microsoft.com/office/drawing/2014/main" id="{D42D8675-B531-47C3-B200-1F2A249F5A76}"/>
+                <a16:creationId xmlns:a16="http://schemas.microsoft.com/office/drawing/2014/main" id="{748A1F60-4CFE-6571-B52A-AB192CC83B70}"/>
               </a:ext>
             </a:extLst>
           </p:cNvPr>
-          <p:cNvSpPr>
-            <a:spLocks noGrp="1"/>
-          </p:cNvSpPr>
+          <p:cNvGraphicFramePr>
+            <a:graphicFrameLocks noGrp="1"/>
+          </p:cNvGraphicFramePr>
           <p:nvPr>
             <p:ph idx="1"/>
+            <p:extLst>
+              <p:ext uri="{D42A27DB-BD31-4B8C-83A1-F6EECF244321}">
+                <p14:modId xmlns:p14="http://schemas.microsoft.com/office/powerpoint/2010/main" val="3235078657"/>
+              </p:ext>
+            </p:extLst>
           </p:nvPr>
-        </p:nvSpPr>
-        <p:spPr/>
-        <p:txBody>
-          <a:bodyPr/>
-          <a:lstStyle/>
-          <a:p>
-            <a:pPr>
-              <a:buClr>
-                <a:srgbClr val="FFC000"/>
-              </a:buClr>
-            </a:pPr>
-            <a:r>
-              <a:rPr lang="hr-HR" dirty="0"/>
-              <a:t>Putem tražilice</a:t>
-            </a:r>
-          </a:p>
-          <a:p>
-            <a:pPr>
-              <a:buClr>
-                <a:srgbClr val="FFC000"/>
-              </a:buClr>
-            </a:pPr>
-            <a:r>
-              <a:rPr lang="hr-HR" dirty="0"/>
-              <a:t>Po kategoriji</a:t>
-            </a:r>
-          </a:p>
-          <a:p>
-            <a:pPr>
-              <a:buClr>
-                <a:srgbClr val="FFC000"/>
-              </a:buClr>
-            </a:pPr>
-            <a:r>
-              <a:rPr lang="hr-HR" dirty="0"/>
-              <a:t>Kroz korisnički profil</a:t>
-            </a:r>
-          </a:p>
-        </p:txBody>
-      </p:sp>
+        </p:nvGraphicFramePr>
+        <p:xfrm>
+          <a:off x="914400" y="1731963"/>
+          <a:ext cx="10353675" cy="4059237"/>
+        </p:xfrm>
+        <a:graphic>
+          <a:graphicData uri="http://schemas.openxmlformats.org/drawingml/2006/diagram">
+            <dgm:relIds xmlns:dgm="http://schemas.openxmlformats.org/drawingml/2006/diagram" xmlns:r="http://schemas.openxmlformats.org/officeDocument/2006/relationships" r:dm="rId3" r:lo="rId4" r:qs="rId5" r:cs="rId6"/>
+          </a:graphicData>
+        </a:graphic>
+      </p:graphicFrame>
     </p:spTree>
     <p:extLst>
       <p:ext uri="{BB962C8B-B14F-4D97-AF65-F5344CB8AC3E}">
-        <p14:creationId xmlns:p14="http://schemas.microsoft.com/office/powerpoint/2010/main" val="3361973452"/>
+        <p14:creationId xmlns:p14="http://schemas.microsoft.com/office/powerpoint/2010/main" val="1117197904"/>
       </p:ext>
     </p:extLst>
   </p:cSld>
@@ -7308,6 +13089,17 @@
             <a:r>
               <a:rPr lang="hr-HR" dirty="0"/>
               <a:t>Osvrt na korištene tehnologije</a:t>
+            </a:r>
+          </a:p>
+          <a:p>
+            <a:pPr>
+              <a:buClr>
+                <a:srgbClr val="FFC000"/>
+              </a:buClr>
+            </a:pPr>
+            <a:r>
+              <a:rPr lang="hr-HR" dirty="0"/>
+              <a:t>Pitanja?</a:t>
             </a:r>
           </a:p>
         </p:txBody>
@@ -8730,7 +14522,7 @@
             <a:pPr algn="l"/>
             <a:r>
               <a:rPr lang="hr-HR" sz="2800" dirty="0"/>
-              <a:t>Prijava i odjava</a:t>
+              <a:t>Prijava</a:t>
             </a:r>
           </a:p>
         </p:txBody>
@@ -8794,18 +14586,6 @@
               <a:rPr lang="hr-HR" sz="1600" dirty="0"/>
               <a:t>Neuspješna prijava</a:t>
             </a:r>
-          </a:p>
-          <a:p>
-            <a:pPr>
-              <a:buClr>
-                <a:srgbClr val="FFC000"/>
-              </a:buClr>
-            </a:pPr>
-            <a:r>
-              <a:rPr lang="hr-HR" sz="1600" dirty="0"/>
-              <a:t>Brisanje tokena pri odjavi</a:t>
-            </a:r>
-            <a:endParaRPr lang="en-US" sz="1600" dirty="0"/>
           </a:p>
         </p:txBody>
       </p:sp>
